--- a/yabuki-a/PM演習矢吹a/PM演習_中間報告_矢吹研A班.pptx
+++ b/yabuki-a/PM演習矢吹a/PM演習_中間報告_矢吹研A班.pptx
@@ -6,24 +6,22 @@
     <p:sldMasterId id="2147483888" r:id="rId2"/>
   </p:sldMasterIdLst>
   <p:notesMasterIdLst>
-    <p:notesMasterId r:id="rId18"/>
+    <p:notesMasterId r:id="rId16"/>
   </p:notesMasterIdLst>
   <p:sldIdLst>
     <p:sldId id="256" r:id="rId3"/>
     <p:sldId id="261" r:id="rId4"/>
     <p:sldId id="257" r:id="rId5"/>
     <p:sldId id="259" r:id="rId6"/>
-    <p:sldId id="260" r:id="rId7"/>
-    <p:sldId id="265" r:id="rId8"/>
+    <p:sldId id="265" r:id="rId7"/>
+    <p:sldId id="260" r:id="rId8"/>
     <p:sldId id="258" r:id="rId9"/>
     <p:sldId id="266" r:id="rId10"/>
     <p:sldId id="267" r:id="rId11"/>
     <p:sldId id="268" r:id="rId12"/>
-    <p:sldId id="271" r:id="rId13"/>
-    <p:sldId id="269" r:id="rId14"/>
-    <p:sldId id="270" r:id="rId15"/>
-    <p:sldId id="273" r:id="rId16"/>
-    <p:sldId id="272" r:id="rId17"/>
+    <p:sldId id="272" r:id="rId13"/>
+    <p:sldId id="275" r:id="rId14"/>
+    <p:sldId id="274" r:id="rId15"/>
   </p:sldIdLst>
   <p:sldSz cx="12192000" cy="6858000"/>
   <p:notesSz cx="6858000" cy="9144000"/>
@@ -124,7 +122,18 @@
   </p:defaultTextStyle>
   <p:extLst>
     <p:ext uri="{EFAFB233-063F-42B5-8137-9DF3F51BA10A}">
-      <p15:sldGuideLst xmlns:p15="http://schemas.microsoft.com/office/powerpoint/2012/main"/>
+      <p15:sldGuideLst xmlns:p15="http://schemas.microsoft.com/office/powerpoint/2012/main">
+        <p15:guide id="1" orient="horz" pos="2160">
+          <p15:clr>
+            <a:srgbClr val="A4A3A4"/>
+          </p15:clr>
+        </p15:guide>
+        <p15:guide id="2" pos="3840">
+          <p15:clr>
+            <a:srgbClr val="A4A3A4"/>
+          </p15:clr>
+        </p15:guide>
+      </p15:sldGuideLst>
     </p:ext>
     <p:ext uri="{2D200454-40CA-4A62-9FC3-DE9A4176ACB9}">
       <p15:notesGuideLst xmlns:p15="http://schemas.microsoft.com/office/powerpoint/2012/main"/>
@@ -250,49 +259,49 @@
                 <c:formatCode>0.0_ </c:formatCode>
                 <c:ptCount val="17"/>
                 <c:pt idx="0">
-                  <c:v>7</c:v>
+                  <c:v>5</c:v>
                 </c:pt>
                 <c:pt idx="1">
-                  <c:v>31</c:v>
+                  <c:v>27</c:v>
                 </c:pt>
                 <c:pt idx="2">
+                  <c:v>53</c:v>
+                </c:pt>
+                <c:pt idx="3">
                   <c:v>59</c:v>
                 </c:pt>
-                <c:pt idx="3">
-                  <c:v>65</c:v>
-                </c:pt>
                 <c:pt idx="4">
-                  <c:v>79</c:v>
+                  <c:v>72</c:v>
                 </c:pt>
                 <c:pt idx="5">
-                  <c:v>104</c:v>
+                  <c:v>93</c:v>
                 </c:pt>
                 <c:pt idx="6">
-                  <c:v>130</c:v>
+                  <c:v>117</c:v>
                 </c:pt>
                 <c:pt idx="7">
-                  <c:v>156</c:v>
+                  <c:v>141</c:v>
                 </c:pt>
                 <c:pt idx="8">
-                  <c:v>182</c:v>
+                  <c:v>168</c:v>
                 </c:pt>
                 <c:pt idx="9">
-                  <c:v>207</c:v>
+                  <c:v>195</c:v>
                 </c:pt>
                 <c:pt idx="10">
-                  <c:v>233</c:v>
+                  <c:v>224</c:v>
                 </c:pt>
                 <c:pt idx="11">
-                  <c:v>259</c:v>
+                  <c:v>251</c:v>
                 </c:pt>
                 <c:pt idx="12">
-                  <c:v>285</c:v>
+                  <c:v>279</c:v>
                 </c:pt>
                 <c:pt idx="13">
                   <c:v>307</c:v>
                 </c:pt>
                 <c:pt idx="14">
-                  <c:v>333</c:v>
+                  <c:v>335</c:v>
                 </c:pt>
                 <c:pt idx="15">
                   <c:v>360</c:v>
@@ -394,28 +403,28 @@
                 <c:formatCode>0.0_ </c:formatCode>
                 <c:ptCount val="17"/>
                 <c:pt idx="0">
-                  <c:v>4</c:v>
+                  <c:v>2</c:v>
                 </c:pt>
                 <c:pt idx="1">
-                  <c:v>16</c:v>
+                  <c:v>12</c:v>
                 </c:pt>
                 <c:pt idx="2">
-                  <c:v>32</c:v>
+                  <c:v>20</c:v>
                 </c:pt>
                 <c:pt idx="3">
-                  <c:v>53</c:v>
+                  <c:v>41</c:v>
                 </c:pt>
                 <c:pt idx="4">
-                  <c:v>75</c:v>
+                  <c:v>62</c:v>
                 </c:pt>
                 <c:pt idx="5">
-                  <c:v>100</c:v>
+                  <c:v>83</c:v>
                 </c:pt>
                 <c:pt idx="6">
-                  <c:v>123</c:v>
+                  <c:v>104</c:v>
                 </c:pt>
                 <c:pt idx="7">
-                  <c:v>157</c:v>
+                  <c:v>149</c:v>
                 </c:pt>
                 <c:pt idx="8">
                   <c:v>#N/A</c:v>
@@ -539,22 +548,22 @@
                   <c:v>23</c:v>
                 </c:pt>
                 <c:pt idx="2">
-                  <c:v>35</c:v>
+                  <c:v>23</c:v>
                 </c:pt>
                 <c:pt idx="3">
-                  <c:v>35</c:v>
+                  <c:v>23</c:v>
                 </c:pt>
                 <c:pt idx="4">
-                  <c:v>35</c:v>
+                  <c:v>23</c:v>
                 </c:pt>
                 <c:pt idx="5">
-                  <c:v>35</c:v>
+                  <c:v>23</c:v>
                 </c:pt>
                 <c:pt idx="6">
-                  <c:v>35</c:v>
+                  <c:v>23</c:v>
                 </c:pt>
                 <c:pt idx="7">
-                  <c:v>47</c:v>
+                  <c:v>23</c:v>
                 </c:pt>
                 <c:pt idx="8">
                   <c:v>#N/A</c:v>
@@ -597,11 +606,11 @@
           <c:showBubbleSize val="0"/>
         </c:dLbls>
         <c:smooth val="0"/>
-        <c:axId val="233876976"/>
-        <c:axId val="233877536"/>
+        <c:axId val="229280256"/>
+        <c:axId val="229280816"/>
       </c:lineChart>
       <c:dateAx>
-        <c:axId val="233876976"/>
+        <c:axId val="229280256"/>
         <c:scaling>
           <c:orientation val="minMax"/>
         </c:scaling>
@@ -611,14 +620,14 @@
         <c:majorTickMark val="out"/>
         <c:minorTickMark val="none"/>
         <c:tickLblPos val="nextTo"/>
-        <c:crossAx val="233877536"/>
+        <c:crossAx val="229280816"/>
         <c:crosses val="autoZero"/>
         <c:auto val="1"/>
         <c:lblOffset val="100"/>
         <c:baseTimeUnit val="days"/>
       </c:dateAx>
       <c:valAx>
-        <c:axId val="233877536"/>
+        <c:axId val="229280816"/>
         <c:scaling>
           <c:orientation val="minMax"/>
         </c:scaling>
@@ -639,7 +648,7 @@
             <a:endParaRPr lang="ja-JP"/>
           </a:p>
         </c:txPr>
-        <c:crossAx val="233876976"/>
+        <c:crossAx val="229280256"/>
         <c:crosses val="autoZero"/>
         <c:crossBetween val="between"/>
       </c:valAx>
@@ -760,7 +769,7 @@
           <a:p>
             <a:fld id="{298900BD-ADD4-46C5-B277-D9546B2272A2}" type="datetimeFigureOut">
               <a:rPr kumimoji="1" lang="ja-JP" altLang="en-US" smtClean="0"/>
-              <a:t>2014/6/2</a:t>
+              <a:t>2014/6/5</a:t>
             </a:fld>
             <a:endParaRPr kumimoji="1" lang="ja-JP" altLang="en-US"/>
           </a:p>
@@ -26564,6 +26573,49 @@
           <a:chExt cx="0" cy="0"/>
         </a:xfrm>
       </p:grpSpPr>
+      <p:sp>
+        <p:nvSpPr>
+          <p:cNvPr id="2" name="テキスト ボックス 1"/>
+          <p:cNvSpPr txBox="1"/>
+          <p:nvPr/>
+        </p:nvSpPr>
+        <p:spPr>
+          <a:xfrm>
+            <a:off x="1613766" y="1745398"/>
+            <a:ext cx="9013371" cy="2308324"/>
+          </a:xfrm>
+          <a:prstGeom prst="rect">
+            <a:avLst/>
+          </a:prstGeom>
+          <a:noFill/>
+        </p:spPr>
+        <p:txBody>
+          <a:bodyPr wrap="square" rtlCol="0">
+            <a:spAutoFit/>
+          </a:bodyPr>
+          <a:lstStyle/>
+          <a:p>
+            <a:pPr algn="ctr"/>
+            <a:r>
+              <a:rPr kumimoji="1" lang="en-US" altLang="ja-JP" sz="7200" b="1" dirty="0" smtClean="0"/>
+              <a:t>PM</a:t>
+            </a:r>
+            <a:r>
+              <a:rPr kumimoji="1" lang="ja-JP" altLang="en-US" sz="7200" b="1" dirty="0" smtClean="0"/>
+              <a:t>演習</a:t>
+            </a:r>
+            <a:endParaRPr kumimoji="1" lang="en-US" altLang="ja-JP" sz="7200" b="1" dirty="0" smtClean="0"/>
+          </a:p>
+          <a:p>
+            <a:pPr algn="ctr"/>
+            <a:r>
+              <a:rPr lang="ja-JP" altLang="en-US" sz="7200" b="1" dirty="0" smtClean="0"/>
+              <a:t>中間発表</a:t>
+            </a:r>
+            <a:endParaRPr kumimoji="1" lang="ja-JP" altLang="en-US" sz="7200" b="1" dirty="0"/>
+          </a:p>
+        </p:txBody>
+      </p:sp>
     </p:spTree>
     <p:extLst>
       <p:ext uri="{BB962C8B-B14F-4D97-AF65-F5344CB8AC3E}">
@@ -26656,12 +26708,12 @@
           <a:lstStyle/>
           <a:p>
             <a:r>
-              <a:rPr lang="en-US" altLang="ja-JP" sz="2800" dirty="0"/>
+              <a:rPr lang="en-US" altLang="ja-JP" sz="2800" dirty="0" smtClean="0"/>
               <a:t>2</a:t>
             </a:r>
             <a:r>
               <a:rPr kumimoji="1" lang="en-US" altLang="ja-JP" sz="2800" dirty="0" smtClean="0"/>
-              <a:t>.4	</a:t>
+              <a:t>.3	</a:t>
             </a:r>
             <a:r>
               <a:rPr lang="ja-JP" altLang="en-US" sz="2800" dirty="0" smtClean="0"/>
@@ -26728,7 +26780,7 @@
       </p:sp>
       <p:pic>
         <p:nvPicPr>
-          <p:cNvPr id="3" name="図 2"/>
+          <p:cNvPr id="2" name="図 1"/>
           <p:cNvPicPr>
             <a:picLocks noChangeAspect="1"/>
           </p:cNvPicPr>
@@ -26742,8 +26794,8 @@
         </p:blipFill>
         <p:spPr>
           <a:xfrm>
-            <a:off x="2692400" y="1993003"/>
-            <a:ext cx="5720966" cy="4261740"/>
+            <a:off x="1834127" y="2014913"/>
+            <a:ext cx="8060809" cy="4455791"/>
           </a:xfrm>
           <a:prstGeom prst="rect">
             <a:avLst/>
@@ -26760,6 +26812,13 @@
   <p:clrMapOvr>
     <a:masterClrMapping/>
   </p:clrMapOvr>
+  <p:timing>
+    <p:tnLst>
+      <p:par>
+        <p:cTn id="1" dur="indefinite" restart="never" nodeType="tmRoot"/>
+      </p:par>
+    </p:tnLst>
+  </p:timing>
 </p:sld>
 </file>
 
@@ -26796,7 +26855,7 @@
           <a:lstStyle/>
           <a:p>
             <a:fld id="{B52A0D98-C5F8-4D5A-A941-4728EF2912B9}" type="slidenum">
-              <a:rPr kumimoji="1" lang="ja-JP" altLang="en-US" smtClean="0">
+              <a:rPr kumimoji="1" lang="ja-JP" altLang="en-US" sz="2800" smtClean="0">
                 <a:solidFill>
                   <a:srgbClr val="464653"/>
                 </a:solidFill>
@@ -26804,7 +26863,7 @@
               <a:pPr/>
               <a:t>11</a:t>
             </a:fld>
-            <a:endParaRPr kumimoji="1" lang="ja-JP" altLang="en-US">
+            <a:endParaRPr kumimoji="1" lang="ja-JP" altLang="en-US" sz="2800" dirty="0">
               <a:solidFill>
                 <a:srgbClr val="464653"/>
               </a:solidFill>
@@ -26814,7 +26873,7 @@
       </p:sp>
       <p:sp>
         <p:nvSpPr>
-          <p:cNvPr id="7" name="テキスト ボックス 6"/>
+          <p:cNvPr id="18" name="テキスト ボックス 17"/>
           <p:cNvSpPr txBox="1"/>
           <p:nvPr/>
         </p:nvSpPr>
@@ -26835,16 +26894,12 @@
           <a:lstStyle/>
           <a:p>
             <a:r>
-              <a:rPr kumimoji="1" lang="en-US" altLang="ja-JP" sz="2800" dirty="0" smtClean="0"/>
-              <a:t>1.5</a:t>
+              <a:rPr lang="en-US" altLang="ja-JP" sz="2800" dirty="0" smtClean="0"/>
+              <a:t>3.1	EVM</a:t>
             </a:r>
             <a:r>
               <a:rPr lang="en-US" altLang="ja-JP" sz="2800" dirty="0"/>
               <a:t>	</a:t>
-            </a:r>
-            <a:r>
-              <a:rPr lang="en-US" altLang="ja-JP" sz="2800" dirty="0" smtClean="0"/>
-              <a:t>EVM</a:t>
             </a:r>
             <a:endParaRPr kumimoji="1" lang="ja-JP" altLang="en-US" sz="2800" dirty="0"/>
           </a:p>
@@ -26852,7 +26907,7 @@
       </p:sp>
       <p:sp>
         <p:nvSpPr>
-          <p:cNvPr id="8" name="タイトル 1"/>
+          <p:cNvPr id="19" name="タイトル 1"/>
           <p:cNvSpPr txBox="1">
             <a:spLocks/>
           </p:cNvSpPr>
@@ -26894,12 +26949,13 @@
             </a:lvl1pPr>
           </a:lstStyle>
           <a:p>
-            <a:pPr marL="914400" indent="-914400">
-              <a:buAutoNum type="arabicPeriod" startAt="2"/>
-            </a:pPr>
+            <a:r>
+              <a:rPr lang="en-US" altLang="ja-JP" sz="4000" dirty="0" smtClean="0"/>
+              <a:t>3.	</a:t>
+            </a:r>
             <a:r>
               <a:rPr lang="ja-JP" altLang="en-US" sz="4000" dirty="0" smtClean="0"/>
-              <a:t>プロジェクトマネジメント計画の概要</a:t>
+              <a:t>現状分析</a:t>
             </a:r>
             <a:endParaRPr lang="en-US" altLang="ja-JP" sz="4000" dirty="0" smtClean="0"/>
           </a:p>
@@ -26907,21 +26963,21 @@
       </p:sp>
       <p:graphicFrame>
         <p:nvGraphicFramePr>
-          <p:cNvPr id="9" name="グラフ 8"/>
+          <p:cNvPr id="10" name="グラフ 9"/>
           <p:cNvGraphicFramePr>
             <a:graphicFrameLocks/>
           </p:cNvGraphicFramePr>
           <p:nvPr>
             <p:extLst>
               <p:ext uri="{D42A27DB-BD31-4B8C-83A1-F6EECF244321}">
-                <p14:modId xmlns:p14="http://schemas.microsoft.com/office/powerpoint/2010/main" val="741980019"/>
+                <p14:modId xmlns:p14="http://schemas.microsoft.com/office/powerpoint/2010/main" val="2367147267"/>
               </p:ext>
             </p:extLst>
           </p:nvPr>
         </p:nvGraphicFramePr>
         <p:xfrm>
-          <a:off x="1736053" y="2229667"/>
-          <a:ext cx="7755254" cy="4185284"/>
+          <a:off x="1640403" y="2156024"/>
+          <a:ext cx="8504622" cy="4185284"/>
         </p:xfrm>
         <a:graphic>
           <a:graphicData uri="http://schemas.openxmlformats.org/drawingml/2006/chart">
@@ -26931,14 +26987,14 @@
       </p:graphicFrame>
       <p:sp>
         <p:nvSpPr>
-          <p:cNvPr id="10" name="テキスト ボックス 9"/>
+          <p:cNvPr id="11" name="テキスト ボックス 9"/>
           <p:cNvSpPr txBox="1"/>
           <p:nvPr/>
         </p:nvSpPr>
         <p:spPr>
           <a:xfrm>
-            <a:off x="4890732" y="2324917"/>
-            <a:ext cx="2314575" cy="335280"/>
+            <a:off x="4795082" y="2251274"/>
+            <a:ext cx="2538226" cy="335280"/>
           </a:xfrm>
           <a:prstGeom prst="rect">
             <a:avLst/>
@@ -27073,14 +27129,14 @@
       </p:sp>
       <p:sp>
         <p:nvSpPr>
-          <p:cNvPr id="11" name="テキスト ボックス 10"/>
+          <p:cNvPr id="12" name="テキスト ボックス 10"/>
           <p:cNvSpPr txBox="1"/>
           <p:nvPr/>
         </p:nvSpPr>
         <p:spPr>
           <a:xfrm>
-            <a:off x="1821778" y="2286817"/>
-            <a:ext cx="510540" cy="335280"/>
+            <a:off x="1726128" y="2213174"/>
+            <a:ext cx="559872" cy="335280"/>
           </a:xfrm>
           <a:prstGeom prst="rect">
             <a:avLst/>
@@ -27212,13 +27268,20 @@
     </p:spTree>
     <p:extLst>
       <p:ext uri="{BB962C8B-B14F-4D97-AF65-F5344CB8AC3E}">
-        <p14:creationId xmlns:p14="http://schemas.microsoft.com/office/powerpoint/2010/main" val="3869977626"/>
+        <p14:creationId xmlns:p14="http://schemas.microsoft.com/office/powerpoint/2010/main" val="957617152"/>
       </p:ext>
     </p:extLst>
   </p:cSld>
   <p:clrMapOvr>
     <a:masterClrMapping/>
   </p:clrMapOvr>
+  <p:timing>
+    <p:tnLst>
+      <p:par>
+        <p:cTn id="1" dur="indefinite" restart="never" nodeType="tmRoot"/>
+      </p:par>
+    </p:tnLst>
+  </p:timing>
 </p:sld>
 </file>
 
@@ -27294,16 +27357,16 @@
           <a:lstStyle/>
           <a:p>
             <a:r>
+              <a:rPr lang="en-US" altLang="ja-JP" sz="2800" dirty="0" smtClean="0"/>
+              <a:t>3.2	</a:t>
+            </a:r>
+            <a:r>
+              <a:rPr lang="ja-JP" altLang="en-US" sz="2800" dirty="0" smtClean="0"/>
+              <a:t>原因</a:t>
+            </a:r>
+            <a:r>
               <a:rPr lang="en-US" altLang="ja-JP" sz="2800" dirty="0"/>
-              <a:t>2</a:t>
-            </a:r>
-            <a:r>
-              <a:rPr kumimoji="1" lang="en-US" altLang="ja-JP" sz="2800" dirty="0" smtClean="0"/>
-              <a:t>.6	</a:t>
-            </a:r>
-            <a:r>
-              <a:rPr kumimoji="1" lang="ja-JP" altLang="en-US" sz="2800" dirty="0" smtClean="0"/>
-              <a:t>リスク・ブレークダウンストラクチャー</a:t>
+              <a:t>	</a:t>
             </a:r>
             <a:endParaRPr kumimoji="1" lang="ja-JP" altLang="en-US" sz="2800" dirty="0"/>
           </a:p>
@@ -27353,51 +27416,169 @@
             </a:lvl1pPr>
           </a:lstStyle>
           <a:p>
-            <a:pPr marL="914400" indent="-914400">
-              <a:buAutoNum type="arabicPeriod" startAt="2"/>
-            </a:pPr>
+            <a:r>
+              <a:rPr lang="en-US" altLang="ja-JP" sz="4000" dirty="0" smtClean="0"/>
+              <a:t>3.	</a:t>
+            </a:r>
             <a:r>
               <a:rPr lang="ja-JP" altLang="en-US" sz="4000" dirty="0" smtClean="0"/>
-              <a:t>プロジェクトマネジメント計画の概要</a:t>
+              <a:t>現状分析</a:t>
             </a:r>
             <a:endParaRPr lang="en-US" altLang="ja-JP" sz="4000" dirty="0" smtClean="0"/>
           </a:p>
         </p:txBody>
       </p:sp>
-      <p:pic>
-        <p:nvPicPr>
-          <p:cNvPr id="2" name="図 1"/>
-          <p:cNvPicPr>
-            <a:picLocks noChangeAspect="1"/>
-          </p:cNvPicPr>
+      <p:sp>
+        <p:nvSpPr>
+          <p:cNvPr id="3" name="テキスト ボックス 2"/>
+          <p:cNvSpPr txBox="1"/>
           <p:nvPr/>
-        </p:nvPicPr>
-        <p:blipFill>
-          <a:blip r:embed="rId2"/>
-          <a:stretch>
-            <a:fillRect/>
-          </a:stretch>
-        </p:blipFill>
+        </p:nvSpPr>
         <p:spPr>
           <a:xfrm>
-            <a:off x="2351660" y="2552528"/>
-            <a:ext cx="7415338" cy="3918176"/>
+            <a:off x="948906" y="2211754"/>
+            <a:ext cx="10184668" cy="1938992"/>
           </a:xfrm>
           <a:prstGeom prst="rect">
             <a:avLst/>
           </a:prstGeom>
+          <a:noFill/>
         </p:spPr>
-      </p:pic>
+        <p:txBody>
+          <a:bodyPr wrap="square" rtlCol="0">
+            <a:spAutoFit/>
+          </a:bodyPr>
+          <a:lstStyle/>
+          <a:p>
+            <a:r>
+              <a:rPr lang="ja-JP" altLang="en-US" sz="2000" dirty="0" smtClean="0"/>
+              <a:t>・中間考査と重なり、メンバの作業効率が低下した。</a:t>
+            </a:r>
+            <a:endParaRPr lang="en-US" altLang="ja-JP" sz="2000" dirty="0" smtClean="0"/>
+          </a:p>
+          <a:p>
+            <a:endParaRPr kumimoji="1" lang="en-US" altLang="ja-JP" sz="2000" dirty="0" smtClean="0"/>
+          </a:p>
+          <a:p>
+            <a:r>
+              <a:rPr kumimoji="1" lang="ja-JP" altLang="en-US" sz="2000" dirty="0" smtClean="0"/>
+              <a:t>・設計書作成における知識不足</a:t>
+            </a:r>
+            <a:endParaRPr kumimoji="1" lang="en-US" altLang="ja-JP" sz="2000" dirty="0" smtClean="0"/>
+          </a:p>
+          <a:p>
+            <a:endParaRPr lang="en-US" altLang="ja-JP" sz="2000" dirty="0" smtClean="0"/>
+          </a:p>
+          <a:p>
+            <a:r>
+              <a:rPr lang="ja-JP" altLang="en-US" sz="2000" dirty="0" smtClean="0"/>
+              <a:t>・雛形を利用したことにより、</a:t>
+            </a:r>
+            <a:endParaRPr lang="en-US" altLang="ja-JP" sz="2000" dirty="0" smtClean="0"/>
+          </a:p>
+          <a:p>
+            <a:r>
+              <a:rPr lang="en-US" altLang="ja-JP" sz="2000" dirty="0"/>
+              <a:t>	</a:t>
+            </a:r>
+            <a:r>
+              <a:rPr lang="ja-JP" altLang="en-US" sz="2000" dirty="0" smtClean="0"/>
+              <a:t>より詳細な設計を記述することが出来なかった。</a:t>
+            </a:r>
+            <a:endParaRPr lang="en-US" altLang="ja-JP" sz="2000" dirty="0" smtClean="0"/>
+          </a:p>
+        </p:txBody>
+      </p:sp>
+      <p:sp>
+        <p:nvSpPr>
+          <p:cNvPr id="4" name="テキスト ボックス 3"/>
+          <p:cNvSpPr txBox="1"/>
+          <p:nvPr/>
+        </p:nvSpPr>
+        <p:spPr>
+          <a:xfrm>
+            <a:off x="948906" y="4867379"/>
+            <a:ext cx="10011507" cy="523220"/>
+          </a:xfrm>
+          <a:prstGeom prst="rect">
+            <a:avLst/>
+          </a:prstGeom>
+          <a:noFill/>
+        </p:spPr>
+        <p:txBody>
+          <a:bodyPr wrap="square" rtlCol="0">
+            <a:spAutoFit/>
+          </a:bodyPr>
+          <a:lstStyle/>
+          <a:p>
+            <a:r>
+              <a:rPr kumimoji="1" lang="ja-JP" altLang="en-US" sz="2800" dirty="0" smtClean="0"/>
+              <a:t>手戻りが大幅に発生し、コストが大幅に増加した。</a:t>
+            </a:r>
+            <a:endParaRPr kumimoji="1" lang="ja-JP" altLang="en-US" sz="2800" dirty="0"/>
+          </a:p>
+        </p:txBody>
+      </p:sp>
+      <p:sp>
+        <p:nvSpPr>
+          <p:cNvPr id="5" name="右矢印 4"/>
+          <p:cNvSpPr/>
+          <p:nvPr/>
+        </p:nvSpPr>
+        <p:spPr>
+          <a:xfrm rot="5400000">
+            <a:off x="4763356" y="3589639"/>
+            <a:ext cx="543758" cy="1838847"/>
+          </a:xfrm>
+          <a:prstGeom prst="rightArrow">
+            <a:avLst>
+              <a:gd name="adj1" fmla="val 50000"/>
+              <a:gd name="adj2" fmla="val 48152"/>
+            </a:avLst>
+          </a:prstGeom>
+        </p:spPr>
+        <p:style>
+          <a:lnRef idx="2">
+            <a:schemeClr val="accent1">
+              <a:shade val="50000"/>
+            </a:schemeClr>
+          </a:lnRef>
+          <a:fillRef idx="1">
+            <a:schemeClr val="accent1"/>
+          </a:fillRef>
+          <a:effectRef idx="0">
+            <a:schemeClr val="accent1"/>
+          </a:effectRef>
+          <a:fontRef idx="minor">
+            <a:schemeClr val="lt1"/>
+          </a:fontRef>
+        </p:style>
+        <p:txBody>
+          <a:bodyPr rtlCol="0" anchor="ctr"/>
+          <a:lstStyle/>
+          <a:p>
+            <a:pPr algn="ctr"/>
+            <a:endParaRPr kumimoji="1" lang="ja-JP" altLang="en-US"/>
+          </a:p>
+        </p:txBody>
+      </p:sp>
     </p:spTree>
     <p:extLst>
       <p:ext uri="{BB962C8B-B14F-4D97-AF65-F5344CB8AC3E}">
-        <p14:creationId xmlns:p14="http://schemas.microsoft.com/office/powerpoint/2010/main" val="3911932904"/>
+        <p14:creationId xmlns:p14="http://schemas.microsoft.com/office/powerpoint/2010/main" val="670211200"/>
       </p:ext>
     </p:extLst>
   </p:cSld>
   <p:clrMapOvr>
     <a:masterClrMapping/>
   </p:clrMapOvr>
+  <p:timing>
+    <p:tnLst>
+      <p:par>
+        <p:cTn id="1" dur="indefinite" restart="never" nodeType="tmRoot"/>
+      </p:par>
+    </p:tnLst>
+  </p:timing>
 </p:sld>
 </file>
 
@@ -27473,16 +27654,24 @@
           <a:lstStyle/>
           <a:p>
             <a:r>
+              <a:rPr lang="en-US" altLang="ja-JP" sz="2800" dirty="0" smtClean="0"/>
+              <a:t>3.2	</a:t>
+            </a:r>
+            <a:r>
+              <a:rPr lang="ja-JP" altLang="en-US" sz="2800" dirty="0"/>
+              <a:t>今後</a:t>
+            </a:r>
+            <a:r>
+              <a:rPr lang="ja-JP" altLang="en-US" sz="2800" dirty="0" smtClean="0"/>
+              <a:t>の</a:t>
+            </a:r>
+            <a:r>
+              <a:rPr lang="ja-JP" altLang="en-US" sz="2800" dirty="0"/>
+              <a:t>対策</a:t>
+            </a:r>
+            <a:r>
               <a:rPr lang="en-US" altLang="ja-JP" sz="2800" dirty="0"/>
-              <a:t>2</a:t>
-            </a:r>
-            <a:r>
-              <a:rPr kumimoji="1" lang="en-US" altLang="ja-JP" sz="2800" dirty="0" smtClean="0"/>
-              <a:t>.7	</a:t>
-            </a:r>
-            <a:r>
-              <a:rPr lang="ja-JP" altLang="en-US" sz="2800" dirty="0" smtClean="0"/>
-              <a:t>リスク登録簿</a:t>
+              <a:t>	</a:t>
             </a:r>
             <a:endParaRPr kumimoji="1" lang="ja-JP" altLang="en-US" sz="2800" dirty="0"/>
           </a:p>
@@ -27532,189 +27721,28 @@
             </a:lvl1pPr>
           </a:lstStyle>
           <a:p>
-            <a:pPr marL="914400" indent="-914400">
-              <a:buAutoNum type="arabicPeriod" startAt="2"/>
-            </a:pPr>
+            <a:r>
+              <a:rPr lang="en-US" altLang="ja-JP" sz="4000" dirty="0" smtClean="0"/>
+              <a:t>3.	</a:t>
+            </a:r>
             <a:r>
               <a:rPr lang="ja-JP" altLang="en-US" sz="4000" dirty="0" smtClean="0"/>
-              <a:t>プロジェクトマネジメント計画の概要</a:t>
+              <a:t>現状分析</a:t>
             </a:r>
             <a:endParaRPr lang="en-US" altLang="ja-JP" sz="4000" dirty="0" smtClean="0"/>
-          </a:p>
-        </p:txBody>
-      </p:sp>
-    </p:spTree>
-    <p:extLst>
-      <p:ext uri="{BB962C8B-B14F-4D97-AF65-F5344CB8AC3E}">
-        <p14:creationId xmlns:p14="http://schemas.microsoft.com/office/powerpoint/2010/main" val="4105202159"/>
-      </p:ext>
-    </p:extLst>
-  </p:cSld>
-  <p:clrMapOvr>
-    <a:masterClrMapping/>
-  </p:clrMapOvr>
-</p:sld>
-</file>
-
-<file path=ppt/slides/slide14.xml><?xml version="1.0" encoding="utf-8"?>
-<p:sld xmlns:a="http://schemas.openxmlformats.org/drawingml/2006/main" xmlns:r="http://schemas.openxmlformats.org/officeDocument/2006/relationships" xmlns:p="http://schemas.openxmlformats.org/presentationml/2006/main">
-  <p:cSld>
-    <p:spTree>
-      <p:nvGrpSpPr>
-        <p:cNvPr id="1" name=""/>
-        <p:cNvGrpSpPr/>
-        <p:nvPr/>
-      </p:nvGrpSpPr>
-      <p:grpSpPr>
-        <a:xfrm>
-          <a:off x="0" y="0"/>
-          <a:ext cx="0" cy="0"/>
-          <a:chOff x="0" y="0"/>
-          <a:chExt cx="0" cy="0"/>
-        </a:xfrm>
-      </p:grpSpPr>
-      <p:sp>
-        <p:nvSpPr>
-          <p:cNvPr id="2" name="タイトル 1"/>
-          <p:cNvSpPr>
-            <a:spLocks noGrp="1"/>
-          </p:cNvSpPr>
-          <p:nvPr>
-            <p:ph type="title"/>
-          </p:nvPr>
-        </p:nvSpPr>
-        <p:spPr/>
-        <p:txBody>
-          <a:bodyPr/>
-          <a:lstStyle/>
-          <a:p>
-            <a:endParaRPr kumimoji="1" lang="ja-JP" altLang="en-US"/>
           </a:p>
         </p:txBody>
       </p:sp>
       <p:sp>
         <p:nvSpPr>
-          <p:cNvPr id="6" name="スライド番号プレースホルダー 5"/>
-          <p:cNvSpPr>
-            <a:spLocks noGrp="1"/>
-          </p:cNvSpPr>
-          <p:nvPr>
-            <p:ph type="sldNum" sz="quarter" idx="12"/>
-          </p:nvPr>
-        </p:nvSpPr>
-        <p:spPr/>
-        <p:txBody>
-          <a:bodyPr/>
-          <a:lstStyle/>
-          <a:p>
-            <a:fld id="{B52A0D98-C5F8-4D5A-A941-4728EF2912B9}" type="slidenum">
-              <a:rPr kumimoji="1" lang="ja-JP" altLang="en-US" smtClean="0">
-                <a:solidFill>
-                  <a:srgbClr val="464653"/>
-                </a:solidFill>
-              </a:rPr>
-              <a:pPr/>
-              <a:t>14</a:t>
-            </a:fld>
-            <a:endParaRPr kumimoji="1" lang="ja-JP" altLang="en-US">
-              <a:solidFill>
-                <a:srgbClr val="464653"/>
-              </a:solidFill>
-            </a:endParaRPr>
-          </a:p>
-        </p:txBody>
-      </p:sp>
-      <p:sp>
-        <p:nvSpPr>
-          <p:cNvPr id="8" name="コンテンツ プレースホルダー 7"/>
-          <p:cNvSpPr>
-            <a:spLocks noGrp="1"/>
-          </p:cNvSpPr>
-          <p:nvPr>
-            <p:ph idx="1"/>
-          </p:nvPr>
-        </p:nvSpPr>
-        <p:spPr/>
-        <p:txBody>
-          <a:bodyPr/>
-          <a:lstStyle/>
-          <a:p>
-            <a:endParaRPr kumimoji="1" lang="ja-JP" altLang="en-US"/>
-          </a:p>
-        </p:txBody>
-      </p:sp>
-    </p:spTree>
-    <p:extLst>
-      <p:ext uri="{BB962C8B-B14F-4D97-AF65-F5344CB8AC3E}">
-        <p14:creationId xmlns:p14="http://schemas.microsoft.com/office/powerpoint/2010/main" val="445106022"/>
-      </p:ext>
-    </p:extLst>
-  </p:cSld>
-  <p:clrMapOvr>
-    <a:masterClrMapping/>
-  </p:clrMapOvr>
-</p:sld>
-</file>
-
-<file path=ppt/slides/slide15.xml><?xml version="1.0" encoding="utf-8"?>
-<p:sld xmlns:a="http://schemas.openxmlformats.org/drawingml/2006/main" xmlns:r="http://schemas.openxmlformats.org/officeDocument/2006/relationships" xmlns:p="http://schemas.openxmlformats.org/presentationml/2006/main">
-  <p:cSld>
-    <p:spTree>
-      <p:nvGrpSpPr>
-        <p:cNvPr id="1" name=""/>
-        <p:cNvGrpSpPr/>
-        <p:nvPr/>
-      </p:nvGrpSpPr>
-      <p:grpSpPr>
-        <a:xfrm>
-          <a:off x="0" y="0"/>
-          <a:ext cx="0" cy="0"/>
-          <a:chOff x="0" y="0"/>
-          <a:chExt cx="0" cy="0"/>
-        </a:xfrm>
-      </p:grpSpPr>
-      <p:sp>
-        <p:nvSpPr>
-          <p:cNvPr id="6" name="スライド番号プレースホルダー 5"/>
-          <p:cNvSpPr>
-            <a:spLocks noGrp="1"/>
-          </p:cNvSpPr>
-          <p:nvPr>
-            <p:ph type="sldNum" sz="quarter" idx="12"/>
-          </p:nvPr>
-        </p:nvSpPr>
-        <p:spPr/>
-        <p:txBody>
-          <a:bodyPr/>
-          <a:lstStyle/>
-          <a:p>
-            <a:fld id="{B52A0D98-C5F8-4D5A-A941-4728EF2912B9}" type="slidenum">
-              <a:rPr kumimoji="1" lang="ja-JP" altLang="en-US" sz="2800" smtClean="0">
-                <a:solidFill>
-                  <a:srgbClr val="464653"/>
-                </a:solidFill>
-              </a:rPr>
-              <a:pPr/>
-              <a:t>15</a:t>
-            </a:fld>
-            <a:endParaRPr kumimoji="1" lang="ja-JP" altLang="en-US" sz="2800" dirty="0">
-              <a:solidFill>
-                <a:srgbClr val="464653"/>
-              </a:solidFill>
-            </a:endParaRPr>
-          </a:p>
-        </p:txBody>
-      </p:sp>
-      <p:sp>
-        <p:nvSpPr>
-          <p:cNvPr id="18" name="テキスト ボックス 17"/>
+          <p:cNvPr id="7" name="テキスト ボックス 6"/>
           <p:cNvSpPr txBox="1"/>
           <p:nvPr/>
         </p:nvSpPr>
         <p:spPr>
           <a:xfrm>
-            <a:off x="948906" y="1491693"/>
-            <a:ext cx="7677509" cy="523220"/>
+            <a:off x="948906" y="2211754"/>
+            <a:ext cx="11243094" cy="4278094"/>
           </a:xfrm>
           <a:prstGeom prst="rect">
             <a:avLst/>
@@ -27728,86 +27756,111 @@
           <a:lstStyle/>
           <a:p>
             <a:r>
+              <a:rPr lang="ja-JP" altLang="en-US" sz="2000" dirty="0" smtClean="0"/>
+              <a:t>・中間考査と重なり、メンバの作業効率が低下した。</a:t>
+            </a:r>
+            <a:endParaRPr lang="en-US" altLang="ja-JP" sz="2000" dirty="0" smtClean="0"/>
+          </a:p>
+          <a:p>
+            <a:endParaRPr kumimoji="1" lang="en-US" altLang="ja-JP" sz="2000" dirty="0" smtClean="0"/>
+          </a:p>
+          <a:p>
+            <a:r>
+              <a:rPr lang="ja-JP" altLang="en-US" sz="2800" dirty="0"/>
+              <a:t>⇒</a:t>
+            </a:r>
+            <a:r>
+              <a:rPr lang="ja-JP" altLang="en-US" sz="2800" dirty="0" smtClean="0"/>
+              <a:t>事前</a:t>
+            </a:r>
+            <a:r>
+              <a:rPr lang="ja-JP" altLang="en-US" sz="2800" dirty="0"/>
+              <a:t>に各メンバのスケジュールを把握し、作業に取り組める時間を踏まえたガントチャート作成を</a:t>
+            </a:r>
+            <a:r>
+              <a:rPr lang="ja-JP" altLang="en-US" sz="2800" dirty="0" smtClean="0"/>
+              <a:t>行う。</a:t>
+            </a:r>
+            <a:endParaRPr lang="en-US" altLang="ja-JP" sz="2800" dirty="0"/>
+          </a:p>
+          <a:p>
+            <a:endParaRPr kumimoji="1" lang="en-US" altLang="ja-JP" sz="2000" dirty="0" smtClean="0"/>
+          </a:p>
+          <a:p>
+            <a:r>
+              <a:rPr kumimoji="1" lang="ja-JP" altLang="en-US" sz="2000" dirty="0" smtClean="0"/>
+              <a:t>・設計書作成における知識不足</a:t>
+            </a:r>
+            <a:endParaRPr lang="en-US" altLang="ja-JP" sz="2000" dirty="0" smtClean="0"/>
+          </a:p>
+          <a:p>
+            <a:r>
+              <a:rPr lang="ja-JP" altLang="en-US" sz="2000" dirty="0" smtClean="0"/>
+              <a:t>・雛形を利用したことにより、</a:t>
+            </a:r>
+            <a:endParaRPr lang="en-US" altLang="ja-JP" sz="2000" dirty="0" smtClean="0"/>
+          </a:p>
+          <a:p>
+            <a:r>
+              <a:rPr lang="en-US" altLang="ja-JP" sz="2000" dirty="0"/>
+              <a:t>	</a:t>
+            </a:r>
+            <a:r>
+              <a:rPr lang="ja-JP" altLang="en-US" sz="2000" dirty="0" smtClean="0"/>
+              <a:t>より詳細な設計を記述することが出来なかった。</a:t>
+            </a:r>
+            <a:endParaRPr lang="en-US" altLang="ja-JP" sz="2000" dirty="0" smtClean="0"/>
+          </a:p>
+          <a:p>
+            <a:endParaRPr lang="en-US" altLang="ja-JP" sz="2000" dirty="0"/>
+          </a:p>
+          <a:p>
+            <a:r>
+              <a:rPr lang="ja-JP" altLang="en-US" sz="2800" dirty="0" smtClean="0"/>
+              <a:t>⇒雛形</a:t>
+            </a:r>
+            <a:r>
+              <a:rPr lang="ja-JP" altLang="en-US" sz="2800" dirty="0"/>
+              <a:t>を前提とした設計書作成を行うのではなく</a:t>
+            </a:r>
+            <a:endParaRPr lang="en-US" altLang="ja-JP" sz="2800" dirty="0"/>
+          </a:p>
+          <a:p>
+            <a:r>
+              <a:rPr lang="ja-JP" altLang="en-US" sz="2800" dirty="0"/>
+              <a:t>　</a:t>
+            </a:r>
+            <a:r>
               <a:rPr lang="en-US" altLang="ja-JP" sz="2800" dirty="0" smtClean="0"/>
-              <a:t>2</a:t>
-            </a:r>
-            <a:r>
-              <a:rPr kumimoji="1" lang="en-US" altLang="ja-JP" sz="2800" dirty="0" smtClean="0"/>
-              <a:t>.8</a:t>
-            </a:r>
-            <a:r>
-              <a:rPr lang="en-US" altLang="ja-JP" sz="2800" dirty="0"/>
-              <a:t>	</a:t>
-            </a:r>
-            <a:endParaRPr kumimoji="1" lang="ja-JP" altLang="en-US" sz="2800" dirty="0"/>
+              <a:t>PMBOK</a:t>
+            </a:r>
+            <a:r>
+              <a:rPr lang="ja-JP" altLang="en-US" sz="2800" dirty="0"/>
+              <a:t>を積極的に活用し項目を自分たちで説明できるようにする。</a:t>
+            </a:r>
           </a:p>
-        </p:txBody>
-      </p:sp>
-      <p:sp>
-        <p:nvSpPr>
-          <p:cNvPr id="19" name="タイトル 1"/>
-          <p:cNvSpPr txBox="1">
-            <a:spLocks/>
-          </p:cNvSpPr>
-          <p:nvPr/>
-        </p:nvSpPr>
-        <p:spPr>
-          <a:xfrm>
-            <a:off x="948906" y="585216"/>
-            <a:ext cx="11340228" cy="1191826"/>
-          </a:xfrm>
-          <a:prstGeom prst="rect">
-            <a:avLst/>
-          </a:prstGeom>
-        </p:spPr>
-        <p:txBody>
-          <a:bodyPr vert="horz" lIns="91440" tIns="45720" rIns="91440" bIns="45720" rtlCol="0" anchor="ctr">
-            <a:normAutofit/>
-          </a:bodyPr>
-          <a:lstStyle>
-            <a:lvl1pPr algn="l" defTabSz="914400" rtl="0" eaLnBrk="1" latinLnBrk="0" hangingPunct="1">
-              <a:lnSpc>
-                <a:spcPct val="80000"/>
-              </a:lnSpc>
-              <a:spcBef>
-                <a:spcPct val="0"/>
-              </a:spcBef>
-              <a:buNone/>
-              <a:defRPr kumimoji="1" sz="5000" kern="1200" cap="all" spc="100" baseline="0">
-                <a:solidFill>
-                  <a:schemeClr val="tx1">
-                    <a:lumMod val="95000"/>
-                    <a:lumOff val="5000"/>
-                  </a:schemeClr>
-                </a:solidFill>
-                <a:latin typeface="+mj-lt"/>
-                <a:ea typeface="+mj-ea"/>
-                <a:cs typeface="+mj-cs"/>
-              </a:defRPr>
-            </a:lvl1pPr>
-          </a:lstStyle>
           <a:p>
-            <a:pPr marL="914400" indent="-914400">
-              <a:buAutoNum type="arabicPeriod" startAt="2"/>
-            </a:pPr>
-            <a:r>
-              <a:rPr lang="ja-JP" altLang="en-US" sz="4000" dirty="0" smtClean="0"/>
-              <a:t>プロジェクトマネジメント計画の概要</a:t>
-            </a:r>
-            <a:endParaRPr lang="en-US" altLang="ja-JP" sz="4000" dirty="0" smtClean="0"/>
+            <a:endParaRPr lang="en-US" altLang="ja-JP" sz="2000" dirty="0" smtClean="0"/>
           </a:p>
         </p:txBody>
       </p:sp>
     </p:spTree>
     <p:extLst>
       <p:ext uri="{BB962C8B-B14F-4D97-AF65-F5344CB8AC3E}">
-        <p14:creationId xmlns:p14="http://schemas.microsoft.com/office/powerpoint/2010/main" val="957617152"/>
+        <p14:creationId xmlns:p14="http://schemas.microsoft.com/office/powerpoint/2010/main" val="2950768510"/>
       </p:ext>
     </p:extLst>
   </p:cSld>
   <p:clrMapOvr>
     <a:masterClrMapping/>
   </p:clrMapOvr>
+  <p:timing>
+    <p:tnLst>
+      <p:par>
+        <p:cTn id="1" dur="indefinite" restart="never" nodeType="tmRoot"/>
+      </p:par>
+    </p:tnLst>
+  </p:timing>
 </p:sld>
 </file>
 
@@ -27854,38 +27907,6 @@
       </p:sp>
       <p:sp>
         <p:nvSpPr>
-          <p:cNvPr id="4" name="スライド番号プレースホルダー 3"/>
-          <p:cNvSpPr>
-            <a:spLocks noGrp="1"/>
-          </p:cNvSpPr>
-          <p:nvPr>
-            <p:ph type="sldNum" sz="quarter" idx="12"/>
-          </p:nvPr>
-        </p:nvSpPr>
-        <p:spPr/>
-        <p:txBody>
-          <a:bodyPr/>
-          <a:lstStyle/>
-          <a:p>
-            <a:fld id="{B52A0D98-C5F8-4D5A-A941-4728EF2912B9}" type="slidenum">
-              <a:rPr lang="ja-JP" altLang="en-US" sz="2800" smtClean="0">
-                <a:solidFill>
-                  <a:srgbClr val="464653"/>
-                </a:solidFill>
-              </a:rPr>
-              <a:pPr/>
-              <a:t>2</a:t>
-            </a:fld>
-            <a:endParaRPr lang="ja-JP" altLang="en-US" sz="2800" dirty="0">
-              <a:solidFill>
-                <a:srgbClr val="464653"/>
-              </a:solidFill>
-            </a:endParaRPr>
-          </a:p>
-        </p:txBody>
-      </p:sp>
-      <p:sp>
-        <p:nvSpPr>
           <p:cNvPr id="8" name="コンテンツ プレースホルダー 4"/>
           <p:cNvSpPr txBox="1">
             <a:spLocks/>
@@ -27894,8 +27915,8 @@
         </p:nvSpPr>
         <p:spPr>
           <a:xfrm>
-            <a:off x="1024128" y="2084832"/>
-            <a:ext cx="8946541" cy="4195481"/>
+            <a:off x="1024129" y="2084832"/>
+            <a:ext cx="5357446" cy="4195481"/>
           </a:xfrm>
           <a:prstGeom prst="rect">
             <a:avLst/>
@@ -27906,7 +27927,7 @@
         </p:spPr>
         <p:txBody>
           <a:bodyPr vert="horz" lIns="91440" tIns="45720" rIns="91440" bIns="45720" rtlCol="0">
-            <a:normAutofit fontScale="92500" lnSpcReduction="20000"/>
+            <a:normAutofit/>
           </a:bodyPr>
           <a:lstStyle>
             <a:lvl1pPr marL="342900" indent="-342900" algn="l" defTabSz="457200" rtl="0" eaLnBrk="1" latinLnBrk="0" hangingPunct="1">
@@ -28160,7 +28181,105 @@
                 </a:solidFill>
                 <a:latin typeface="Century Gothic" panose="020B0502020202020204"/>
               </a:rPr>
-              <a:t>本プロジェクトの概要</a:t>
+              <a:t>開発システムの概要</a:t>
+            </a:r>
+            <a:endParaRPr lang="en-US" altLang="ja-JP" sz="2400" dirty="0" smtClean="0">
+              <a:solidFill>
+                <a:prstClr val="black"/>
+              </a:solidFill>
+              <a:latin typeface="Century Gothic" panose="020B0502020202020204"/>
+            </a:endParaRPr>
+          </a:p>
+          <a:p>
+            <a:pPr marL="0" indent="0">
+              <a:buClr>
+                <a:srgbClr val="1E5155">
+                  <a:lumMod val="40000"/>
+                  <a:lumOff val="60000"/>
+                </a:srgbClr>
+              </a:buClr>
+              <a:buNone/>
+            </a:pPr>
+            <a:r>
+              <a:rPr lang="en-US" altLang="ja-JP" sz="2400" dirty="0">
+                <a:solidFill>
+                  <a:prstClr val="black"/>
+                </a:solidFill>
+                <a:latin typeface="Century Gothic" panose="020B0502020202020204"/>
+              </a:rPr>
+              <a:t>	</a:t>
+            </a:r>
+            <a:r>
+              <a:rPr lang="en-US" altLang="ja-JP" sz="2400" dirty="0" smtClean="0">
+                <a:solidFill>
+                  <a:prstClr val="black"/>
+                </a:solidFill>
+                <a:latin typeface="Century Gothic" panose="020B0502020202020204"/>
+              </a:rPr>
+              <a:t>1.1 </a:t>
+            </a:r>
+            <a:r>
+              <a:rPr lang="ja-JP" altLang="en-US" sz="2400" dirty="0" smtClean="0">
+                <a:solidFill>
+                  <a:prstClr val="black"/>
+                </a:solidFill>
+                <a:latin typeface="Century Gothic" panose="020B0502020202020204"/>
+              </a:rPr>
+              <a:t>背景</a:t>
+            </a:r>
+            <a:endParaRPr lang="en-US" altLang="ja-JP" sz="2400" dirty="0">
+              <a:solidFill>
+                <a:prstClr val="black"/>
+              </a:solidFill>
+              <a:latin typeface="Century Gothic" panose="020B0502020202020204"/>
+            </a:endParaRPr>
+          </a:p>
+          <a:p>
+            <a:pPr marL="0" indent="0">
+              <a:buClr>
+                <a:srgbClr val="1E5155">
+                  <a:lumMod val="40000"/>
+                  <a:lumOff val="60000"/>
+                </a:srgbClr>
+              </a:buClr>
+              <a:buFont typeface="Wingdings 3" charset="2"/>
+              <a:buNone/>
+            </a:pPr>
+            <a:r>
+              <a:rPr lang="en-US" altLang="ja-JP" sz="2400" dirty="0" smtClean="0">
+                <a:solidFill>
+                  <a:prstClr val="black"/>
+                </a:solidFill>
+                <a:latin typeface="Century Gothic" panose="020B0502020202020204"/>
+              </a:rPr>
+              <a:t>	1.2 </a:t>
+            </a:r>
+            <a:r>
+              <a:rPr lang="ja-JP" altLang="en-US" sz="2400" dirty="0" smtClean="0">
+                <a:solidFill>
+                  <a:prstClr val="black"/>
+                </a:solidFill>
+                <a:latin typeface="Century Gothic" panose="020B0502020202020204"/>
+              </a:rPr>
+              <a:t>システム</a:t>
+            </a:r>
+            <a:r>
+              <a:rPr lang="ja-JP" altLang="en-US" sz="2400" dirty="0">
+                <a:solidFill>
+                  <a:prstClr val="black"/>
+                </a:solidFill>
+                <a:latin typeface="Century Gothic" panose="020B0502020202020204"/>
+              </a:rPr>
+              <a:t>開発</a:t>
+            </a:r>
+            <a:r>
+              <a:rPr lang="ja-JP" altLang="en-US" sz="2400" dirty="0" smtClean="0">
+                <a:solidFill>
+                  <a:prstClr val="black"/>
+                </a:solidFill>
+                <a:latin typeface="Century Gothic" panose="020B0502020202020204"/>
+              </a:rPr>
+              <a:t>の目的</a:t>
             </a:r>
             <a:endParaRPr lang="en-US" altLang="ja-JP" sz="2400" dirty="0" smtClean="0">
               <a:solidFill>
@@ -28181,14 +28300,39 @@
               <a:buNone/>
             </a:pPr>
             <a:r>
+              <a:rPr lang="en-US" altLang="ja-JP" sz="2400" dirty="0" smtClean="0">
+                <a:solidFill>
+                  <a:prstClr val="black"/>
+                </a:solidFill>
+                <a:latin typeface="Century Gothic" panose="020B0502020202020204"/>
+              </a:rPr>
+              <a:t>	1.3</a:t>
+            </a:r>
+            <a:r>
               <a:rPr lang="ja-JP" altLang="en-US" sz="2400" dirty="0" smtClean="0">
                 <a:solidFill>
                   <a:prstClr val="black"/>
                 </a:solidFill>
                 <a:latin typeface="Century Gothic" panose="020B0502020202020204"/>
               </a:rPr>
-              <a:t>     </a:t>
-            </a:r>
+              <a:t>開発工程</a:t>
+            </a:r>
+            <a:endParaRPr lang="en-US" altLang="ja-JP" sz="2400" dirty="0" smtClean="0">
+              <a:solidFill>
+                <a:prstClr val="black"/>
+              </a:solidFill>
+              <a:latin typeface="Century Gothic" panose="020B0502020202020204"/>
+            </a:endParaRPr>
+          </a:p>
+          <a:p>
+            <a:pPr>
+              <a:buClr>
+                <a:srgbClr val="1E5155">
+                  <a:lumMod val="40000"/>
+                  <a:lumOff val="60000"/>
+                </a:srgbClr>
+              </a:buClr>
+            </a:pPr>
             <a:r>
               <a:rPr lang="en-US" altLang="ja-JP" sz="2400" dirty="0" smtClean="0">
                 <a:solidFill>
@@ -28196,7 +28340,7 @@
                 </a:solidFill>
                 <a:latin typeface="Century Gothic" panose="020B0502020202020204"/>
               </a:rPr>
-              <a:t>1.1 </a:t>
+              <a:t>2. </a:t>
             </a:r>
             <a:r>
               <a:rPr lang="ja-JP" altLang="en-US" sz="2400" dirty="0" smtClean="0">
@@ -28205,7 +28349,42 @@
                 </a:solidFill>
                 <a:latin typeface="Century Gothic" panose="020B0502020202020204"/>
               </a:rPr>
-              <a:t>プロジェクト概要</a:t>
+              <a:t>進捗状況</a:t>
+            </a:r>
+            <a:endParaRPr lang="en-US" altLang="ja-JP" sz="2400" dirty="0">
+              <a:solidFill>
+                <a:prstClr val="black"/>
+              </a:solidFill>
+              <a:latin typeface="Century Gothic" panose="020B0502020202020204"/>
+            </a:endParaRPr>
+          </a:p>
+          <a:p>
+            <a:pPr marL="0" indent="0">
+              <a:buClr>
+                <a:srgbClr val="1E5155">
+                  <a:lumMod val="40000"/>
+                  <a:lumOff val="60000"/>
+                </a:srgbClr>
+              </a:buClr>
+              <a:buNone/>
+            </a:pPr>
+            <a:r>
+              <a:rPr lang="en-US" altLang="ja-JP" sz="2400" dirty="0" smtClean="0">
+                <a:solidFill>
+                  <a:prstClr val="black"/>
+                </a:solidFill>
+                <a:latin typeface="Century Gothic" panose="020B0502020202020204"/>
+              </a:rPr>
+              <a:t>	2.1 </a:t>
+            </a:r>
+            <a:r>
+              <a:rPr lang="ja-JP" altLang="en-US" sz="2400" dirty="0" smtClean="0">
+                <a:solidFill>
+                  <a:prstClr val="black"/>
+                </a:solidFill>
+                <a:latin typeface="Century Gothic" panose="020B0502020202020204"/>
+              </a:rPr>
+              <a:t>プロジェクト目的</a:t>
             </a:r>
             <a:endParaRPr lang="en-US" altLang="ja-JP" sz="2400" dirty="0" smtClean="0">
               <a:solidFill>
@@ -28232,7 +28411,7 @@
                 </a:solidFill>
                 <a:latin typeface="Century Gothic" panose="020B0502020202020204"/>
               </a:rPr>
-              <a:t>     1.2 </a:t>
+              <a:t>	2.2</a:t>
             </a:r>
             <a:r>
               <a:rPr lang="ja-JP" altLang="en-US" sz="2400" dirty="0" smtClean="0">
@@ -28241,7 +28420,7 @@
                 </a:solidFill>
                 <a:latin typeface="Century Gothic" panose="020B0502020202020204"/>
               </a:rPr>
-              <a:t>開発工程</a:t>
+              <a:t>プロジェクト目標</a:t>
             </a:r>
             <a:endParaRPr lang="en-US" altLang="ja-JP" sz="2400" dirty="0" smtClean="0">
               <a:solidFill>
@@ -28262,13 +28441,22 @@
               <a:buNone/>
             </a:pPr>
             <a:r>
+              <a:rPr lang="en-US" altLang="ja-JP" sz="2400" dirty="0">
+                <a:solidFill>
+                  <a:prstClr val="black"/>
+                </a:solidFill>
+                <a:latin typeface="Century Gothic" panose="020B0502020202020204"/>
+              </a:rPr>
+              <a:t>	</a:t>
+            </a:r>
+            <a:r>
               <a:rPr lang="en-US" altLang="ja-JP" sz="2400" dirty="0" smtClean="0">
                 <a:solidFill>
                   <a:prstClr val="black"/>
                 </a:solidFill>
                 <a:latin typeface="Century Gothic" panose="020B0502020202020204"/>
               </a:rPr>
-              <a:t>     1.3 </a:t>
+              <a:t>2.3</a:t>
             </a:r>
             <a:r>
               <a:rPr lang="ja-JP" altLang="en-US" sz="2400" dirty="0" smtClean="0">
@@ -28277,9 +28465,290 @@
                 </a:solidFill>
                 <a:latin typeface="Century Gothic" panose="020B0502020202020204"/>
               </a:rPr>
-              <a:t>プロジェクトの成果物</a:t>
-            </a:r>
+              <a:t>体制表</a:t>
+            </a:r>
+          </a:p>
+        </p:txBody>
+      </p:sp>
+      <p:sp>
+        <p:nvSpPr>
+          <p:cNvPr id="10" name="コンテンツ プレースホルダー 4"/>
+          <p:cNvSpPr txBox="1">
+            <a:spLocks/>
+          </p:cNvSpPr>
+          <p:nvPr/>
+        </p:nvSpPr>
+        <p:spPr>
+          <a:xfrm>
+            <a:off x="6381574" y="2084831"/>
+            <a:ext cx="4269679" cy="4195481"/>
+          </a:xfrm>
+          <a:prstGeom prst="rect">
+            <a:avLst/>
+          </a:prstGeom>
+          <a:solidFill>
+            <a:schemeClr val="bg1"/>
+          </a:solidFill>
+        </p:spPr>
+        <p:txBody>
+          <a:bodyPr vert="horz" lIns="91440" tIns="45720" rIns="91440" bIns="45720" rtlCol="0">
+            <a:normAutofit/>
+          </a:bodyPr>
+          <a:lstStyle>
+            <a:lvl1pPr marL="342900" indent="-342900" algn="l" defTabSz="457200" rtl="0" eaLnBrk="1" latinLnBrk="0" hangingPunct="1">
+              <a:spcBef>
+                <a:spcPts val="1000"/>
+              </a:spcBef>
+              <a:spcAft>
+                <a:spcPts val="0"/>
+              </a:spcAft>
+              <a:buClr>
+                <a:schemeClr val="bg2">
+                  <a:lumMod val="40000"/>
+                  <a:lumOff val="60000"/>
+                </a:schemeClr>
+              </a:buClr>
+              <a:buSzPct val="80000"/>
+              <a:buFont typeface="Wingdings 3" charset="2"/>
+              <a:buChar char=""/>
+              <a:defRPr kumimoji="1" sz="2000" b="0" i="0" kern="1200">
+                <a:solidFill>
+                  <a:schemeClr val="tx1"/>
+                </a:solidFill>
+                <a:latin typeface="+mj-lt"/>
+                <a:ea typeface="+mj-ea"/>
+                <a:cs typeface="+mj-cs"/>
+              </a:defRPr>
+            </a:lvl1pPr>
+            <a:lvl2pPr marL="742950" indent="-285750" algn="l" defTabSz="457200" rtl="0" eaLnBrk="1" latinLnBrk="0" hangingPunct="1">
+              <a:spcBef>
+                <a:spcPts val="1000"/>
+              </a:spcBef>
+              <a:spcAft>
+                <a:spcPts val="0"/>
+              </a:spcAft>
+              <a:buClr>
+                <a:schemeClr val="bg2">
+                  <a:lumMod val="40000"/>
+                  <a:lumOff val="60000"/>
+                </a:schemeClr>
+              </a:buClr>
+              <a:buSzPct val="80000"/>
+              <a:buFont typeface="Wingdings 3" charset="2"/>
+              <a:buChar char=""/>
+              <a:defRPr kumimoji="1" sz="1800" b="0" i="0" kern="1200">
+                <a:solidFill>
+                  <a:schemeClr val="tx1"/>
+                </a:solidFill>
+                <a:latin typeface="+mj-lt"/>
+                <a:ea typeface="+mj-ea"/>
+                <a:cs typeface="+mj-cs"/>
+              </a:defRPr>
+            </a:lvl2pPr>
+            <a:lvl3pPr marL="1143000" indent="-228600" algn="l" defTabSz="457200" rtl="0" eaLnBrk="1" latinLnBrk="0" hangingPunct="1">
+              <a:spcBef>
+                <a:spcPts val="1000"/>
+              </a:spcBef>
+              <a:spcAft>
+                <a:spcPts val="0"/>
+              </a:spcAft>
+              <a:buClr>
+                <a:schemeClr val="bg2">
+                  <a:lumMod val="40000"/>
+                  <a:lumOff val="60000"/>
+                </a:schemeClr>
+              </a:buClr>
+              <a:buSzPct val="80000"/>
+              <a:buFont typeface="Wingdings 3" charset="2"/>
+              <a:buChar char=""/>
+              <a:defRPr kumimoji="1" sz="1600" b="0" i="0" kern="1200">
+                <a:solidFill>
+                  <a:schemeClr val="tx1"/>
+                </a:solidFill>
+                <a:latin typeface="+mj-lt"/>
+                <a:ea typeface="+mj-ea"/>
+                <a:cs typeface="+mj-cs"/>
+              </a:defRPr>
+            </a:lvl3pPr>
+            <a:lvl4pPr marL="1600200" indent="-228600" algn="l" defTabSz="457200" rtl="0" eaLnBrk="1" latinLnBrk="0" hangingPunct="1">
+              <a:spcBef>
+                <a:spcPts val="1000"/>
+              </a:spcBef>
+              <a:spcAft>
+                <a:spcPts val="0"/>
+              </a:spcAft>
+              <a:buClr>
+                <a:schemeClr val="bg2">
+                  <a:lumMod val="40000"/>
+                  <a:lumOff val="60000"/>
+                </a:schemeClr>
+              </a:buClr>
+              <a:buSzPct val="80000"/>
+              <a:buFont typeface="Wingdings 3" charset="2"/>
+              <a:buChar char=""/>
+              <a:defRPr kumimoji="1" sz="1400" b="0" i="0" kern="1200">
+                <a:solidFill>
+                  <a:schemeClr val="tx1"/>
+                </a:solidFill>
+                <a:latin typeface="+mj-lt"/>
+                <a:ea typeface="+mj-ea"/>
+                <a:cs typeface="+mj-cs"/>
+              </a:defRPr>
+            </a:lvl4pPr>
+            <a:lvl5pPr marL="2057400" indent="-228600" algn="l" defTabSz="457200" rtl="0" eaLnBrk="1" latinLnBrk="0" hangingPunct="1">
+              <a:spcBef>
+                <a:spcPts val="1000"/>
+              </a:spcBef>
+              <a:spcAft>
+                <a:spcPts val="0"/>
+              </a:spcAft>
+              <a:buClr>
+                <a:schemeClr val="bg2">
+                  <a:lumMod val="40000"/>
+                  <a:lumOff val="60000"/>
+                </a:schemeClr>
+              </a:buClr>
+              <a:buSzPct val="80000"/>
+              <a:buFont typeface="Wingdings 3" charset="2"/>
+              <a:buChar char=""/>
+              <a:defRPr kumimoji="1" sz="1400" b="0" i="0" kern="1200">
+                <a:solidFill>
+                  <a:schemeClr val="tx1"/>
+                </a:solidFill>
+                <a:latin typeface="+mj-lt"/>
+                <a:ea typeface="+mj-ea"/>
+                <a:cs typeface="+mj-cs"/>
+              </a:defRPr>
+            </a:lvl5pPr>
+            <a:lvl6pPr marL="2506000" indent="-228600" algn="l" defTabSz="457200" rtl="0" eaLnBrk="1" latinLnBrk="0" hangingPunct="1">
+              <a:spcBef>
+                <a:spcPts val="1000"/>
+              </a:spcBef>
+              <a:spcAft>
+                <a:spcPts val="0"/>
+              </a:spcAft>
+              <a:buClr>
+                <a:schemeClr val="bg2">
+                  <a:lumMod val="40000"/>
+                  <a:lumOff val="60000"/>
+                </a:schemeClr>
+              </a:buClr>
+              <a:buSzPct val="80000"/>
+              <a:buFont typeface="Wingdings 3" charset="2"/>
+              <a:buChar char=""/>
+              <a:defRPr kumimoji="1" sz="1400" b="0" i="0" kern="1200">
+                <a:solidFill>
+                  <a:schemeClr val="tx1"/>
+                </a:solidFill>
+                <a:latin typeface="+mj-lt"/>
+                <a:ea typeface="+mj-ea"/>
+                <a:cs typeface="+mj-cs"/>
+              </a:defRPr>
+            </a:lvl6pPr>
+            <a:lvl7pPr marL="2971800" indent="-228600" algn="l" defTabSz="457200" rtl="0" eaLnBrk="1" latinLnBrk="0" hangingPunct="1">
+              <a:spcBef>
+                <a:spcPts val="1000"/>
+              </a:spcBef>
+              <a:spcAft>
+                <a:spcPts val="0"/>
+              </a:spcAft>
+              <a:buClr>
+                <a:schemeClr val="bg2">
+                  <a:lumMod val="40000"/>
+                  <a:lumOff val="60000"/>
+                </a:schemeClr>
+              </a:buClr>
+              <a:buSzPct val="80000"/>
+              <a:buFont typeface="Wingdings 3" charset="2"/>
+              <a:buChar char=""/>
+              <a:defRPr kumimoji="1" sz="1400" b="0" i="0" kern="1200">
+                <a:solidFill>
+                  <a:schemeClr val="tx1"/>
+                </a:solidFill>
+                <a:latin typeface="+mj-lt"/>
+                <a:ea typeface="+mj-ea"/>
+                <a:cs typeface="+mj-cs"/>
+              </a:defRPr>
+            </a:lvl7pPr>
+            <a:lvl8pPr marL="3429000" indent="-228600" algn="l" defTabSz="457200" rtl="0" eaLnBrk="1" latinLnBrk="0" hangingPunct="1">
+              <a:spcBef>
+                <a:spcPts val="1000"/>
+              </a:spcBef>
+              <a:spcAft>
+                <a:spcPts val="0"/>
+              </a:spcAft>
+              <a:buClr>
+                <a:schemeClr val="bg2">
+                  <a:lumMod val="40000"/>
+                  <a:lumOff val="60000"/>
+                </a:schemeClr>
+              </a:buClr>
+              <a:buSzPct val="80000"/>
+              <a:buFont typeface="Wingdings 3" charset="2"/>
+              <a:buChar char=""/>
+              <a:defRPr kumimoji="1" sz="1400" b="0" i="0" kern="1200">
+                <a:solidFill>
+                  <a:schemeClr val="tx1"/>
+                </a:solidFill>
+                <a:latin typeface="+mj-lt"/>
+                <a:ea typeface="+mj-ea"/>
+                <a:cs typeface="+mj-cs"/>
+              </a:defRPr>
+            </a:lvl8pPr>
+            <a:lvl9pPr marL="3886200" indent="-228600" algn="l" defTabSz="457200" rtl="0" eaLnBrk="1" latinLnBrk="0" hangingPunct="1">
+              <a:spcBef>
+                <a:spcPts val="1000"/>
+              </a:spcBef>
+              <a:spcAft>
+                <a:spcPts val="0"/>
+              </a:spcAft>
+              <a:buClr>
+                <a:schemeClr val="bg2">
+                  <a:lumMod val="40000"/>
+                  <a:lumOff val="60000"/>
+                </a:schemeClr>
+              </a:buClr>
+              <a:buSzPct val="80000"/>
+              <a:buFont typeface="Wingdings 3" charset="2"/>
+              <a:buChar char=""/>
+              <a:defRPr kumimoji="1" sz="1400" b="0" i="0" kern="1200">
+                <a:solidFill>
+                  <a:schemeClr val="tx1"/>
+                </a:solidFill>
+                <a:latin typeface="+mj-lt"/>
+                <a:ea typeface="+mj-ea"/>
+                <a:cs typeface="+mj-cs"/>
+              </a:defRPr>
+            </a:lvl9pPr>
+          </a:lstStyle>
+          <a:p>
+            <a:pPr marL="0" indent="0">
+              <a:buClr>
+                <a:srgbClr val="1E5155">
+                  <a:lumMod val="40000"/>
+                  <a:lumOff val="60000"/>
+                </a:srgbClr>
+              </a:buClr>
+              <a:buNone/>
+            </a:pPr>
             <a:endParaRPr lang="en-US" altLang="ja-JP" sz="2400" dirty="0" smtClean="0">
+              <a:solidFill>
+                <a:prstClr val="black"/>
+              </a:solidFill>
+              <a:latin typeface="Century Gothic" panose="020B0502020202020204"/>
+            </a:endParaRPr>
+          </a:p>
+          <a:p>
+            <a:pPr marL="0" indent="0">
+              <a:buClr>
+                <a:srgbClr val="1E5155">
+                  <a:lumMod val="40000"/>
+                  <a:lumOff val="60000"/>
+                </a:srgbClr>
+              </a:buClr>
+              <a:buNone/>
+            </a:pPr>
+            <a:endParaRPr lang="en-US" altLang="ja-JP" sz="2400" dirty="0">
               <a:solidFill>
                 <a:prstClr val="black"/>
               </a:solidFill>
@@ -28302,7 +28771,7 @@
                 </a:solidFill>
                 <a:latin typeface="Century Gothic" panose="020B0502020202020204"/>
               </a:rPr>
-              <a:t>2. </a:t>
+              <a:t>3. </a:t>
             </a:r>
             <a:r>
               <a:rPr lang="ja-JP" altLang="en-US" sz="2400" dirty="0" smtClean="0">
@@ -28311,7 +28780,16 @@
                 </a:solidFill>
                 <a:latin typeface="Century Gothic" panose="020B0502020202020204"/>
               </a:rPr>
-              <a:t>進捗状況</a:t>
+              <a:t>現状</a:t>
+            </a:r>
+            <a:r>
+              <a:rPr lang="ja-JP" altLang="en-US" sz="2400" dirty="0">
+                <a:solidFill>
+                  <a:prstClr val="black"/>
+                </a:solidFill>
+                <a:latin typeface="Century Gothic" panose="020B0502020202020204"/>
+              </a:rPr>
+              <a:t>分析</a:t>
             </a:r>
             <a:endParaRPr lang="en-US" altLang="ja-JP" sz="2400" dirty="0" smtClean="0">
               <a:solidFill>
@@ -28332,67 +28810,63 @@
               <a:buNone/>
             </a:pPr>
             <a:r>
+              <a:rPr lang="en-US" altLang="ja-JP" sz="2400" dirty="0">
+                <a:solidFill>
+                  <a:prstClr val="black"/>
+                </a:solidFill>
+                <a:latin typeface="Century Gothic" panose="020B0502020202020204"/>
+              </a:rPr>
+              <a:t>	</a:t>
+            </a:r>
+            <a:r>
+              <a:rPr lang="en-US" altLang="ja-JP" sz="2400" dirty="0" smtClean="0">
+                <a:solidFill>
+                  <a:prstClr val="black"/>
+                </a:solidFill>
+                <a:latin typeface="Century Gothic" panose="020B0502020202020204"/>
+              </a:rPr>
+              <a:t>3.1 EVM</a:t>
+            </a:r>
+          </a:p>
+          <a:p>
+            <a:pPr marL="0" indent="0">
+              <a:buClr>
+                <a:srgbClr val="1E5155">
+                  <a:lumMod val="40000"/>
+                  <a:lumOff val="60000"/>
+                </a:srgbClr>
+              </a:buClr>
+              <a:buFont typeface="Wingdings 3" charset="2"/>
+              <a:buNone/>
+            </a:pPr>
+            <a:r>
+              <a:rPr lang="en-US" altLang="ja-JP" sz="2400" dirty="0">
+                <a:solidFill>
+                  <a:prstClr val="black"/>
+                </a:solidFill>
+                <a:latin typeface="Century Gothic" panose="020B0502020202020204"/>
+              </a:rPr>
+              <a:t>	</a:t>
+            </a:r>
+            <a:r>
+              <a:rPr lang="en-US" altLang="ja-JP" sz="2400" dirty="0" smtClean="0">
+                <a:solidFill>
+                  <a:prstClr val="black"/>
+                </a:solidFill>
+                <a:latin typeface="Century Gothic" panose="020B0502020202020204"/>
+              </a:rPr>
+              <a:t>3.2</a:t>
+            </a:r>
+            <a:r>
               <a:rPr lang="ja-JP" altLang="en-US" sz="2400" dirty="0" smtClean="0">
                 <a:solidFill>
                   <a:prstClr val="black"/>
                 </a:solidFill>
                 <a:latin typeface="Century Gothic" panose="020B0502020202020204"/>
               </a:rPr>
-              <a:t>　    </a:t>
-            </a:r>
-            <a:r>
-              <a:rPr lang="en-US" altLang="ja-JP" sz="2400" dirty="0" smtClean="0">
-                <a:solidFill>
-                  <a:prstClr val="black"/>
-                </a:solidFill>
-                <a:latin typeface="Century Gothic" panose="020B0502020202020204"/>
-              </a:rPr>
-              <a:t>2.1 </a:t>
-            </a:r>
-            <a:r>
-              <a:rPr lang="ja-JP" altLang="en-US" sz="2400" dirty="0" smtClean="0">
-                <a:solidFill>
-                  <a:prstClr val="black"/>
-                </a:solidFill>
-                <a:latin typeface="Century Gothic" panose="020B0502020202020204"/>
-              </a:rPr>
-              <a:t>進捗状況</a:t>
-            </a:r>
-            <a:endParaRPr lang="en-US" altLang="ja-JP" sz="2400" dirty="0" smtClean="0">
-              <a:solidFill>
-                <a:prstClr val="black"/>
-              </a:solidFill>
-              <a:latin typeface="Century Gothic" panose="020B0502020202020204"/>
-            </a:endParaRPr>
-          </a:p>
-          <a:p>
-            <a:pPr>
-              <a:buClr>
-                <a:srgbClr val="1E5155">
-                  <a:lumMod val="40000"/>
-                  <a:lumOff val="60000"/>
-                </a:srgbClr>
-              </a:buClr>
-            </a:pPr>
-            <a:r>
-              <a:rPr lang="en-US" altLang="ja-JP" sz="2400" dirty="0" smtClean="0">
-                <a:solidFill>
-                  <a:prstClr val="black"/>
-                </a:solidFill>
-                <a:latin typeface="Century Gothic" panose="020B0502020202020204"/>
-              </a:rPr>
-              <a:t>3. EVM</a:t>
-            </a:r>
-            <a:r>
-              <a:rPr lang="ja-JP" altLang="en-US" sz="2400" dirty="0" smtClean="0">
-                <a:solidFill>
-                  <a:prstClr val="black"/>
-                </a:solidFill>
-                <a:latin typeface="Century Gothic" panose="020B0502020202020204"/>
-              </a:rPr>
-              <a:t>分析</a:t>
-            </a:r>
-            <a:endParaRPr lang="en-US" altLang="ja-JP" sz="2400" dirty="0" smtClean="0">
+              <a:t> 遅延原因</a:t>
+            </a:r>
+            <a:endParaRPr lang="en-US" altLang="ja-JP" sz="2400" dirty="0">
               <a:solidFill>
                 <a:prstClr val="black"/>
               </a:solidFill>
@@ -28417,20 +28891,8 @@
                 </a:solidFill>
                 <a:latin typeface="Century Gothic" panose="020B0502020202020204"/>
               </a:rPr>
-              <a:t>      3.1 EVM</a:t>
-            </a:r>
-          </a:p>
-          <a:p>
-            <a:pPr marL="0" indent="0">
-              <a:buClr>
-                <a:srgbClr val="1E5155">
-                  <a:lumMod val="40000"/>
-                  <a:lumOff val="60000"/>
-                </a:srgbClr>
-              </a:buClr>
-              <a:buFont typeface="Wingdings 3" charset="2"/>
-              <a:buNone/>
-            </a:pPr>
+              <a:t>	3.3</a:t>
+            </a:r>
             <a:r>
               <a:rPr lang="ja-JP" altLang="en-US" sz="2400" dirty="0" smtClean="0">
                 <a:solidFill>
@@ -28438,16 +28900,16 @@
                 </a:solidFill>
                 <a:latin typeface="Century Gothic" panose="020B0502020202020204"/>
               </a:rPr>
-              <a:t>　　 </a:t>
-            </a:r>
-            <a:r>
-              <a:rPr lang="en-US" altLang="ja-JP" sz="2400" dirty="0" smtClean="0">
+              <a:t> </a:t>
+            </a:r>
+            <a:r>
+              <a:rPr lang="ja-JP" altLang="en-US" sz="2400" dirty="0">
                 <a:solidFill>
                   <a:prstClr val="black"/>
                 </a:solidFill>
                 <a:latin typeface="Century Gothic" panose="020B0502020202020204"/>
               </a:rPr>
-              <a:t>3.2</a:t>
+              <a:t>今後</a:t>
             </a:r>
             <a:r>
               <a:rPr lang="ja-JP" altLang="en-US" sz="2400" dirty="0" smtClean="0">
@@ -28456,52 +28918,7 @@
                 </a:solidFill>
                 <a:latin typeface="Century Gothic" panose="020B0502020202020204"/>
               </a:rPr>
-              <a:t> 遅延原因</a:t>
-            </a:r>
-            <a:endParaRPr lang="en-US" altLang="ja-JP" sz="2400" dirty="0" smtClean="0">
-              <a:solidFill>
-                <a:prstClr val="black"/>
-              </a:solidFill>
-              <a:latin typeface="Century Gothic" panose="020B0502020202020204"/>
-            </a:endParaRPr>
-          </a:p>
-          <a:p>
-            <a:pPr marL="0" indent="0">
-              <a:buClr>
-                <a:srgbClr val="1E5155">
-                  <a:lumMod val="40000"/>
-                  <a:lumOff val="60000"/>
-                </a:srgbClr>
-              </a:buClr>
-              <a:buFont typeface="Wingdings 3" charset="2"/>
-              <a:buNone/>
-            </a:pPr>
-            <a:r>
-              <a:rPr lang="ja-JP" altLang="en-US" sz="2400" dirty="0" smtClean="0">
-                <a:solidFill>
-                  <a:prstClr val="black"/>
-                </a:solidFill>
-                <a:latin typeface="Century Gothic" panose="020B0502020202020204"/>
-              </a:rPr>
-              <a:t>　　 </a:t>
-            </a:r>
-            <a:r>
-              <a:rPr lang="en-US" altLang="ja-JP" sz="2400" dirty="0" smtClean="0">
-                <a:solidFill>
-                  <a:prstClr val="black"/>
-                </a:solidFill>
-                <a:latin typeface="Century Gothic" panose="020B0502020202020204"/>
-              </a:rPr>
-              <a:t>3.3</a:t>
-            </a:r>
-            <a:r>
-              <a:rPr lang="ja-JP" altLang="en-US" sz="2400" dirty="0" smtClean="0">
-                <a:solidFill>
-                  <a:prstClr val="black"/>
-                </a:solidFill>
-                <a:latin typeface="Century Gothic" panose="020B0502020202020204"/>
-              </a:rPr>
-              <a:t> 遅延解決策</a:t>
+              <a:t>の対策</a:t>
             </a:r>
             <a:endParaRPr lang="en-US" altLang="ja-JP" sz="2400" dirty="0" smtClean="0">
               <a:solidFill>
@@ -28514,1057 +28931,134 @@
       </p:sp>
       <p:sp>
         <p:nvSpPr>
-          <p:cNvPr id="7" name="テキスト ボックス 6"/>
-          <p:cNvSpPr txBox="1"/>
+          <p:cNvPr id="6" name="スライド番号プレースホルダー 5"/>
+          <p:cNvSpPr txBox="1">
+            <a:spLocks/>
+          </p:cNvSpPr>
           <p:nvPr/>
         </p:nvSpPr>
         <p:spPr>
           <a:xfrm>
-            <a:off x="3277744" y="3714697"/>
-            <a:ext cx="6912768" cy="3416320"/>
+            <a:off x="10877527" y="6470704"/>
+            <a:ext cx="973667" cy="274320"/>
           </a:xfrm>
           <a:prstGeom prst="rect">
             <a:avLst/>
           </a:prstGeom>
-          <a:noFill/>
         </p:spPr>
         <p:txBody>
-          <a:bodyPr wrap="square" rtlCol="0">
-            <a:spAutoFit/>
-          </a:bodyPr>
-          <a:lstStyle/>
+          <a:bodyPr vert="horz" lIns="91440" tIns="45720" rIns="91440" bIns="45720" rtlCol="0" anchor="ctr"/>
+          <a:lstStyle>
+            <a:defPPr>
+              <a:defRPr lang="ja-JP"/>
+            </a:defPPr>
+            <a:lvl1pPr marL="0" algn="l" defTabSz="914400" rtl="0" eaLnBrk="1" latinLnBrk="0" hangingPunct="1">
+              <a:defRPr kumimoji="1" sz="1000" kern="1200">
+                <a:solidFill>
+                  <a:schemeClr val="tx1">
+                    <a:lumMod val="95000"/>
+                    <a:lumOff val="5000"/>
+                  </a:schemeClr>
+                </a:solidFill>
+                <a:latin typeface="+mj-lt"/>
+                <a:ea typeface="+mn-ea"/>
+                <a:cs typeface="+mn-cs"/>
+              </a:defRPr>
+            </a:lvl1pPr>
+            <a:lvl2pPr marL="457200" algn="l" defTabSz="914400" rtl="0" eaLnBrk="1" latinLnBrk="0" hangingPunct="1">
+              <a:defRPr kumimoji="1" sz="1800" kern="1200">
+                <a:solidFill>
+                  <a:schemeClr val="tx1"/>
+                </a:solidFill>
+                <a:latin typeface="+mn-lt"/>
+                <a:ea typeface="+mn-ea"/>
+                <a:cs typeface="+mn-cs"/>
+              </a:defRPr>
+            </a:lvl2pPr>
+            <a:lvl3pPr marL="914400" algn="l" defTabSz="914400" rtl="0" eaLnBrk="1" latinLnBrk="0" hangingPunct="1">
+              <a:defRPr kumimoji="1" sz="1800" kern="1200">
+                <a:solidFill>
+                  <a:schemeClr val="tx1"/>
+                </a:solidFill>
+                <a:latin typeface="+mn-lt"/>
+                <a:ea typeface="+mn-ea"/>
+                <a:cs typeface="+mn-cs"/>
+              </a:defRPr>
+            </a:lvl3pPr>
+            <a:lvl4pPr marL="1371600" algn="l" defTabSz="914400" rtl="0" eaLnBrk="1" latinLnBrk="0" hangingPunct="1">
+              <a:defRPr kumimoji="1" sz="1800" kern="1200">
+                <a:solidFill>
+                  <a:schemeClr val="tx1"/>
+                </a:solidFill>
+                <a:latin typeface="+mn-lt"/>
+                <a:ea typeface="+mn-ea"/>
+                <a:cs typeface="+mn-cs"/>
+              </a:defRPr>
+            </a:lvl4pPr>
+            <a:lvl5pPr marL="1828800" algn="l" defTabSz="914400" rtl="0" eaLnBrk="1" latinLnBrk="0" hangingPunct="1">
+              <a:defRPr kumimoji="1" sz="1800" kern="1200">
+                <a:solidFill>
+                  <a:schemeClr val="tx1"/>
+                </a:solidFill>
+                <a:latin typeface="+mn-lt"/>
+                <a:ea typeface="+mn-ea"/>
+                <a:cs typeface="+mn-cs"/>
+              </a:defRPr>
+            </a:lvl5pPr>
+            <a:lvl6pPr marL="2286000" algn="l" defTabSz="914400" rtl="0" eaLnBrk="1" latinLnBrk="0" hangingPunct="1">
+              <a:defRPr kumimoji="1" sz="1800" kern="1200">
+                <a:solidFill>
+                  <a:schemeClr val="tx1"/>
+                </a:solidFill>
+                <a:latin typeface="+mn-lt"/>
+                <a:ea typeface="+mn-ea"/>
+                <a:cs typeface="+mn-cs"/>
+              </a:defRPr>
+            </a:lvl6pPr>
+            <a:lvl7pPr marL="2743200" algn="l" defTabSz="914400" rtl="0" eaLnBrk="1" latinLnBrk="0" hangingPunct="1">
+              <a:defRPr kumimoji="1" sz="1800" kern="1200">
+                <a:solidFill>
+                  <a:schemeClr val="tx1"/>
+                </a:solidFill>
+                <a:latin typeface="+mn-lt"/>
+                <a:ea typeface="+mn-ea"/>
+                <a:cs typeface="+mn-cs"/>
+              </a:defRPr>
+            </a:lvl7pPr>
+            <a:lvl8pPr marL="3200400" algn="l" defTabSz="914400" rtl="0" eaLnBrk="1" latinLnBrk="0" hangingPunct="1">
+              <a:defRPr kumimoji="1" sz="1800" kern="1200">
+                <a:solidFill>
+                  <a:schemeClr val="tx1"/>
+                </a:solidFill>
+                <a:latin typeface="+mn-lt"/>
+                <a:ea typeface="+mn-ea"/>
+                <a:cs typeface="+mn-cs"/>
+              </a:defRPr>
+            </a:lvl8pPr>
+            <a:lvl9pPr marL="3657600" algn="l" defTabSz="914400" rtl="0" eaLnBrk="1" latinLnBrk="0" hangingPunct="1">
+              <a:defRPr kumimoji="1" sz="1800" kern="1200">
+                <a:solidFill>
+                  <a:schemeClr val="tx1"/>
+                </a:solidFill>
+                <a:latin typeface="+mn-lt"/>
+                <a:ea typeface="+mn-ea"/>
+                <a:cs typeface="+mn-cs"/>
+              </a:defRPr>
+            </a:lvl9pPr>
+          </a:lstStyle>
           <a:p>
             <a:r>
-              <a:rPr lang="en-US" altLang="ja-JP" dirty="0" smtClean="0">
-                <a:latin typeface="+mj-ea"/>
-                <a:ea typeface="+mj-ea"/>
+              <a:rPr lang="en-US" altLang="ja-JP" sz="2800" dirty="0" smtClean="0">
+                <a:solidFill>
+                  <a:srgbClr val="464653"/>
+                </a:solidFill>
               </a:rPr>
-              <a:t>1</a:t>
-            </a:r>
-            <a:r>
-              <a:rPr lang="en-US" altLang="ja-JP" dirty="0">
-                <a:latin typeface="+mj-ea"/>
-                <a:ea typeface="+mj-ea"/>
-              </a:rPr>
-              <a:t>.</a:t>
-            </a:r>
-            <a:r>
-              <a:rPr lang="ja-JP" altLang="en-US" dirty="0">
-                <a:latin typeface="+mj-ea"/>
-                <a:ea typeface="+mj-ea"/>
-              </a:rPr>
-              <a:t>開発システムの概要</a:t>
-            </a:r>
-          </a:p>
-          <a:p>
-            <a:r>
-              <a:rPr lang="ja-JP" altLang="en-US" dirty="0">
-                <a:latin typeface="+mj-ea"/>
-                <a:ea typeface="+mj-ea"/>
-              </a:rPr>
-              <a:t>　</a:t>
-            </a:r>
-            <a:r>
-              <a:rPr lang="en-US" altLang="ja-JP" dirty="0">
-                <a:latin typeface="+mj-ea"/>
-                <a:ea typeface="+mj-ea"/>
-              </a:rPr>
-              <a:t>1.1</a:t>
-            </a:r>
-            <a:r>
-              <a:rPr lang="ja-JP" altLang="en-US" dirty="0">
-                <a:latin typeface="+mj-ea"/>
-                <a:ea typeface="+mj-ea"/>
-              </a:rPr>
-              <a:t>背景</a:t>
-            </a:r>
-          </a:p>
-          <a:p>
-            <a:r>
-              <a:rPr lang="ja-JP" altLang="en-US" dirty="0">
-                <a:latin typeface="+mj-ea"/>
-                <a:ea typeface="+mj-ea"/>
-              </a:rPr>
-              <a:t>　</a:t>
-            </a:r>
-            <a:r>
-              <a:rPr lang="en-US" altLang="ja-JP" dirty="0">
-                <a:latin typeface="+mj-ea"/>
-                <a:ea typeface="+mj-ea"/>
-              </a:rPr>
-              <a:t>1.2</a:t>
-            </a:r>
-            <a:r>
-              <a:rPr lang="ja-JP" altLang="en-US" dirty="0">
-                <a:latin typeface="+mj-ea"/>
-                <a:ea typeface="+mj-ea"/>
-              </a:rPr>
-              <a:t>システム開発の目的</a:t>
-            </a:r>
-          </a:p>
-          <a:p>
-            <a:r>
-              <a:rPr lang="ja-JP" altLang="en-US" dirty="0">
-                <a:latin typeface="+mj-ea"/>
-                <a:ea typeface="+mj-ea"/>
-              </a:rPr>
-              <a:t>　</a:t>
-            </a:r>
-            <a:r>
-              <a:rPr lang="en-US" altLang="ja-JP" dirty="0">
-                <a:latin typeface="+mj-ea"/>
-                <a:ea typeface="+mj-ea"/>
-              </a:rPr>
-              <a:t>1.3</a:t>
-            </a:r>
-            <a:r>
-              <a:rPr lang="ja-JP" altLang="en-US" dirty="0">
-                <a:latin typeface="+mj-ea"/>
-                <a:ea typeface="+mj-ea"/>
-              </a:rPr>
-              <a:t>システムの</a:t>
-            </a:r>
-            <a:r>
-              <a:rPr lang="ja-JP" altLang="en-US" dirty="0" smtClean="0">
-                <a:latin typeface="+mj-ea"/>
-                <a:ea typeface="+mj-ea"/>
-              </a:rPr>
-              <a:t>概要，機能</a:t>
-            </a:r>
-            <a:endParaRPr lang="ja-JP" altLang="en-US" dirty="0">
-              <a:latin typeface="+mj-ea"/>
-              <a:ea typeface="+mj-ea"/>
-            </a:endParaRPr>
-          </a:p>
-          <a:p>
-            <a:r>
-              <a:rPr lang="ja-JP" altLang="en-US" dirty="0">
-                <a:latin typeface="+mj-ea"/>
-                <a:ea typeface="+mj-ea"/>
-              </a:rPr>
-              <a:t>　</a:t>
-            </a:r>
-          </a:p>
-          <a:p>
-            <a:r>
-              <a:rPr lang="en-US" altLang="ja-JP" dirty="0">
-                <a:latin typeface="+mj-ea"/>
-                <a:ea typeface="+mj-ea"/>
-              </a:rPr>
-              <a:t>2.</a:t>
-            </a:r>
-            <a:r>
-              <a:rPr lang="ja-JP" altLang="en-US" dirty="0">
-                <a:latin typeface="+mj-ea"/>
-                <a:ea typeface="+mj-ea"/>
-              </a:rPr>
-              <a:t>プロジェクトマネジメント計画の概要</a:t>
-            </a:r>
-          </a:p>
-          <a:p>
-            <a:r>
-              <a:rPr lang="ja-JP" altLang="en-US" dirty="0">
-                <a:latin typeface="+mj-ea"/>
-                <a:ea typeface="+mj-ea"/>
-              </a:rPr>
-              <a:t>　</a:t>
-            </a:r>
-            <a:r>
-              <a:rPr lang="en-US" altLang="ja-JP" dirty="0">
-                <a:latin typeface="+mj-ea"/>
-                <a:ea typeface="+mj-ea"/>
-              </a:rPr>
-              <a:t>2.1</a:t>
-            </a:r>
-            <a:r>
-              <a:rPr lang="ja-JP" altLang="en-US" dirty="0">
-                <a:latin typeface="+mj-ea"/>
-                <a:ea typeface="+mj-ea"/>
-              </a:rPr>
-              <a:t>プロジェクトの目的</a:t>
-            </a:r>
-          </a:p>
-          <a:p>
-            <a:r>
-              <a:rPr lang="ja-JP" altLang="en-US" dirty="0">
-                <a:latin typeface="+mj-ea"/>
-                <a:ea typeface="+mj-ea"/>
-              </a:rPr>
-              <a:t>　</a:t>
-            </a:r>
-            <a:r>
-              <a:rPr lang="en-US" altLang="ja-JP" dirty="0">
-                <a:latin typeface="+mj-ea"/>
-                <a:ea typeface="+mj-ea"/>
-              </a:rPr>
-              <a:t>2.2</a:t>
-            </a:r>
-            <a:r>
-              <a:rPr lang="ja-JP" altLang="en-US" dirty="0">
-                <a:latin typeface="+mj-ea"/>
-                <a:ea typeface="+mj-ea"/>
-              </a:rPr>
-              <a:t>プロジェクトの目標</a:t>
-            </a:r>
-          </a:p>
-          <a:p>
-            <a:r>
-              <a:rPr lang="ja-JP" altLang="en-US" dirty="0">
-                <a:latin typeface="+mj-ea"/>
-                <a:ea typeface="+mj-ea"/>
-              </a:rPr>
-              <a:t>　</a:t>
-            </a:r>
-            <a:r>
-              <a:rPr lang="en-US" altLang="ja-JP" dirty="0">
-                <a:latin typeface="+mj-ea"/>
-                <a:ea typeface="+mj-ea"/>
-              </a:rPr>
-              <a:t>2.3</a:t>
-            </a:r>
-            <a:r>
-              <a:rPr lang="ja-JP" altLang="en-US" dirty="0">
-                <a:latin typeface="+mj-ea"/>
-                <a:ea typeface="+mj-ea"/>
-              </a:rPr>
-              <a:t>体制表</a:t>
-            </a:r>
-          </a:p>
-          <a:p>
-            <a:r>
-              <a:rPr lang="ja-JP" altLang="en-US" dirty="0">
-                <a:latin typeface="+mj-ea"/>
-                <a:ea typeface="+mj-ea"/>
-              </a:rPr>
-              <a:t>　</a:t>
-            </a:r>
-            <a:r>
-              <a:rPr lang="en-US" altLang="ja-JP" dirty="0">
-                <a:latin typeface="+mj-ea"/>
-                <a:ea typeface="+mj-ea"/>
-              </a:rPr>
-              <a:t>2.4</a:t>
-            </a:r>
-            <a:r>
-              <a:rPr lang="ja-JP" altLang="en-US" dirty="0">
-                <a:latin typeface="+mj-ea"/>
-                <a:ea typeface="+mj-ea"/>
-              </a:rPr>
-              <a:t>ガントチャート</a:t>
-            </a:r>
-          </a:p>
-          <a:p>
-            <a:r>
-              <a:rPr lang="ja-JP" altLang="en-US" dirty="0">
-                <a:latin typeface="+mj-ea"/>
-                <a:ea typeface="+mj-ea"/>
-              </a:rPr>
-              <a:t>　</a:t>
-            </a:r>
-            <a:r>
-              <a:rPr lang="en-US" altLang="ja-JP" dirty="0">
-                <a:latin typeface="+mj-ea"/>
-                <a:ea typeface="+mj-ea"/>
-              </a:rPr>
-              <a:t>2.5</a:t>
-            </a:r>
-            <a:r>
-              <a:rPr lang="ja-JP" altLang="en-US" dirty="0">
-                <a:latin typeface="+mj-ea"/>
-                <a:ea typeface="+mj-ea"/>
-              </a:rPr>
-              <a:t>リスク・ブレークダウン・ストラクチャー</a:t>
-            </a:r>
-          </a:p>
-          <a:p>
-            <a:r>
-              <a:rPr lang="ja-JP" altLang="en-US" dirty="0">
-                <a:latin typeface="+mj-ea"/>
-                <a:ea typeface="+mj-ea"/>
-              </a:rPr>
-              <a:t>　</a:t>
-            </a:r>
-            <a:r>
-              <a:rPr lang="en-US" altLang="ja-JP" dirty="0">
-                <a:latin typeface="+mj-ea"/>
-                <a:ea typeface="+mj-ea"/>
-              </a:rPr>
-              <a:t>2.6</a:t>
-            </a:r>
-            <a:r>
-              <a:rPr lang="ja-JP" altLang="en-US" dirty="0">
-                <a:latin typeface="+mj-ea"/>
-                <a:ea typeface="+mj-ea"/>
-              </a:rPr>
-              <a:t>リスク登録簿</a:t>
-            </a:r>
-          </a:p>
-        </p:txBody>
-      </p:sp>
-      <p:sp>
-        <p:nvSpPr>
-          <p:cNvPr id="9" name="テキスト ボックス 8"/>
-          <p:cNvSpPr txBox="1"/>
-          <p:nvPr/>
-        </p:nvSpPr>
-        <p:spPr>
-          <a:xfrm>
-            <a:off x="6146920" y="974993"/>
-            <a:ext cx="5468974" cy="4093428"/>
-          </a:xfrm>
-          <a:prstGeom prst="rect">
-            <a:avLst/>
-          </a:prstGeom>
-          <a:noFill/>
-        </p:spPr>
-        <p:txBody>
-          <a:bodyPr wrap="square" rtlCol="0">
-            <a:spAutoFit/>
-          </a:bodyPr>
-          <a:lstStyle/>
-          <a:p>
-            <a:r>
-              <a:rPr lang="ja-JP" altLang="en-US" sz="2000" dirty="0">
-                <a:solidFill>
-                  <a:prstClr val="black"/>
-                </a:solidFill>
-                <a:effectLst>
-                  <a:outerShdw blurRad="38100" dist="38100" dir="2700000" algn="tl">
-                    <a:srgbClr val="000000">
-                      <a:alpha val="43137"/>
-                    </a:srgbClr>
-                  </a:outerShdw>
-                </a:effectLst>
-                <a:latin typeface="Calibri"/>
-                <a:ea typeface="ＭＳ Ｐゴシック" panose="020B0600070205080204" pitchFamily="50" charset="-128"/>
-              </a:rPr>
-              <a:t>１．開発システムの概要</a:t>
-            </a:r>
-            <a:endParaRPr lang="en-US" altLang="ja-JP" sz="2000" dirty="0">
+              <a:t>2</a:t>
+            </a:r>
+            <a:endParaRPr lang="ja-JP" altLang="en-US" sz="2800" dirty="0">
               <a:solidFill>
-                <a:prstClr val="black"/>
+                <a:srgbClr val="464653"/>
               </a:solidFill>
-              <a:effectLst>
-                <a:outerShdw blurRad="38100" dist="38100" dir="2700000" algn="tl">
-                  <a:srgbClr val="000000">
-                    <a:alpha val="43137"/>
-                  </a:srgbClr>
-                </a:outerShdw>
-              </a:effectLst>
-              <a:latin typeface="Calibri"/>
-              <a:ea typeface="ＭＳ Ｐゴシック" panose="020B0600070205080204" pitchFamily="50" charset="-128"/>
-            </a:endParaRPr>
-          </a:p>
-          <a:p>
-            <a:r>
-              <a:rPr lang="ja-JP" altLang="en-US" sz="2000" dirty="0">
-                <a:solidFill>
-                  <a:prstClr val="black"/>
-                </a:solidFill>
-                <a:effectLst>
-                  <a:outerShdw blurRad="38100" dist="38100" dir="2700000" algn="tl">
-                    <a:srgbClr val="000000">
-                      <a:alpha val="43137"/>
-                    </a:srgbClr>
-                  </a:outerShdw>
-                </a:effectLst>
-                <a:latin typeface="Calibri"/>
-                <a:ea typeface="ＭＳ Ｐゴシック" panose="020B0600070205080204" pitchFamily="50" charset="-128"/>
-              </a:rPr>
-              <a:t>　  　</a:t>
-            </a:r>
-            <a:r>
-              <a:rPr lang="en-US" altLang="ja-JP" sz="2000" dirty="0">
-                <a:solidFill>
-                  <a:prstClr val="black"/>
-                </a:solidFill>
-                <a:effectLst>
-                  <a:outerShdw blurRad="38100" dist="38100" dir="2700000" algn="tl">
-                    <a:srgbClr val="000000">
-                      <a:alpha val="43137"/>
-                    </a:srgbClr>
-                  </a:outerShdw>
-                </a:effectLst>
-                <a:latin typeface="Calibri"/>
-                <a:ea typeface="ＭＳ Ｐゴシック" panose="020B0600070205080204" pitchFamily="50" charset="-128"/>
-              </a:rPr>
-              <a:t>1.1</a:t>
-            </a:r>
-            <a:r>
-              <a:rPr lang="ja-JP" altLang="en-US" sz="2000" dirty="0">
-                <a:solidFill>
-                  <a:prstClr val="black"/>
-                </a:solidFill>
-                <a:effectLst>
-                  <a:outerShdw blurRad="38100" dist="38100" dir="2700000" algn="tl">
-                    <a:srgbClr val="000000">
-                      <a:alpha val="43137"/>
-                    </a:srgbClr>
-                  </a:outerShdw>
-                </a:effectLst>
-                <a:latin typeface="Calibri"/>
-                <a:ea typeface="ＭＳ Ｐゴシック" panose="020B0600070205080204" pitchFamily="50" charset="-128"/>
-              </a:rPr>
-              <a:t>　背景</a:t>
-            </a:r>
-            <a:endParaRPr lang="en-US" altLang="ja-JP" sz="2000" dirty="0">
-              <a:solidFill>
-                <a:prstClr val="black"/>
-              </a:solidFill>
-              <a:effectLst>
-                <a:outerShdw blurRad="38100" dist="38100" dir="2700000" algn="tl">
-                  <a:srgbClr val="000000">
-                    <a:alpha val="43137"/>
-                  </a:srgbClr>
-                </a:outerShdw>
-              </a:effectLst>
-              <a:latin typeface="Calibri"/>
-              <a:ea typeface="ＭＳ Ｐゴシック" panose="020B0600070205080204" pitchFamily="50" charset="-128"/>
-            </a:endParaRPr>
-          </a:p>
-          <a:p>
-            <a:r>
-              <a:rPr lang="ja-JP" altLang="en-US" sz="2000" dirty="0">
-                <a:solidFill>
-                  <a:prstClr val="black"/>
-                </a:solidFill>
-                <a:effectLst>
-                  <a:outerShdw blurRad="38100" dist="38100" dir="2700000" algn="tl">
-                    <a:srgbClr val="000000">
-                      <a:alpha val="43137"/>
-                    </a:srgbClr>
-                  </a:outerShdw>
-                </a:effectLst>
-                <a:latin typeface="Calibri"/>
-                <a:ea typeface="ＭＳ Ｐゴシック" panose="020B0600070205080204" pitchFamily="50" charset="-128"/>
-              </a:rPr>
-              <a:t>　　</a:t>
-            </a:r>
-            <a:r>
-              <a:rPr lang="en-US" altLang="ja-JP" sz="2000" dirty="0">
-                <a:solidFill>
-                  <a:prstClr val="black"/>
-                </a:solidFill>
-                <a:effectLst>
-                  <a:outerShdw blurRad="38100" dist="38100" dir="2700000" algn="tl">
-                    <a:srgbClr val="000000">
-                      <a:alpha val="43137"/>
-                    </a:srgbClr>
-                  </a:outerShdw>
-                </a:effectLst>
-                <a:latin typeface="Calibri"/>
-                <a:ea typeface="ＭＳ Ｐゴシック" panose="020B0600070205080204" pitchFamily="50" charset="-128"/>
-              </a:rPr>
-              <a:t>1.2</a:t>
-            </a:r>
-            <a:r>
-              <a:rPr lang="ja-JP" altLang="en-US" sz="2000" dirty="0">
-                <a:solidFill>
-                  <a:prstClr val="black"/>
-                </a:solidFill>
-                <a:effectLst>
-                  <a:outerShdw blurRad="38100" dist="38100" dir="2700000" algn="tl">
-                    <a:srgbClr val="000000">
-                      <a:alpha val="43137"/>
-                    </a:srgbClr>
-                  </a:outerShdw>
-                </a:effectLst>
-                <a:latin typeface="Calibri"/>
-                <a:ea typeface="ＭＳ Ｐゴシック" panose="020B0600070205080204" pitchFamily="50" charset="-128"/>
-              </a:rPr>
-              <a:t>　システム開発の目的</a:t>
-            </a:r>
-            <a:endParaRPr lang="en-US" altLang="ja-JP" sz="2000" dirty="0">
-              <a:solidFill>
-                <a:prstClr val="black"/>
-              </a:solidFill>
-              <a:effectLst>
-                <a:outerShdw blurRad="38100" dist="38100" dir="2700000" algn="tl">
-                  <a:srgbClr val="000000">
-                    <a:alpha val="43137"/>
-                  </a:srgbClr>
-                </a:outerShdw>
-              </a:effectLst>
-              <a:latin typeface="Calibri"/>
-              <a:ea typeface="ＭＳ Ｐゴシック" panose="020B0600070205080204" pitchFamily="50" charset="-128"/>
-            </a:endParaRPr>
-          </a:p>
-          <a:p>
-            <a:r>
-              <a:rPr lang="ja-JP" altLang="en-US" sz="2000" dirty="0">
-                <a:solidFill>
-                  <a:prstClr val="black"/>
-                </a:solidFill>
-                <a:effectLst>
-                  <a:outerShdw blurRad="38100" dist="38100" dir="2700000" algn="tl">
-                    <a:srgbClr val="000000">
-                      <a:alpha val="43137"/>
-                    </a:srgbClr>
-                  </a:outerShdw>
-                </a:effectLst>
-                <a:latin typeface="Calibri"/>
-                <a:ea typeface="ＭＳ Ｐゴシック" panose="020B0600070205080204" pitchFamily="50" charset="-128"/>
-              </a:rPr>
-              <a:t>　　</a:t>
-            </a:r>
-            <a:r>
-              <a:rPr lang="en-US" altLang="ja-JP" sz="2000" dirty="0">
-                <a:solidFill>
-                  <a:prstClr val="black"/>
-                </a:solidFill>
-                <a:effectLst>
-                  <a:outerShdw blurRad="38100" dist="38100" dir="2700000" algn="tl">
-                    <a:srgbClr val="000000">
-                      <a:alpha val="43137"/>
-                    </a:srgbClr>
-                  </a:outerShdw>
-                </a:effectLst>
-                <a:latin typeface="Calibri"/>
-                <a:ea typeface="ＭＳ Ｐゴシック" panose="020B0600070205080204" pitchFamily="50" charset="-128"/>
-              </a:rPr>
-              <a:t>1.3</a:t>
-            </a:r>
-            <a:r>
-              <a:rPr lang="ja-JP" altLang="en-US" sz="2000" dirty="0">
-                <a:solidFill>
-                  <a:prstClr val="black"/>
-                </a:solidFill>
-                <a:effectLst>
-                  <a:outerShdw blurRad="38100" dist="38100" dir="2700000" algn="tl">
-                    <a:srgbClr val="000000">
-                      <a:alpha val="43137"/>
-                    </a:srgbClr>
-                  </a:outerShdw>
-                </a:effectLst>
-                <a:latin typeface="Calibri"/>
-                <a:ea typeface="ＭＳ Ｐゴシック" panose="020B0600070205080204" pitchFamily="50" charset="-128"/>
-              </a:rPr>
-              <a:t>　システムの概要</a:t>
-            </a:r>
-            <a:endParaRPr lang="en-US" altLang="ja-JP" sz="2000" dirty="0">
-              <a:solidFill>
-                <a:prstClr val="black"/>
-              </a:solidFill>
-              <a:effectLst>
-                <a:outerShdw blurRad="38100" dist="38100" dir="2700000" algn="tl">
-                  <a:srgbClr val="000000">
-                    <a:alpha val="43137"/>
-                  </a:srgbClr>
-                </a:outerShdw>
-              </a:effectLst>
-              <a:latin typeface="Calibri"/>
-              <a:ea typeface="ＭＳ Ｐゴシック" panose="020B0600070205080204" pitchFamily="50" charset="-128"/>
-            </a:endParaRPr>
-          </a:p>
-          <a:p>
-            <a:r>
-              <a:rPr lang="ja-JP" altLang="en-US" sz="2000" dirty="0">
-                <a:solidFill>
-                  <a:prstClr val="black"/>
-                </a:solidFill>
-                <a:effectLst>
-                  <a:outerShdw blurRad="38100" dist="38100" dir="2700000" algn="tl">
-                    <a:srgbClr val="000000">
-                      <a:alpha val="43137"/>
-                    </a:srgbClr>
-                  </a:outerShdw>
-                </a:effectLst>
-                <a:latin typeface="Calibri"/>
-                <a:ea typeface="ＭＳ Ｐゴシック" panose="020B0600070205080204" pitchFamily="50" charset="-128"/>
-              </a:rPr>
-              <a:t>　　</a:t>
-            </a:r>
-            <a:r>
-              <a:rPr lang="en-US" altLang="ja-JP" sz="2000" dirty="0">
-                <a:solidFill>
-                  <a:prstClr val="black"/>
-                </a:solidFill>
-                <a:effectLst>
-                  <a:outerShdw blurRad="38100" dist="38100" dir="2700000" algn="tl">
-                    <a:srgbClr val="000000">
-                      <a:alpha val="43137"/>
-                    </a:srgbClr>
-                  </a:outerShdw>
-                </a:effectLst>
-                <a:latin typeface="Calibri"/>
-                <a:ea typeface="ＭＳ Ｐゴシック" panose="020B0600070205080204" pitchFamily="50" charset="-128"/>
-              </a:rPr>
-              <a:t>1.4</a:t>
-            </a:r>
-            <a:r>
-              <a:rPr lang="ja-JP" altLang="en-US" sz="2000" dirty="0">
-                <a:solidFill>
-                  <a:prstClr val="black"/>
-                </a:solidFill>
-                <a:effectLst>
-                  <a:outerShdw blurRad="38100" dist="38100" dir="2700000" algn="tl">
-                    <a:srgbClr val="000000">
-                      <a:alpha val="43137"/>
-                    </a:srgbClr>
-                  </a:outerShdw>
-                </a:effectLst>
-                <a:latin typeface="Calibri"/>
-                <a:ea typeface="ＭＳ Ｐゴシック" panose="020B0600070205080204" pitchFamily="50" charset="-128"/>
-              </a:rPr>
-              <a:t>　システムの機能</a:t>
-            </a:r>
-            <a:endParaRPr lang="en-US" altLang="ja-JP" sz="2000" dirty="0">
-              <a:solidFill>
-                <a:prstClr val="black"/>
-              </a:solidFill>
-              <a:effectLst>
-                <a:outerShdw blurRad="38100" dist="38100" dir="2700000" algn="tl">
-                  <a:srgbClr val="000000">
-                    <a:alpha val="43137"/>
-                  </a:srgbClr>
-                </a:outerShdw>
-              </a:effectLst>
-              <a:latin typeface="Calibri"/>
-              <a:ea typeface="ＭＳ Ｐゴシック" panose="020B0600070205080204" pitchFamily="50" charset="-128"/>
-            </a:endParaRPr>
-          </a:p>
-          <a:p>
-            <a:endParaRPr lang="en-US" altLang="ja-JP" sz="2000" dirty="0">
-              <a:solidFill>
-                <a:prstClr val="black"/>
-              </a:solidFill>
-              <a:latin typeface="Calibri"/>
-              <a:ea typeface="ＭＳ Ｐゴシック" panose="020B0600070205080204" pitchFamily="50" charset="-128"/>
-            </a:endParaRPr>
-          </a:p>
-          <a:p>
-            <a:r>
-              <a:rPr lang="ja-JP" altLang="en-US" sz="2000" dirty="0">
-                <a:solidFill>
-                  <a:prstClr val="black"/>
-                </a:solidFill>
-                <a:effectLst>
-                  <a:outerShdw blurRad="38100" dist="38100" dir="2700000" algn="tl">
-                    <a:srgbClr val="000000">
-                      <a:alpha val="43137"/>
-                    </a:srgbClr>
-                  </a:outerShdw>
-                </a:effectLst>
-                <a:latin typeface="Calibri"/>
-                <a:ea typeface="ＭＳ Ｐゴシック" panose="020B0600070205080204" pitchFamily="50" charset="-128"/>
-              </a:rPr>
-              <a:t>２．プロジェクトマネジメント計画の概要</a:t>
-            </a:r>
-            <a:endParaRPr lang="en-US" altLang="ja-JP" sz="2000" dirty="0">
-              <a:solidFill>
-                <a:prstClr val="black"/>
-              </a:solidFill>
-              <a:effectLst>
-                <a:outerShdw blurRad="38100" dist="38100" dir="2700000" algn="tl">
-                  <a:srgbClr val="000000">
-                    <a:alpha val="43137"/>
-                  </a:srgbClr>
-                </a:outerShdw>
-              </a:effectLst>
-              <a:latin typeface="Calibri"/>
-              <a:ea typeface="ＭＳ Ｐゴシック" panose="020B0600070205080204" pitchFamily="50" charset="-128"/>
-            </a:endParaRPr>
-          </a:p>
-          <a:p>
-            <a:r>
-              <a:rPr lang="ja-JP" altLang="en-US" sz="2000" dirty="0">
-                <a:solidFill>
-                  <a:prstClr val="black"/>
-                </a:solidFill>
-                <a:effectLst>
-                  <a:outerShdw blurRad="38100" dist="38100" dir="2700000" algn="tl">
-                    <a:srgbClr val="000000">
-                      <a:alpha val="43137"/>
-                    </a:srgbClr>
-                  </a:outerShdw>
-                </a:effectLst>
-                <a:latin typeface="Calibri"/>
-                <a:ea typeface="ＭＳ Ｐゴシック" panose="020B0600070205080204" pitchFamily="50" charset="-128"/>
-              </a:rPr>
-              <a:t>　  </a:t>
-            </a:r>
-            <a:r>
-              <a:rPr lang="en-US" altLang="ja-JP" sz="2000" dirty="0">
-                <a:solidFill>
-                  <a:prstClr val="black"/>
-                </a:solidFill>
-                <a:effectLst>
-                  <a:outerShdw blurRad="38100" dist="38100" dir="2700000" algn="tl">
-                    <a:srgbClr val="000000">
-                      <a:alpha val="43137"/>
-                    </a:srgbClr>
-                  </a:outerShdw>
-                </a:effectLst>
-                <a:latin typeface="Calibri"/>
-                <a:ea typeface="ＭＳ Ｐゴシック" panose="020B0600070205080204" pitchFamily="50" charset="-128"/>
-              </a:rPr>
-              <a:t>2.1</a:t>
-            </a:r>
-            <a:r>
-              <a:rPr lang="ja-JP" altLang="en-US" sz="2000" dirty="0">
-                <a:solidFill>
-                  <a:prstClr val="black"/>
-                </a:solidFill>
-                <a:effectLst>
-                  <a:outerShdw blurRad="38100" dist="38100" dir="2700000" algn="tl">
-                    <a:srgbClr val="000000">
-                      <a:alpha val="43137"/>
-                    </a:srgbClr>
-                  </a:outerShdw>
-                </a:effectLst>
-                <a:latin typeface="Calibri"/>
-                <a:ea typeface="ＭＳ Ｐゴシック" panose="020B0600070205080204" pitchFamily="50" charset="-128"/>
-              </a:rPr>
-              <a:t>　プロジェクト目的</a:t>
-            </a:r>
-            <a:endParaRPr lang="en-US" altLang="ja-JP" sz="2000" dirty="0">
-              <a:solidFill>
-                <a:prstClr val="black"/>
-              </a:solidFill>
-              <a:effectLst>
-                <a:outerShdw blurRad="38100" dist="38100" dir="2700000" algn="tl">
-                  <a:srgbClr val="000000">
-                    <a:alpha val="43137"/>
-                  </a:srgbClr>
-                </a:outerShdw>
-              </a:effectLst>
-              <a:latin typeface="Calibri"/>
-              <a:ea typeface="ＭＳ Ｐゴシック" panose="020B0600070205080204" pitchFamily="50" charset="-128"/>
-            </a:endParaRPr>
-          </a:p>
-          <a:p>
-            <a:r>
-              <a:rPr lang="ja-JP" altLang="en-US" sz="2000" dirty="0">
-                <a:solidFill>
-                  <a:prstClr val="black"/>
-                </a:solidFill>
-                <a:effectLst>
-                  <a:outerShdw blurRad="38100" dist="38100" dir="2700000" algn="tl">
-                    <a:srgbClr val="000000">
-                      <a:alpha val="43137"/>
-                    </a:srgbClr>
-                  </a:outerShdw>
-                </a:effectLst>
-                <a:latin typeface="Calibri"/>
-                <a:ea typeface="ＭＳ Ｐゴシック" panose="020B0600070205080204" pitchFamily="50" charset="-128"/>
-              </a:rPr>
-              <a:t>　　</a:t>
-            </a:r>
-            <a:r>
-              <a:rPr lang="en-US" altLang="ja-JP" sz="2000" dirty="0">
-                <a:solidFill>
-                  <a:prstClr val="black"/>
-                </a:solidFill>
-                <a:effectLst>
-                  <a:outerShdw blurRad="38100" dist="38100" dir="2700000" algn="tl">
-                    <a:srgbClr val="000000">
-                      <a:alpha val="43137"/>
-                    </a:srgbClr>
-                  </a:outerShdw>
-                </a:effectLst>
-                <a:latin typeface="Calibri"/>
-                <a:ea typeface="ＭＳ Ｐゴシック" panose="020B0600070205080204" pitchFamily="50" charset="-128"/>
-              </a:rPr>
-              <a:t>2.2</a:t>
-            </a:r>
-            <a:r>
-              <a:rPr lang="ja-JP" altLang="en-US" sz="2000" dirty="0">
-                <a:solidFill>
-                  <a:prstClr val="black"/>
-                </a:solidFill>
-                <a:effectLst>
-                  <a:outerShdw blurRad="38100" dist="38100" dir="2700000" algn="tl">
-                    <a:srgbClr val="000000">
-                      <a:alpha val="43137"/>
-                    </a:srgbClr>
-                  </a:outerShdw>
-                </a:effectLst>
-                <a:latin typeface="Calibri"/>
-                <a:ea typeface="ＭＳ Ｐゴシック" panose="020B0600070205080204" pitchFamily="50" charset="-128"/>
-              </a:rPr>
-              <a:t>　プロジェクト目標</a:t>
-            </a:r>
-            <a:endParaRPr lang="en-US" altLang="ja-JP" sz="2000" dirty="0">
-              <a:solidFill>
-                <a:prstClr val="black"/>
-              </a:solidFill>
-              <a:effectLst>
-                <a:outerShdw blurRad="38100" dist="38100" dir="2700000" algn="tl">
-                  <a:srgbClr val="000000">
-                    <a:alpha val="43137"/>
-                  </a:srgbClr>
-                </a:outerShdw>
-              </a:effectLst>
-              <a:latin typeface="Calibri"/>
-              <a:ea typeface="ＭＳ Ｐゴシック" panose="020B0600070205080204" pitchFamily="50" charset="-128"/>
-            </a:endParaRPr>
-          </a:p>
-          <a:p>
-            <a:r>
-              <a:rPr lang="ja-JP" altLang="en-US" sz="2000" dirty="0">
-                <a:solidFill>
-                  <a:prstClr val="black"/>
-                </a:solidFill>
-                <a:effectLst>
-                  <a:outerShdw blurRad="38100" dist="38100" dir="2700000" algn="tl">
-                    <a:srgbClr val="000000">
-                      <a:alpha val="43137"/>
-                    </a:srgbClr>
-                  </a:outerShdw>
-                </a:effectLst>
-                <a:latin typeface="Calibri"/>
-                <a:ea typeface="ＭＳ Ｐゴシック" panose="020B0600070205080204" pitchFamily="50" charset="-128"/>
-              </a:rPr>
-              <a:t>　　</a:t>
-            </a:r>
-            <a:r>
-              <a:rPr lang="en-US" altLang="ja-JP" sz="2000" dirty="0">
-                <a:solidFill>
-                  <a:prstClr val="black"/>
-                </a:solidFill>
-                <a:effectLst>
-                  <a:outerShdw blurRad="38100" dist="38100" dir="2700000" algn="tl">
-                    <a:srgbClr val="000000">
-                      <a:alpha val="43137"/>
-                    </a:srgbClr>
-                  </a:outerShdw>
-                </a:effectLst>
-                <a:latin typeface="Calibri"/>
-                <a:ea typeface="ＭＳ Ｐゴシック" panose="020B0600070205080204" pitchFamily="50" charset="-128"/>
-              </a:rPr>
-              <a:t>2.3</a:t>
-            </a:r>
-            <a:r>
-              <a:rPr lang="ja-JP" altLang="en-US" sz="2000" dirty="0">
-                <a:solidFill>
-                  <a:prstClr val="black"/>
-                </a:solidFill>
-                <a:effectLst>
-                  <a:outerShdw blurRad="38100" dist="38100" dir="2700000" algn="tl">
-                    <a:srgbClr val="000000">
-                      <a:alpha val="43137"/>
-                    </a:srgbClr>
-                  </a:outerShdw>
-                </a:effectLst>
-                <a:latin typeface="Calibri"/>
-                <a:ea typeface="ＭＳ Ｐゴシック" panose="020B0600070205080204" pitchFamily="50" charset="-128"/>
-              </a:rPr>
-              <a:t>　体制表</a:t>
-            </a:r>
-            <a:endParaRPr lang="en-US" altLang="ja-JP" sz="2000" dirty="0">
-              <a:solidFill>
-                <a:prstClr val="black"/>
-              </a:solidFill>
-              <a:effectLst>
-                <a:outerShdw blurRad="38100" dist="38100" dir="2700000" algn="tl">
-                  <a:srgbClr val="000000">
-                    <a:alpha val="43137"/>
-                  </a:srgbClr>
-                </a:outerShdw>
-              </a:effectLst>
-              <a:latin typeface="Calibri"/>
-              <a:ea typeface="ＭＳ Ｐゴシック" panose="020B0600070205080204" pitchFamily="50" charset="-128"/>
-            </a:endParaRPr>
-          </a:p>
-          <a:p>
-            <a:r>
-              <a:rPr lang="ja-JP" altLang="en-US" sz="2000" dirty="0">
-                <a:solidFill>
-                  <a:prstClr val="black"/>
-                </a:solidFill>
-                <a:effectLst>
-                  <a:outerShdw blurRad="38100" dist="38100" dir="2700000" algn="tl">
-                    <a:srgbClr val="000000">
-                      <a:alpha val="43137"/>
-                    </a:srgbClr>
-                  </a:outerShdw>
-                </a:effectLst>
-                <a:latin typeface="Calibri"/>
-                <a:ea typeface="ＭＳ Ｐゴシック" panose="020B0600070205080204" pitchFamily="50" charset="-128"/>
-              </a:rPr>
-              <a:t>　　</a:t>
-            </a:r>
-            <a:r>
-              <a:rPr lang="en-US" altLang="ja-JP" sz="2000" dirty="0">
-                <a:solidFill>
-                  <a:prstClr val="black"/>
-                </a:solidFill>
-                <a:effectLst>
-                  <a:outerShdw blurRad="38100" dist="38100" dir="2700000" algn="tl">
-                    <a:srgbClr val="000000">
-                      <a:alpha val="43137"/>
-                    </a:srgbClr>
-                  </a:outerShdw>
-                </a:effectLst>
-                <a:latin typeface="Calibri"/>
-                <a:ea typeface="ＭＳ Ｐゴシック" panose="020B0600070205080204" pitchFamily="50" charset="-128"/>
-              </a:rPr>
-              <a:t>2.4</a:t>
-            </a:r>
-            <a:r>
-              <a:rPr lang="ja-JP" altLang="en-US" sz="2000" dirty="0">
-                <a:solidFill>
-                  <a:prstClr val="black"/>
-                </a:solidFill>
-                <a:effectLst>
-                  <a:outerShdw blurRad="38100" dist="38100" dir="2700000" algn="tl">
-                    <a:srgbClr val="000000">
-                      <a:alpha val="43137"/>
-                    </a:srgbClr>
-                  </a:outerShdw>
-                </a:effectLst>
-                <a:latin typeface="Calibri"/>
-                <a:ea typeface="ＭＳ Ｐゴシック" panose="020B0600070205080204" pitchFamily="50" charset="-128"/>
-              </a:rPr>
-              <a:t>　ガントチャート</a:t>
-            </a:r>
-            <a:endParaRPr lang="en-US" altLang="ja-JP" sz="2000" dirty="0">
-              <a:solidFill>
-                <a:prstClr val="black"/>
-              </a:solidFill>
-              <a:effectLst>
-                <a:outerShdw blurRad="38100" dist="38100" dir="2700000" algn="tl">
-                  <a:srgbClr val="000000">
-                    <a:alpha val="43137"/>
-                  </a:srgbClr>
-                </a:outerShdw>
-              </a:effectLst>
-              <a:latin typeface="Calibri"/>
-              <a:ea typeface="ＭＳ Ｐゴシック" panose="020B0600070205080204" pitchFamily="50" charset="-128"/>
-            </a:endParaRPr>
-          </a:p>
-          <a:p>
-            <a:r>
-              <a:rPr lang="ja-JP" altLang="en-US" sz="2000" dirty="0">
-                <a:solidFill>
-                  <a:prstClr val="black"/>
-                </a:solidFill>
-                <a:effectLst>
-                  <a:outerShdw blurRad="38100" dist="38100" dir="2700000" algn="tl">
-                    <a:srgbClr val="000000">
-                      <a:alpha val="43137"/>
-                    </a:srgbClr>
-                  </a:outerShdw>
-                </a:effectLst>
-                <a:latin typeface="Calibri"/>
-                <a:ea typeface="ＭＳ Ｐゴシック" panose="020B0600070205080204" pitchFamily="50" charset="-128"/>
-              </a:rPr>
-              <a:t>　　</a:t>
-            </a:r>
-            <a:r>
-              <a:rPr lang="en-US" altLang="ja-JP" sz="2000" dirty="0">
-                <a:solidFill>
-                  <a:prstClr val="black"/>
-                </a:solidFill>
-                <a:effectLst>
-                  <a:outerShdw blurRad="38100" dist="38100" dir="2700000" algn="tl">
-                    <a:srgbClr val="000000">
-                      <a:alpha val="43137"/>
-                    </a:srgbClr>
-                  </a:outerShdw>
-                </a:effectLst>
-                <a:latin typeface="Calibri"/>
-                <a:ea typeface="ＭＳ Ｐゴシック" panose="020B0600070205080204" pitchFamily="50" charset="-128"/>
-              </a:rPr>
-              <a:t>2.5</a:t>
-            </a:r>
-            <a:r>
-              <a:rPr lang="ja-JP" altLang="en-US" sz="2000" dirty="0">
-                <a:solidFill>
-                  <a:prstClr val="black"/>
-                </a:solidFill>
-                <a:effectLst>
-                  <a:outerShdw blurRad="38100" dist="38100" dir="2700000" algn="tl">
-                    <a:srgbClr val="000000">
-                      <a:alpha val="43137"/>
-                    </a:srgbClr>
-                  </a:outerShdw>
-                </a:effectLst>
-                <a:latin typeface="Calibri"/>
-                <a:ea typeface="ＭＳ Ｐゴシック" panose="020B0600070205080204" pitchFamily="50" charset="-128"/>
-              </a:rPr>
-              <a:t>　リスク・ブレークダウン・ストラクチャー</a:t>
-            </a:r>
-            <a:endParaRPr lang="en-US" altLang="ja-JP" sz="2000" dirty="0">
-              <a:solidFill>
-                <a:prstClr val="black"/>
-              </a:solidFill>
-              <a:effectLst>
-                <a:outerShdw blurRad="38100" dist="38100" dir="2700000" algn="tl">
-                  <a:srgbClr val="000000">
-                    <a:alpha val="43137"/>
-                  </a:srgbClr>
-                </a:outerShdw>
-              </a:effectLst>
-              <a:latin typeface="Calibri"/>
-              <a:ea typeface="ＭＳ Ｐゴシック" panose="020B0600070205080204" pitchFamily="50" charset="-128"/>
-            </a:endParaRPr>
-          </a:p>
-          <a:p>
-            <a:r>
-              <a:rPr lang="ja-JP" altLang="en-US" sz="2000" dirty="0">
-                <a:solidFill>
-                  <a:prstClr val="black"/>
-                </a:solidFill>
-                <a:effectLst>
-                  <a:outerShdw blurRad="38100" dist="38100" dir="2700000" algn="tl">
-                    <a:srgbClr val="000000">
-                      <a:alpha val="43137"/>
-                    </a:srgbClr>
-                  </a:outerShdw>
-                </a:effectLst>
-                <a:latin typeface="Calibri"/>
-                <a:ea typeface="ＭＳ Ｐゴシック" panose="020B0600070205080204" pitchFamily="50" charset="-128"/>
-              </a:rPr>
-              <a:t>　　</a:t>
-            </a:r>
-            <a:r>
-              <a:rPr lang="en-US" altLang="ja-JP" sz="2000" dirty="0">
-                <a:solidFill>
-                  <a:prstClr val="black"/>
-                </a:solidFill>
-                <a:effectLst>
-                  <a:outerShdw blurRad="38100" dist="38100" dir="2700000" algn="tl">
-                    <a:srgbClr val="000000">
-                      <a:alpha val="43137"/>
-                    </a:srgbClr>
-                  </a:outerShdw>
-                </a:effectLst>
-                <a:latin typeface="Calibri"/>
-                <a:ea typeface="ＭＳ Ｐゴシック" panose="020B0600070205080204" pitchFamily="50" charset="-128"/>
-              </a:rPr>
-              <a:t>2.6</a:t>
-            </a:r>
-            <a:r>
-              <a:rPr lang="ja-JP" altLang="en-US" sz="2000" dirty="0">
-                <a:solidFill>
-                  <a:prstClr val="black"/>
-                </a:solidFill>
-                <a:effectLst>
-                  <a:outerShdw blurRad="38100" dist="38100" dir="2700000" algn="tl">
-                    <a:srgbClr val="000000">
-                      <a:alpha val="43137"/>
-                    </a:srgbClr>
-                  </a:outerShdw>
-                </a:effectLst>
-                <a:latin typeface="Calibri"/>
-                <a:ea typeface="ＭＳ Ｐゴシック" panose="020B0600070205080204" pitchFamily="50" charset="-128"/>
-              </a:rPr>
-              <a:t>　リスク</a:t>
-            </a:r>
-            <a:endParaRPr lang="en-US" altLang="ja-JP" sz="2000" dirty="0">
-              <a:solidFill>
-                <a:prstClr val="black"/>
-              </a:solidFill>
-              <a:effectLst>
-                <a:outerShdw blurRad="38100" dist="38100" dir="2700000" algn="tl">
-                  <a:srgbClr val="000000">
-                    <a:alpha val="43137"/>
-                  </a:srgbClr>
-                </a:outerShdw>
-              </a:effectLst>
-              <a:latin typeface="Calibri"/>
-              <a:ea typeface="ＭＳ Ｐゴシック" panose="020B0600070205080204" pitchFamily="50" charset="-128"/>
             </a:endParaRPr>
           </a:p>
         </p:txBody>
@@ -29665,8 +29159,8 @@
         </p:blipFill>
         <p:spPr>
           <a:xfrm>
-            <a:off x="1387129" y="3391043"/>
-            <a:ext cx="2232248" cy="3353981"/>
+            <a:off x="1387129" y="3532597"/>
+            <a:ext cx="2138036" cy="3212427"/>
           </a:xfrm>
           <a:prstGeom prst="rect">
             <a:avLst/>
@@ -29681,8 +29175,8 @@
         </p:nvSpPr>
         <p:spPr>
           <a:xfrm>
-            <a:off x="2324100" y="1491693"/>
-            <a:ext cx="4067585" cy="2225163"/>
+            <a:off x="3034078" y="1491693"/>
+            <a:ext cx="5195522" cy="2040904"/>
           </a:xfrm>
           <a:prstGeom prst="cloudCallout">
             <a:avLst>
@@ -29716,14 +29210,22 @@
           <a:p>
             <a:pPr algn="ctr"/>
             <a:r>
-              <a:rPr lang="ja-JP" altLang="en-US" sz="2400" dirty="0"/>
-              <a:t>　　</a:t>
-            </a:r>
-            <a:r>
-              <a:rPr lang="ja-JP" altLang="en-US" sz="2400" dirty="0" smtClean="0"/>
-              <a:t>誰かいるなら行きたいな</a:t>
-            </a:r>
-            <a:endParaRPr lang="ja-JP" altLang="en-US" sz="2400" dirty="0"/>
+              <a:rPr lang="ja-JP" altLang="en-US" sz="3200" dirty="0"/>
+              <a:t>研究室</a:t>
+            </a:r>
+            <a:r>
+              <a:rPr lang="ja-JP" altLang="en-US" sz="3200" dirty="0" smtClean="0"/>
+              <a:t>に</a:t>
+            </a:r>
+            <a:endParaRPr lang="en-US" altLang="ja-JP" sz="3200" dirty="0" smtClean="0"/>
+          </a:p>
+          <a:p>
+            <a:pPr algn="ctr"/>
+            <a:r>
+              <a:rPr lang="ja-JP" altLang="en-US" sz="3200" dirty="0" smtClean="0"/>
+              <a:t>行こうか？</a:t>
+            </a:r>
+            <a:endParaRPr lang="ja-JP" altLang="en-US" sz="3200" dirty="0"/>
           </a:p>
         </p:txBody>
       </p:sp>
@@ -29735,7 +29237,7 @@
         </p:nvSpPr>
         <p:spPr>
           <a:xfrm>
-            <a:off x="6022220" y="1777042"/>
+            <a:off x="6190493" y="3033110"/>
             <a:ext cx="5938576" cy="2959474"/>
           </a:xfrm>
           <a:prstGeom prst="cloudCallout">
@@ -29775,7 +29277,7 @@
             <a:pPr algn="ctr"/>
             <a:r>
               <a:rPr lang="ja-JP" altLang="en-US" sz="3200" dirty="0" smtClean="0"/>
-              <a:t>研究室に行きたいが</a:t>
+              <a:t>研究室には</a:t>
             </a:r>
             <a:endParaRPr lang="en-US" altLang="ja-JP" sz="3200" dirty="0" smtClean="0"/>
           </a:p>
@@ -29797,40 +29299,6 @@
               <a:rPr lang="ja-JP" altLang="en-US" sz="3200" dirty="0"/>
               <a:t>？</a:t>
             </a:r>
-          </a:p>
-        </p:txBody>
-      </p:sp>
-      <p:sp>
-        <p:nvSpPr>
-          <p:cNvPr id="7" name="タイトル 1"/>
-          <p:cNvSpPr>
-            <a:spLocks noGrp="1"/>
-          </p:cNvSpPr>
-          <p:nvPr>
-            <p:ph type="title"/>
-          </p:nvPr>
-        </p:nvSpPr>
-        <p:spPr>
-          <a:xfrm>
-            <a:off x="948906" y="585216"/>
-            <a:ext cx="7677509" cy="1191826"/>
-          </a:xfrm>
-        </p:spPr>
-        <p:txBody>
-          <a:bodyPr>
-            <a:normAutofit/>
-          </a:bodyPr>
-          <a:lstStyle/>
-          <a:p>
-            <a:r>
-              <a:rPr lang="en-US" altLang="ja-JP" dirty="0" smtClean="0"/>
-              <a:t>1.	</a:t>
-            </a:r>
-            <a:r>
-              <a:rPr lang="ja-JP" altLang="en-US" sz="4000" dirty="0" smtClean="0"/>
-              <a:t>システムの概要</a:t>
-            </a:r>
-            <a:endParaRPr kumimoji="1" lang="ja-JP" altLang="en-US" sz="4000" dirty="0"/>
           </a:p>
         </p:txBody>
       </p:sp>
@@ -29865,6 +29333,62 @@
               <a:t>背景</a:t>
             </a:r>
             <a:endParaRPr kumimoji="1" lang="ja-JP" altLang="en-US" sz="2800" dirty="0"/>
+          </a:p>
+        </p:txBody>
+      </p:sp>
+      <p:sp>
+        <p:nvSpPr>
+          <p:cNvPr id="10" name="タイトル 1"/>
+          <p:cNvSpPr txBox="1">
+            <a:spLocks/>
+          </p:cNvSpPr>
+          <p:nvPr/>
+        </p:nvSpPr>
+        <p:spPr>
+          <a:xfrm>
+            <a:off x="948906" y="585216"/>
+            <a:ext cx="7677509" cy="1191826"/>
+          </a:xfrm>
+          <a:prstGeom prst="rect">
+            <a:avLst/>
+          </a:prstGeom>
+        </p:spPr>
+        <p:txBody>
+          <a:bodyPr vert="horz" lIns="91440" tIns="45720" rIns="91440" bIns="45720" rtlCol="0" anchor="ctr">
+            <a:normAutofit/>
+          </a:bodyPr>
+          <a:lstStyle>
+            <a:lvl1pPr algn="l" defTabSz="914400" rtl="0" eaLnBrk="1" latinLnBrk="0" hangingPunct="1">
+              <a:lnSpc>
+                <a:spcPct val="80000"/>
+              </a:lnSpc>
+              <a:spcBef>
+                <a:spcPct val="0"/>
+              </a:spcBef>
+              <a:buNone/>
+              <a:defRPr kumimoji="1" sz="5000" kern="1200" cap="all" spc="100" baseline="0">
+                <a:solidFill>
+                  <a:schemeClr val="tx1">
+                    <a:lumMod val="95000"/>
+                    <a:lumOff val="5000"/>
+                  </a:schemeClr>
+                </a:solidFill>
+                <a:latin typeface="+mj-lt"/>
+                <a:ea typeface="+mj-ea"/>
+                <a:cs typeface="+mj-cs"/>
+              </a:defRPr>
+            </a:lvl1pPr>
+          </a:lstStyle>
+          <a:p>
+            <a:r>
+              <a:rPr lang="en-US" altLang="ja-JP" sz="4000" dirty="0" smtClean="0"/>
+              <a:t>1.	</a:t>
+            </a:r>
+            <a:r>
+              <a:rPr lang="ja-JP" altLang="en-US" sz="4000" dirty="0" smtClean="0"/>
+              <a:t>システムの概要</a:t>
+            </a:r>
+            <a:endParaRPr lang="ja-JP" altLang="en-US" sz="4000" dirty="0"/>
           </a:p>
         </p:txBody>
       </p:sp>
@@ -30332,8 +29856,8 @@
         </p:nvSpPr>
         <p:spPr>
           <a:xfrm>
-            <a:off x="3619730" y="3157268"/>
-            <a:ext cx="4454595" cy="646331"/>
+            <a:off x="3619730" y="2919106"/>
+            <a:ext cx="5158510" cy="830997"/>
           </a:xfrm>
           <a:prstGeom prst="rect">
             <a:avLst/>
@@ -30347,10 +29871,17 @@
           <a:lstStyle/>
           <a:p>
             <a:r>
-              <a:rPr kumimoji="1" lang="ja-JP" altLang="en-US" dirty="0" smtClean="0"/>
-              <a:t>研究室以外の場所からでは現時点で研究室に誰がいるかが確認できない</a:t>
-            </a:r>
-            <a:endParaRPr kumimoji="1" lang="ja-JP" altLang="en-US" dirty="0"/>
+              <a:rPr kumimoji="1" lang="ja-JP" altLang="en-US" sz="2400" dirty="0" smtClean="0"/>
+              <a:t>研究室以外の場所からでは</a:t>
+            </a:r>
+            <a:endParaRPr lang="en-US" altLang="ja-JP" sz="2400" dirty="0"/>
+          </a:p>
+          <a:p>
+            <a:r>
+              <a:rPr kumimoji="1" lang="ja-JP" altLang="en-US" sz="2400" dirty="0" smtClean="0"/>
+              <a:t>誰が研究室にいるか確認できない</a:t>
+            </a:r>
+            <a:endParaRPr kumimoji="1" lang="ja-JP" altLang="en-US" sz="2400" dirty="0"/>
           </a:p>
         </p:txBody>
       </p:sp>
@@ -30400,7 +29931,41 @@
       </p:sp>
       <p:sp>
         <p:nvSpPr>
-          <p:cNvPr id="13" name="タイトル 1"/>
+          <p:cNvPr id="14" name="テキスト ボックス 13"/>
+          <p:cNvSpPr txBox="1"/>
+          <p:nvPr/>
+        </p:nvSpPr>
+        <p:spPr>
+          <a:xfrm>
+            <a:off x="948906" y="1491693"/>
+            <a:ext cx="7677509" cy="523220"/>
+          </a:xfrm>
+          <a:prstGeom prst="rect">
+            <a:avLst/>
+          </a:prstGeom>
+          <a:noFill/>
+        </p:spPr>
+        <p:txBody>
+          <a:bodyPr wrap="square" rtlCol="0">
+            <a:spAutoFit/>
+          </a:bodyPr>
+          <a:lstStyle/>
+          <a:p>
+            <a:r>
+              <a:rPr kumimoji="1" lang="en-US" altLang="ja-JP" sz="2800" dirty="0" smtClean="0"/>
+              <a:t>1.1	</a:t>
+            </a:r>
+            <a:r>
+              <a:rPr kumimoji="1" lang="ja-JP" altLang="en-US" sz="2800" dirty="0" smtClean="0"/>
+              <a:t>背景</a:t>
+            </a:r>
+            <a:endParaRPr kumimoji="1" lang="ja-JP" altLang="en-US" sz="2800" dirty="0"/>
+          </a:p>
+        </p:txBody>
+      </p:sp>
+      <p:sp>
+        <p:nvSpPr>
+          <p:cNvPr id="15" name="タイトル 1"/>
           <p:cNvSpPr txBox="1">
             <a:spLocks/>
           </p:cNvSpPr>
@@ -30443,51 +30008,14 @@
           </a:lstStyle>
           <a:p>
             <a:r>
-              <a:rPr lang="en-US" altLang="ja-JP" dirty="0" smtClean="0"/>
+              <a:rPr lang="en-US" altLang="ja-JP" sz="4000" dirty="0" smtClean="0"/>
               <a:t>1.	</a:t>
             </a:r>
             <a:r>
               <a:rPr lang="ja-JP" altLang="en-US" sz="4000" dirty="0" smtClean="0"/>
-              <a:t>システムの</a:t>
-            </a:r>
-            <a:r>
-              <a:rPr lang="ja-JP" altLang="en-US" sz="4000" dirty="0"/>
-              <a:t>概要</a:t>
-            </a:r>
-          </a:p>
-        </p:txBody>
-      </p:sp>
-      <p:sp>
-        <p:nvSpPr>
-          <p:cNvPr id="14" name="テキスト ボックス 13"/>
-          <p:cNvSpPr txBox="1"/>
-          <p:nvPr/>
-        </p:nvSpPr>
-        <p:spPr>
-          <a:xfrm>
-            <a:off x="948906" y="1491693"/>
-            <a:ext cx="7677509" cy="523220"/>
-          </a:xfrm>
-          <a:prstGeom prst="rect">
-            <a:avLst/>
-          </a:prstGeom>
-          <a:noFill/>
-        </p:spPr>
-        <p:txBody>
-          <a:bodyPr wrap="square" rtlCol="0">
-            <a:spAutoFit/>
-          </a:bodyPr>
-          <a:lstStyle/>
-          <a:p>
-            <a:r>
-              <a:rPr kumimoji="1" lang="en-US" altLang="ja-JP" sz="2800" dirty="0" smtClean="0"/>
-              <a:t>1.1	</a:t>
-            </a:r>
-            <a:r>
-              <a:rPr kumimoji="1" lang="ja-JP" altLang="en-US" sz="2800" dirty="0" smtClean="0"/>
-              <a:t>背景</a:t>
-            </a:r>
-            <a:endParaRPr kumimoji="1" lang="ja-JP" altLang="en-US" sz="2800" dirty="0"/>
+              <a:t>システムの概要</a:t>
+            </a:r>
+            <a:endParaRPr lang="ja-JP" altLang="en-US" sz="4000" dirty="0"/>
           </a:p>
         </p:txBody>
       </p:sp>
@@ -30562,632 +30090,14 @@
       </p:sp>
       <p:sp>
         <p:nvSpPr>
-          <p:cNvPr id="14" name="二等辺三角形 13"/>
-          <p:cNvSpPr/>
-          <p:nvPr/>
-        </p:nvSpPr>
-        <p:spPr>
-          <a:xfrm>
-            <a:off x="2028547" y="5354008"/>
-            <a:ext cx="1794294" cy="362310"/>
-          </a:xfrm>
-          <a:prstGeom prst="triangle">
-            <a:avLst/>
-          </a:prstGeom>
-        </p:spPr>
-        <p:style>
-          <a:lnRef idx="2">
-            <a:schemeClr val="accent1">
-              <a:shade val="50000"/>
-            </a:schemeClr>
-          </a:lnRef>
-          <a:fillRef idx="1">
-            <a:schemeClr val="accent1"/>
-          </a:fillRef>
-          <a:effectRef idx="0">
-            <a:schemeClr val="accent1"/>
-          </a:effectRef>
-          <a:fontRef idx="minor">
-            <a:schemeClr val="lt1"/>
-          </a:fontRef>
-        </p:style>
-        <p:txBody>
-          <a:bodyPr rtlCol="0" anchor="ctr"/>
-          <a:lstStyle/>
-          <a:p>
-            <a:pPr algn="ctr"/>
-            <a:endParaRPr kumimoji="1" lang="ja-JP" altLang="en-US"/>
-          </a:p>
-        </p:txBody>
-      </p:sp>
-      <p:sp>
-        <p:nvSpPr>
-          <p:cNvPr id="15" name="正方形/長方形 14"/>
-          <p:cNvSpPr/>
-          <p:nvPr/>
-        </p:nvSpPr>
-        <p:spPr>
-          <a:xfrm>
-            <a:off x="2369290" y="5716318"/>
-            <a:ext cx="1112807" cy="664234"/>
-          </a:xfrm>
-          <a:prstGeom prst="rect">
-            <a:avLst/>
-          </a:prstGeom>
-        </p:spPr>
-        <p:style>
-          <a:lnRef idx="2">
-            <a:schemeClr val="accent1">
-              <a:shade val="50000"/>
-            </a:schemeClr>
-          </a:lnRef>
-          <a:fillRef idx="1">
-            <a:schemeClr val="accent1"/>
-          </a:fillRef>
-          <a:effectRef idx="0">
-            <a:schemeClr val="accent1"/>
-          </a:effectRef>
-          <a:fontRef idx="minor">
-            <a:schemeClr val="lt1"/>
-          </a:fontRef>
-        </p:style>
-        <p:txBody>
-          <a:bodyPr rtlCol="0" anchor="ctr"/>
-          <a:lstStyle/>
-          <a:p>
-            <a:pPr algn="ctr"/>
-            <a:r>
-              <a:rPr kumimoji="1" lang="ja-JP" altLang="en-US" dirty="0" smtClean="0"/>
-              <a:t>自宅</a:t>
-            </a:r>
-            <a:endParaRPr kumimoji="1" lang="ja-JP" altLang="en-US" dirty="0"/>
-          </a:p>
-        </p:txBody>
-      </p:sp>
-      <p:sp>
-        <p:nvSpPr>
-          <p:cNvPr id="16" name="角丸四角形 15"/>
-          <p:cNvSpPr/>
-          <p:nvPr/>
-        </p:nvSpPr>
-        <p:spPr>
-          <a:xfrm>
-            <a:off x="2542091" y="3921240"/>
-            <a:ext cx="785004" cy="1337095"/>
-          </a:xfrm>
-          <a:prstGeom prst="roundRect">
-            <a:avLst/>
-          </a:prstGeom>
-        </p:spPr>
-        <p:style>
-          <a:lnRef idx="2">
-            <a:schemeClr val="accent1">
-              <a:shade val="50000"/>
-            </a:schemeClr>
-          </a:lnRef>
-          <a:fillRef idx="1">
-            <a:schemeClr val="accent1"/>
-          </a:fillRef>
-          <a:effectRef idx="0">
-            <a:schemeClr val="accent1"/>
-          </a:effectRef>
-          <a:fontRef idx="minor">
-            <a:schemeClr val="lt1"/>
-          </a:fontRef>
-        </p:style>
-        <p:txBody>
-          <a:bodyPr rtlCol="0" anchor="ctr"/>
-          <a:lstStyle/>
-          <a:p>
-            <a:pPr algn="ctr"/>
-            <a:r>
-              <a:rPr lang="ja-JP" altLang="en-US" dirty="0"/>
-              <a:t>携帯</a:t>
-            </a:r>
-            <a:endParaRPr kumimoji="1" lang="ja-JP" altLang="en-US" dirty="0"/>
-          </a:p>
-        </p:txBody>
-      </p:sp>
-      <p:sp>
-        <p:nvSpPr>
-          <p:cNvPr id="17" name="直方体 16"/>
-          <p:cNvSpPr/>
-          <p:nvPr/>
-        </p:nvSpPr>
-        <p:spPr>
-          <a:xfrm>
-            <a:off x="9407106" y="3586998"/>
-            <a:ext cx="1177506" cy="2881223"/>
-          </a:xfrm>
-          <a:prstGeom prst="cube">
-            <a:avLst/>
-          </a:prstGeom>
-        </p:spPr>
-        <p:style>
-          <a:lnRef idx="2">
-            <a:schemeClr val="accent1">
-              <a:shade val="50000"/>
-            </a:schemeClr>
-          </a:lnRef>
-          <a:fillRef idx="1">
-            <a:schemeClr val="accent1"/>
-          </a:fillRef>
-          <a:effectRef idx="0">
-            <a:schemeClr val="accent1"/>
-          </a:effectRef>
-          <a:fontRef idx="minor">
-            <a:schemeClr val="lt1"/>
-          </a:fontRef>
-        </p:style>
-        <p:txBody>
-          <a:bodyPr rtlCol="0" anchor="ctr"/>
-          <a:lstStyle/>
-          <a:p>
-            <a:pPr algn="ctr"/>
-            <a:r>
-              <a:rPr kumimoji="1" lang="ja-JP" altLang="en-US" dirty="0" smtClean="0"/>
-              <a:t>研究室</a:t>
-            </a:r>
-            <a:endParaRPr kumimoji="1" lang="ja-JP" altLang="en-US" dirty="0"/>
-          </a:p>
-        </p:txBody>
-      </p:sp>
-      <p:sp>
-        <p:nvSpPr>
-          <p:cNvPr id="18" name="右矢印 17"/>
-          <p:cNvSpPr/>
-          <p:nvPr/>
-        </p:nvSpPr>
-        <p:spPr>
-          <a:xfrm>
-            <a:off x="7984220" y="5354008"/>
-            <a:ext cx="1047161" cy="930716"/>
-          </a:xfrm>
-          <a:prstGeom prst="rightArrow">
-            <a:avLst/>
-          </a:prstGeom>
-        </p:spPr>
-        <p:style>
-          <a:lnRef idx="2">
-            <a:schemeClr val="accent1">
-              <a:shade val="50000"/>
-            </a:schemeClr>
-          </a:lnRef>
-          <a:fillRef idx="1">
-            <a:schemeClr val="accent1"/>
-          </a:fillRef>
-          <a:effectRef idx="0">
-            <a:schemeClr val="accent1"/>
-          </a:effectRef>
-          <a:fontRef idx="minor">
-            <a:schemeClr val="lt1"/>
-          </a:fontRef>
-        </p:style>
-        <p:txBody>
-          <a:bodyPr rtlCol="0" anchor="ctr"/>
-          <a:lstStyle/>
-          <a:p>
-            <a:pPr algn="ctr"/>
-            <a:endParaRPr kumimoji="1" lang="ja-JP" altLang="en-US"/>
-          </a:p>
-        </p:txBody>
-      </p:sp>
-      <p:sp>
-        <p:nvSpPr>
-          <p:cNvPr id="19" name="右矢印 18"/>
-          <p:cNvSpPr/>
-          <p:nvPr/>
-        </p:nvSpPr>
-        <p:spPr>
-          <a:xfrm>
-            <a:off x="4536421" y="5354008"/>
-            <a:ext cx="1047161" cy="930716"/>
-          </a:xfrm>
-          <a:prstGeom prst="rightArrow">
-            <a:avLst/>
-          </a:prstGeom>
-        </p:spPr>
-        <p:style>
-          <a:lnRef idx="2">
-            <a:schemeClr val="accent1">
-              <a:shade val="50000"/>
-            </a:schemeClr>
-          </a:lnRef>
-          <a:fillRef idx="1">
-            <a:schemeClr val="accent1"/>
-          </a:fillRef>
-          <a:effectRef idx="0">
-            <a:schemeClr val="accent1"/>
-          </a:effectRef>
-          <a:fontRef idx="minor">
-            <a:schemeClr val="lt1"/>
-          </a:fontRef>
-        </p:style>
-        <p:txBody>
-          <a:bodyPr rtlCol="0" anchor="ctr"/>
-          <a:lstStyle/>
-          <a:p>
-            <a:pPr algn="ctr"/>
-            <a:endParaRPr kumimoji="1" lang="ja-JP" altLang="en-US"/>
-          </a:p>
-        </p:txBody>
-      </p:sp>
-      <p:sp>
-        <p:nvSpPr>
-          <p:cNvPr id="20" name="円柱 19"/>
-          <p:cNvSpPr/>
-          <p:nvPr/>
-        </p:nvSpPr>
-        <p:spPr>
-          <a:xfrm>
-            <a:off x="6191098" y="3586998"/>
-            <a:ext cx="1417400" cy="2881223"/>
-          </a:xfrm>
-          <a:prstGeom prst="can">
-            <a:avLst/>
-          </a:prstGeom>
-        </p:spPr>
-        <p:style>
-          <a:lnRef idx="2">
-            <a:schemeClr val="accent1">
-              <a:shade val="50000"/>
-            </a:schemeClr>
-          </a:lnRef>
-          <a:fillRef idx="1">
-            <a:schemeClr val="accent1"/>
-          </a:fillRef>
-          <a:effectRef idx="0">
-            <a:schemeClr val="accent1"/>
-          </a:effectRef>
-          <a:fontRef idx="minor">
-            <a:schemeClr val="lt1"/>
-          </a:fontRef>
-        </p:style>
-        <p:txBody>
-          <a:bodyPr rtlCol="0" anchor="ctr"/>
-          <a:lstStyle/>
-          <a:p>
-            <a:pPr algn="ctr"/>
-            <a:r>
-              <a:rPr lang="ja-JP" altLang="en-US" sz="1600" dirty="0"/>
-              <a:t>滞在</a:t>
-            </a:r>
-            <a:r>
-              <a:rPr lang="ja-JP" altLang="en-US" sz="1600" dirty="0" smtClean="0"/>
-              <a:t>管理</a:t>
-            </a:r>
-            <a:endParaRPr lang="en-US" altLang="ja-JP" sz="1600" dirty="0" smtClean="0"/>
-          </a:p>
-          <a:p>
-            <a:pPr algn="ctr"/>
-            <a:r>
-              <a:rPr lang="ja-JP" altLang="en-US" sz="1600" dirty="0" smtClean="0"/>
-              <a:t>ソフトウェア</a:t>
-            </a:r>
-            <a:endParaRPr kumimoji="1" lang="ja-JP" altLang="en-US" sz="1600" dirty="0"/>
-          </a:p>
-        </p:txBody>
-      </p:sp>
-      <p:sp>
-        <p:nvSpPr>
-          <p:cNvPr id="24" name="タイトル 1"/>
-          <p:cNvSpPr txBox="1">
-            <a:spLocks/>
-          </p:cNvSpPr>
-          <p:nvPr/>
-        </p:nvSpPr>
-        <p:spPr>
-          <a:xfrm>
-            <a:off x="948906" y="585216"/>
-            <a:ext cx="7677509" cy="1191826"/>
-          </a:xfrm>
-          <a:prstGeom prst="rect">
-            <a:avLst/>
-          </a:prstGeom>
-        </p:spPr>
-        <p:txBody>
-          <a:bodyPr vert="horz" lIns="91440" tIns="45720" rIns="91440" bIns="45720" rtlCol="0" anchor="ctr">
-            <a:normAutofit/>
-          </a:bodyPr>
-          <a:lstStyle>
-            <a:lvl1pPr algn="l" defTabSz="914400" rtl="0" eaLnBrk="1" latinLnBrk="0" hangingPunct="1">
-              <a:lnSpc>
-                <a:spcPct val="80000"/>
-              </a:lnSpc>
-              <a:spcBef>
-                <a:spcPct val="0"/>
-              </a:spcBef>
-              <a:buNone/>
-              <a:defRPr kumimoji="1" sz="5000" kern="1200" cap="all" spc="100" baseline="0">
-                <a:solidFill>
-                  <a:schemeClr val="tx1">
-                    <a:lumMod val="95000"/>
-                    <a:lumOff val="5000"/>
-                  </a:schemeClr>
-                </a:solidFill>
-                <a:latin typeface="+mj-lt"/>
-                <a:ea typeface="+mj-ea"/>
-                <a:cs typeface="+mj-cs"/>
-              </a:defRPr>
-            </a:lvl1pPr>
-          </a:lstStyle>
-          <a:p>
-            <a:r>
-              <a:rPr lang="ja-JP" altLang="en-US" sz="4000" dirty="0"/>
-              <a:t>システム</a:t>
-            </a:r>
-            <a:r>
-              <a:rPr lang="ja-JP" altLang="en-US" sz="4000" dirty="0" smtClean="0"/>
-              <a:t>の</a:t>
-            </a:r>
-            <a:r>
-              <a:rPr lang="ja-JP" altLang="en-US" sz="4000" dirty="0"/>
-              <a:t>概要</a:t>
-            </a:r>
-          </a:p>
-        </p:txBody>
-      </p:sp>
-      <p:cxnSp>
-        <p:nvCxnSpPr>
-          <p:cNvPr id="4" name="カギ線コネクタ 3"/>
-          <p:cNvCxnSpPr>
-            <a:stCxn id="20" idx="2"/>
-            <a:endCxn id="34" idx="3"/>
-          </p:cNvCxnSpPr>
-          <p:nvPr/>
-        </p:nvCxnSpPr>
-        <p:spPr>
-          <a:xfrm rot="10800000">
-            <a:off x="3928906" y="5025714"/>
-            <a:ext cx="2262193" cy="1896"/>
-          </a:xfrm>
-          <a:prstGeom prst="bentConnector3">
-            <a:avLst>
-              <a:gd name="adj1" fmla="val 50000"/>
-            </a:avLst>
-          </a:prstGeom>
-          <a:ln w="127000">
-            <a:tailEnd type="triangle"/>
-          </a:ln>
-        </p:spPr>
-        <p:style>
-          <a:lnRef idx="1">
-            <a:schemeClr val="accent1"/>
-          </a:lnRef>
-          <a:fillRef idx="0">
-            <a:schemeClr val="accent1"/>
-          </a:fillRef>
-          <a:effectRef idx="0">
-            <a:schemeClr val="accent1"/>
-          </a:effectRef>
-          <a:fontRef idx="minor">
-            <a:schemeClr val="tx1"/>
-          </a:fontRef>
-        </p:style>
-      </p:cxnSp>
-      <p:sp>
-        <p:nvSpPr>
-          <p:cNvPr id="27" name="テキスト ボックス 26"/>
-          <p:cNvSpPr txBox="1"/>
-          <p:nvPr/>
-        </p:nvSpPr>
-        <p:spPr>
-          <a:xfrm>
-            <a:off x="2028546" y="2273049"/>
-            <a:ext cx="7526215" cy="584775"/>
-          </a:xfrm>
-          <a:prstGeom prst="rect">
-            <a:avLst/>
-          </a:prstGeom>
-          <a:noFill/>
-        </p:spPr>
-        <p:txBody>
-          <a:bodyPr wrap="square" rtlCol="0">
-            <a:spAutoFit/>
-          </a:bodyPr>
-          <a:lstStyle/>
-          <a:p>
-            <a:r>
-              <a:rPr kumimoji="1" lang="ja-JP" altLang="en-US" sz="3200" dirty="0" smtClean="0"/>
-              <a:t>研究室の滞在状況を知ることができる</a:t>
-            </a:r>
-            <a:r>
-              <a:rPr kumimoji="1" lang="en-US" altLang="ja-JP" sz="3200" dirty="0" smtClean="0"/>
-              <a:t>!!</a:t>
-            </a:r>
-            <a:endParaRPr kumimoji="1" lang="ja-JP" altLang="en-US" sz="3200" dirty="0"/>
-          </a:p>
-        </p:txBody>
-      </p:sp>
-      <p:sp>
-        <p:nvSpPr>
-          <p:cNvPr id="29" name="テキスト ボックス 28"/>
-          <p:cNvSpPr txBox="1"/>
-          <p:nvPr/>
-        </p:nvSpPr>
-        <p:spPr>
-          <a:xfrm>
-            <a:off x="948906" y="1491693"/>
-            <a:ext cx="7677509" cy="523220"/>
-          </a:xfrm>
-          <a:prstGeom prst="rect">
-            <a:avLst/>
-          </a:prstGeom>
-          <a:noFill/>
-        </p:spPr>
-        <p:txBody>
-          <a:bodyPr wrap="square" rtlCol="0">
-            <a:spAutoFit/>
-          </a:bodyPr>
-          <a:lstStyle/>
-          <a:p>
-            <a:r>
-              <a:rPr kumimoji="1" lang="en-US" altLang="ja-JP" sz="2800" dirty="0" smtClean="0"/>
-              <a:t>1.2	</a:t>
-            </a:r>
-            <a:r>
-              <a:rPr kumimoji="1" lang="ja-JP" altLang="en-US" sz="2800" dirty="0" smtClean="0"/>
-              <a:t>システム開発の目的</a:t>
-            </a:r>
-            <a:endParaRPr kumimoji="1" lang="ja-JP" altLang="en-US" sz="2800" dirty="0"/>
-          </a:p>
-        </p:txBody>
-      </p:sp>
-      <p:sp>
-        <p:nvSpPr>
-          <p:cNvPr id="34" name="正方形/長方形 33"/>
-          <p:cNvSpPr/>
-          <p:nvPr/>
-        </p:nvSpPr>
-        <p:spPr>
-          <a:xfrm>
-            <a:off x="2028546" y="3586998"/>
-            <a:ext cx="1900359" cy="2877431"/>
-          </a:xfrm>
-          <a:prstGeom prst="rect">
-            <a:avLst/>
-          </a:prstGeom>
-          <a:noFill/>
-        </p:spPr>
-        <p:style>
-          <a:lnRef idx="2">
-            <a:schemeClr val="accent1">
-              <a:shade val="50000"/>
-            </a:schemeClr>
-          </a:lnRef>
-          <a:fillRef idx="1">
-            <a:schemeClr val="accent1"/>
-          </a:fillRef>
-          <a:effectRef idx="0">
-            <a:schemeClr val="accent1"/>
-          </a:effectRef>
-          <a:fontRef idx="minor">
-            <a:schemeClr val="lt1"/>
-          </a:fontRef>
-        </p:style>
-        <p:txBody>
-          <a:bodyPr rtlCol="0" anchor="ctr"/>
-          <a:lstStyle/>
-          <a:p>
-            <a:pPr algn="ctr"/>
-            <a:endParaRPr kumimoji="1" lang="ja-JP" altLang="en-US"/>
-          </a:p>
-        </p:txBody>
-      </p:sp>
-      <p:cxnSp>
-        <p:nvCxnSpPr>
-          <p:cNvPr id="44" name="直線矢印コネクタ 43"/>
-          <p:cNvCxnSpPr>
-            <a:endCxn id="20" idx="4"/>
-          </p:cNvCxnSpPr>
-          <p:nvPr/>
-        </p:nvCxnSpPr>
-        <p:spPr>
-          <a:xfrm flipH="1">
-            <a:off x="7608498" y="5027609"/>
-            <a:ext cx="1798608" cy="1"/>
-          </a:xfrm>
-          <a:prstGeom prst="straightConnector1">
-            <a:avLst/>
-          </a:prstGeom>
-          <a:ln w="127000">
-            <a:tailEnd type="triangle"/>
-          </a:ln>
-        </p:spPr>
-        <p:style>
-          <a:lnRef idx="1">
-            <a:schemeClr val="accent1"/>
-          </a:lnRef>
-          <a:fillRef idx="0">
-            <a:schemeClr val="accent1"/>
-          </a:fillRef>
-          <a:effectRef idx="0">
-            <a:schemeClr val="accent1"/>
-          </a:effectRef>
-          <a:fontRef idx="minor">
-            <a:schemeClr val="tx1"/>
-          </a:fontRef>
-        </p:style>
-      </p:cxnSp>
-    </p:spTree>
-    <p:extLst>
-      <p:ext uri="{BB962C8B-B14F-4D97-AF65-F5344CB8AC3E}">
-        <p14:creationId xmlns:p14="http://schemas.microsoft.com/office/powerpoint/2010/main" val="767685504"/>
-      </p:ext>
-    </p:extLst>
-  </p:cSld>
-  <p:clrMapOvr>
-    <a:masterClrMapping/>
-  </p:clrMapOvr>
-  <p:timing>
-    <p:tnLst>
-      <p:par>
-        <p:cTn id="1" dur="indefinite" restart="never" nodeType="tmRoot"/>
-      </p:par>
-    </p:tnLst>
-  </p:timing>
-</p:sld>
-</file>
-
-<file path=ppt/slides/slide6.xml><?xml version="1.0" encoding="utf-8"?>
-<p:sld xmlns:a="http://schemas.openxmlformats.org/drawingml/2006/main" xmlns:r="http://schemas.openxmlformats.org/officeDocument/2006/relationships" xmlns:p="http://schemas.openxmlformats.org/presentationml/2006/main">
-  <p:cSld>
-    <p:spTree>
-      <p:nvGrpSpPr>
-        <p:cNvPr id="1" name=""/>
-        <p:cNvGrpSpPr/>
-        <p:nvPr/>
-      </p:nvGrpSpPr>
-      <p:grpSpPr>
-        <a:xfrm>
-          <a:off x="0" y="0"/>
-          <a:ext cx="0" cy="0"/>
-          <a:chOff x="0" y="0"/>
-          <a:chExt cx="0" cy="0"/>
-        </a:xfrm>
-      </p:grpSpPr>
-      <p:sp>
-        <p:nvSpPr>
-          <p:cNvPr id="6" name="スライド番号プレースホルダー 5"/>
-          <p:cNvSpPr>
-            <a:spLocks noGrp="1"/>
-          </p:cNvSpPr>
-          <p:nvPr>
-            <p:ph type="sldNum" sz="quarter" idx="12"/>
-          </p:nvPr>
-        </p:nvSpPr>
-        <p:spPr/>
-        <p:txBody>
-          <a:bodyPr/>
-          <a:lstStyle/>
-          <a:p>
-            <a:fld id="{B52A0D98-C5F8-4D5A-A941-4728EF2912B9}" type="slidenum">
-              <a:rPr kumimoji="1" lang="ja-JP" altLang="en-US" sz="2800" smtClean="0">
-                <a:solidFill>
-                  <a:srgbClr val="464653"/>
-                </a:solidFill>
-              </a:rPr>
-              <a:pPr/>
-              <a:t>6</a:t>
-            </a:fld>
-            <a:endParaRPr kumimoji="1" lang="ja-JP" altLang="en-US" sz="2800" dirty="0">
-              <a:solidFill>
-                <a:srgbClr val="464653"/>
-              </a:solidFill>
-            </a:endParaRPr>
-          </a:p>
-        </p:txBody>
-      </p:sp>
-      <p:sp>
-        <p:nvSpPr>
           <p:cNvPr id="7" name="正方形/長方形 6"/>
           <p:cNvSpPr/>
           <p:nvPr/>
         </p:nvSpPr>
         <p:spPr>
           <a:xfrm>
-            <a:off x="3102148" y="2444109"/>
-            <a:ext cx="5981467" cy="3585756"/>
+            <a:off x="948906" y="2243996"/>
+            <a:ext cx="7673723" cy="3985982"/>
           </a:xfrm>
           <a:prstGeom prst="rect">
             <a:avLst/>
@@ -31329,8 +30239,8 @@
         </p:nvSpPr>
         <p:spPr>
           <a:xfrm>
-            <a:off x="3116244" y="2444109"/>
-            <a:ext cx="5967138" cy="200368"/>
+            <a:off x="968161" y="2243996"/>
+            <a:ext cx="7655338" cy="411663"/>
           </a:xfrm>
           <a:prstGeom prst="rect">
             <a:avLst/>
@@ -31476,7 +30386,7 @@
         </p:blipFill>
         <p:spPr>
           <a:xfrm>
-            <a:off x="7592922" y="3658281"/>
+            <a:off x="7073609" y="3593907"/>
             <a:ext cx="1270548" cy="2022553"/>
           </a:xfrm>
           <a:prstGeom prst="rect">
@@ -31500,7 +30410,7 @@
         </p:blipFill>
         <p:spPr>
           <a:xfrm>
-            <a:off x="3403051" y="3658282"/>
+            <a:off x="1485406" y="3589682"/>
             <a:ext cx="1270547" cy="2013406"/>
           </a:xfrm>
           <a:prstGeom prst="rect">
@@ -31524,7 +30434,7 @@
         </p:blipFill>
         <p:spPr>
           <a:xfrm>
-            <a:off x="4852270" y="3654113"/>
+            <a:off x="3348953" y="3565694"/>
             <a:ext cx="1270548" cy="2027125"/>
           </a:xfrm>
           <a:prstGeom prst="rect">
@@ -31548,7 +30458,7 @@
         </p:blipFill>
         <p:spPr>
           <a:xfrm>
-            <a:off x="6222596" y="3654115"/>
+            <a:off x="5211281" y="3585570"/>
             <a:ext cx="1270548" cy="2030890"/>
           </a:xfrm>
           <a:prstGeom prst="rect">
@@ -31564,7 +30474,7 @@
         </p:nvSpPr>
         <p:spPr>
           <a:xfrm>
-            <a:off x="7592922" y="2833336"/>
+            <a:off x="6692844" y="2989380"/>
             <a:ext cx="1334039" cy="333948"/>
           </a:xfrm>
           <a:prstGeom prst="rect">
@@ -31685,7 +30595,7 @@
           </a:lstStyle>
           <a:p>
             <a:r>
-              <a:rPr kumimoji="1" lang="ja-JP" altLang="en-US" sz="1800" b="1" i="1" u="sng"/>
+              <a:rPr kumimoji="1" lang="ja-JP" altLang="en-US" sz="1800" b="1" i="1" u="sng" dirty="0"/>
               <a:t>ログアウト</a:t>
             </a:r>
           </a:p>
@@ -31770,7 +30680,7 @@
           </a:lstStyle>
           <a:p>
             <a:r>
-              <a:rPr lang="en-US" altLang="ja-JP" dirty="0" smtClean="0"/>
+              <a:rPr lang="en-US" altLang="ja-JP" sz="4000" dirty="0" smtClean="0"/>
               <a:t>1.	</a:t>
             </a:r>
             <a:r>
@@ -31781,6 +30691,146 @@
               <a:rPr lang="ja-JP" altLang="en-US" sz="4000" dirty="0"/>
               <a:t>概要</a:t>
             </a:r>
+          </a:p>
+        </p:txBody>
+      </p:sp>
+      <p:sp>
+        <p:nvSpPr>
+          <p:cNvPr id="17" name="右矢印 16"/>
+          <p:cNvSpPr/>
+          <p:nvPr/>
+        </p:nvSpPr>
+        <p:spPr>
+          <a:xfrm rot="10800000">
+            <a:off x="8344157" y="3992452"/>
+            <a:ext cx="1218943" cy="586804"/>
+          </a:xfrm>
+          <a:prstGeom prst="rightArrow">
+            <a:avLst/>
+          </a:prstGeom>
+        </p:spPr>
+        <p:style>
+          <a:lnRef idx="2">
+            <a:schemeClr val="accent1">
+              <a:shade val="50000"/>
+            </a:schemeClr>
+          </a:lnRef>
+          <a:fillRef idx="1">
+            <a:schemeClr val="accent1"/>
+          </a:fillRef>
+          <a:effectRef idx="0">
+            <a:schemeClr val="accent1"/>
+          </a:effectRef>
+          <a:fontRef idx="minor">
+            <a:schemeClr val="lt1"/>
+          </a:fontRef>
+        </p:style>
+        <p:txBody>
+          <a:bodyPr rtlCol="0" anchor="ctr"/>
+          <a:lstStyle/>
+          <a:p>
+            <a:pPr algn="ctr"/>
+            <a:endParaRPr kumimoji="1" lang="ja-JP" altLang="en-US"/>
+          </a:p>
+        </p:txBody>
+      </p:sp>
+      <p:sp>
+        <p:nvSpPr>
+          <p:cNvPr id="21" name="正方形/長方形 20"/>
+          <p:cNvSpPr/>
+          <p:nvPr/>
+        </p:nvSpPr>
+        <p:spPr>
+          <a:xfrm>
+            <a:off x="9611880" y="3565694"/>
+            <a:ext cx="2264647" cy="1361906"/>
+          </a:xfrm>
+          <a:prstGeom prst="rect">
+            <a:avLst/>
+          </a:prstGeom>
+        </p:spPr>
+        <p:style>
+          <a:lnRef idx="2">
+            <a:schemeClr val="accent1">
+              <a:shade val="50000"/>
+            </a:schemeClr>
+          </a:lnRef>
+          <a:fillRef idx="1">
+            <a:schemeClr val="accent1"/>
+          </a:fillRef>
+          <a:effectRef idx="0">
+            <a:schemeClr val="accent1"/>
+          </a:effectRef>
+          <a:fontRef idx="minor">
+            <a:schemeClr val="lt1"/>
+          </a:fontRef>
+        </p:style>
+        <p:txBody>
+          <a:bodyPr rtlCol="0" anchor="ctr"/>
+          <a:lstStyle/>
+          <a:p>
+            <a:r>
+              <a:rPr lang="ja-JP" altLang="en-US" dirty="0"/>
+              <a:t>研究室にいる人物が</a:t>
+            </a:r>
+            <a:endParaRPr lang="en-US" altLang="ja-JP" dirty="0"/>
+          </a:p>
+          <a:p>
+            <a:r>
+              <a:rPr lang="ja-JP" altLang="en-US" dirty="0"/>
+              <a:t>わかりやすく表示</a:t>
+            </a:r>
+            <a:endParaRPr lang="en-US" altLang="ja-JP" dirty="0"/>
+          </a:p>
+          <a:p>
+            <a:r>
+              <a:rPr lang="ja-JP" altLang="en-US" dirty="0"/>
+              <a:t>される。</a:t>
+            </a:r>
+          </a:p>
+        </p:txBody>
+      </p:sp>
+      <p:sp>
+        <p:nvSpPr>
+          <p:cNvPr id="3" name="正方形/長方形 2"/>
+          <p:cNvSpPr/>
+          <p:nvPr/>
+        </p:nvSpPr>
+        <p:spPr>
+          <a:xfrm>
+            <a:off x="7087774" y="3950946"/>
+            <a:ext cx="1256383" cy="654237"/>
+          </a:xfrm>
+          <a:prstGeom prst="rect">
+            <a:avLst/>
+          </a:prstGeom>
+          <a:noFill/>
+          <a:ln>
+            <a:noFill/>
+          </a:ln>
+        </p:spPr>
+        <p:style>
+          <a:lnRef idx="2">
+            <a:schemeClr val="accent1">
+              <a:shade val="50000"/>
+            </a:schemeClr>
+          </a:lnRef>
+          <a:fillRef idx="1">
+            <a:schemeClr val="accent1"/>
+          </a:fillRef>
+          <a:effectRef idx="0">
+            <a:schemeClr val="accent1"/>
+          </a:effectRef>
+          <a:fontRef idx="minor">
+            <a:schemeClr val="lt1"/>
+          </a:fontRef>
+        </p:style>
+        <p:txBody>
+          <a:bodyPr rtlCol="0" anchor="ctr"/>
+          <a:lstStyle/>
+          <a:p>
+            <a:pPr algn="ctr"/>
+            <a:endParaRPr kumimoji="1" lang="ja-JP" altLang="en-US"/>
           </a:p>
         </p:txBody>
       </p:sp>
@@ -31794,6 +30844,629 @@
   <p:clrMapOvr>
     <a:masterClrMapping/>
   </p:clrMapOvr>
+  <p:timing>
+    <p:tnLst>
+      <p:par>
+        <p:cTn id="1" dur="indefinite" restart="never" nodeType="tmRoot"/>
+      </p:par>
+    </p:tnLst>
+  </p:timing>
+</p:sld>
+</file>
+
+<file path=ppt/slides/slide6.xml><?xml version="1.0" encoding="utf-8"?>
+<p:sld xmlns:a="http://schemas.openxmlformats.org/drawingml/2006/main" xmlns:r="http://schemas.openxmlformats.org/officeDocument/2006/relationships" xmlns:p="http://schemas.openxmlformats.org/presentationml/2006/main">
+  <p:cSld>
+    <p:spTree>
+      <p:nvGrpSpPr>
+        <p:cNvPr id="1" name=""/>
+        <p:cNvGrpSpPr/>
+        <p:nvPr/>
+      </p:nvGrpSpPr>
+      <p:grpSpPr>
+        <a:xfrm>
+          <a:off x="0" y="0"/>
+          <a:ext cx="0" cy="0"/>
+          <a:chOff x="0" y="0"/>
+          <a:chExt cx="0" cy="0"/>
+        </a:xfrm>
+      </p:grpSpPr>
+      <p:sp>
+        <p:nvSpPr>
+          <p:cNvPr id="6" name="スライド番号プレースホルダー 5"/>
+          <p:cNvSpPr>
+            <a:spLocks noGrp="1"/>
+          </p:cNvSpPr>
+          <p:nvPr>
+            <p:ph type="sldNum" sz="quarter" idx="12"/>
+          </p:nvPr>
+        </p:nvSpPr>
+        <p:spPr/>
+        <p:txBody>
+          <a:bodyPr/>
+          <a:lstStyle/>
+          <a:p>
+            <a:fld id="{B52A0D98-C5F8-4D5A-A941-4728EF2912B9}" type="slidenum">
+              <a:rPr kumimoji="1" lang="ja-JP" altLang="en-US" sz="2800" smtClean="0">
+                <a:solidFill>
+                  <a:srgbClr val="464653"/>
+                </a:solidFill>
+              </a:rPr>
+              <a:pPr/>
+              <a:t>6</a:t>
+            </a:fld>
+            <a:endParaRPr kumimoji="1" lang="ja-JP" altLang="en-US" sz="2800" dirty="0">
+              <a:solidFill>
+                <a:srgbClr val="464653"/>
+              </a:solidFill>
+            </a:endParaRPr>
+          </a:p>
+        </p:txBody>
+      </p:sp>
+      <p:sp>
+        <p:nvSpPr>
+          <p:cNvPr id="14" name="二等辺三角形 13"/>
+          <p:cNvSpPr/>
+          <p:nvPr/>
+        </p:nvSpPr>
+        <p:spPr>
+          <a:xfrm>
+            <a:off x="2028547" y="5354008"/>
+            <a:ext cx="1794294" cy="362310"/>
+          </a:xfrm>
+          <a:prstGeom prst="triangle">
+            <a:avLst/>
+          </a:prstGeom>
+        </p:spPr>
+        <p:style>
+          <a:lnRef idx="2">
+            <a:schemeClr val="accent1">
+              <a:shade val="50000"/>
+            </a:schemeClr>
+          </a:lnRef>
+          <a:fillRef idx="1">
+            <a:schemeClr val="accent1"/>
+          </a:fillRef>
+          <a:effectRef idx="0">
+            <a:schemeClr val="accent1"/>
+          </a:effectRef>
+          <a:fontRef idx="minor">
+            <a:schemeClr val="lt1"/>
+          </a:fontRef>
+        </p:style>
+        <p:txBody>
+          <a:bodyPr rtlCol="0" anchor="ctr"/>
+          <a:lstStyle/>
+          <a:p>
+            <a:pPr algn="ctr"/>
+            <a:endParaRPr kumimoji="1" lang="ja-JP" altLang="en-US"/>
+          </a:p>
+        </p:txBody>
+      </p:sp>
+      <p:sp>
+        <p:nvSpPr>
+          <p:cNvPr id="15" name="正方形/長方形 14"/>
+          <p:cNvSpPr/>
+          <p:nvPr/>
+        </p:nvSpPr>
+        <p:spPr>
+          <a:xfrm>
+            <a:off x="2369290" y="5716318"/>
+            <a:ext cx="1112807" cy="664234"/>
+          </a:xfrm>
+          <a:prstGeom prst="rect">
+            <a:avLst/>
+          </a:prstGeom>
+        </p:spPr>
+        <p:style>
+          <a:lnRef idx="2">
+            <a:schemeClr val="accent1">
+              <a:shade val="50000"/>
+            </a:schemeClr>
+          </a:lnRef>
+          <a:fillRef idx="1">
+            <a:schemeClr val="accent1"/>
+          </a:fillRef>
+          <a:effectRef idx="0">
+            <a:schemeClr val="accent1"/>
+          </a:effectRef>
+          <a:fontRef idx="minor">
+            <a:schemeClr val="lt1"/>
+          </a:fontRef>
+        </p:style>
+        <p:txBody>
+          <a:bodyPr rtlCol="0" anchor="ctr"/>
+          <a:lstStyle/>
+          <a:p>
+            <a:pPr algn="ctr"/>
+            <a:r>
+              <a:rPr kumimoji="1" lang="ja-JP" altLang="en-US" dirty="0" smtClean="0"/>
+              <a:t>自宅</a:t>
+            </a:r>
+            <a:endParaRPr kumimoji="1" lang="ja-JP" altLang="en-US" dirty="0"/>
+          </a:p>
+        </p:txBody>
+      </p:sp>
+      <p:sp>
+        <p:nvSpPr>
+          <p:cNvPr id="16" name="角丸四角形 15"/>
+          <p:cNvSpPr/>
+          <p:nvPr/>
+        </p:nvSpPr>
+        <p:spPr>
+          <a:xfrm>
+            <a:off x="2542091" y="3921240"/>
+            <a:ext cx="785004" cy="1337095"/>
+          </a:xfrm>
+          <a:prstGeom prst="roundRect">
+            <a:avLst/>
+          </a:prstGeom>
+        </p:spPr>
+        <p:style>
+          <a:lnRef idx="2">
+            <a:schemeClr val="accent1">
+              <a:shade val="50000"/>
+            </a:schemeClr>
+          </a:lnRef>
+          <a:fillRef idx="1">
+            <a:schemeClr val="accent1"/>
+          </a:fillRef>
+          <a:effectRef idx="0">
+            <a:schemeClr val="accent1"/>
+          </a:effectRef>
+          <a:fontRef idx="minor">
+            <a:schemeClr val="lt1"/>
+          </a:fontRef>
+        </p:style>
+        <p:txBody>
+          <a:bodyPr rtlCol="0" anchor="ctr"/>
+          <a:lstStyle/>
+          <a:p>
+            <a:pPr algn="ctr"/>
+            <a:r>
+              <a:rPr lang="ja-JP" altLang="en-US" dirty="0"/>
+              <a:t>携帯</a:t>
+            </a:r>
+            <a:endParaRPr kumimoji="1" lang="ja-JP" altLang="en-US" dirty="0"/>
+          </a:p>
+        </p:txBody>
+      </p:sp>
+      <p:sp>
+        <p:nvSpPr>
+          <p:cNvPr id="17" name="直方体 16"/>
+          <p:cNvSpPr/>
+          <p:nvPr/>
+        </p:nvSpPr>
+        <p:spPr>
+          <a:xfrm>
+            <a:off x="9407106" y="3586998"/>
+            <a:ext cx="1177506" cy="2881223"/>
+          </a:xfrm>
+          <a:prstGeom prst="cube">
+            <a:avLst/>
+          </a:prstGeom>
+        </p:spPr>
+        <p:style>
+          <a:lnRef idx="2">
+            <a:schemeClr val="accent1">
+              <a:shade val="50000"/>
+            </a:schemeClr>
+          </a:lnRef>
+          <a:fillRef idx="1">
+            <a:schemeClr val="accent1"/>
+          </a:fillRef>
+          <a:effectRef idx="0">
+            <a:schemeClr val="accent1"/>
+          </a:effectRef>
+          <a:fontRef idx="minor">
+            <a:schemeClr val="lt1"/>
+          </a:fontRef>
+        </p:style>
+        <p:txBody>
+          <a:bodyPr rtlCol="0" anchor="ctr"/>
+          <a:lstStyle/>
+          <a:p>
+            <a:pPr algn="ctr"/>
+            <a:r>
+              <a:rPr kumimoji="1" lang="ja-JP" altLang="en-US" dirty="0" smtClean="0"/>
+              <a:t>研究室</a:t>
+            </a:r>
+            <a:endParaRPr kumimoji="1" lang="ja-JP" altLang="en-US" dirty="0"/>
+          </a:p>
+        </p:txBody>
+      </p:sp>
+      <p:sp>
+        <p:nvSpPr>
+          <p:cNvPr id="18" name="右矢印 17"/>
+          <p:cNvSpPr/>
+          <p:nvPr/>
+        </p:nvSpPr>
+        <p:spPr>
+          <a:xfrm>
+            <a:off x="7984220" y="5354008"/>
+            <a:ext cx="1047161" cy="930716"/>
+          </a:xfrm>
+          <a:prstGeom prst="rightArrow">
+            <a:avLst/>
+          </a:prstGeom>
+        </p:spPr>
+        <p:style>
+          <a:lnRef idx="2">
+            <a:schemeClr val="accent1">
+              <a:shade val="50000"/>
+            </a:schemeClr>
+          </a:lnRef>
+          <a:fillRef idx="1">
+            <a:schemeClr val="accent1"/>
+          </a:fillRef>
+          <a:effectRef idx="0">
+            <a:schemeClr val="accent1"/>
+          </a:effectRef>
+          <a:fontRef idx="minor">
+            <a:schemeClr val="lt1"/>
+          </a:fontRef>
+        </p:style>
+        <p:txBody>
+          <a:bodyPr rtlCol="0" anchor="ctr"/>
+          <a:lstStyle/>
+          <a:p>
+            <a:pPr algn="ctr"/>
+            <a:endParaRPr kumimoji="1" lang="ja-JP" altLang="en-US"/>
+          </a:p>
+        </p:txBody>
+      </p:sp>
+      <p:sp>
+        <p:nvSpPr>
+          <p:cNvPr id="19" name="右矢印 18"/>
+          <p:cNvSpPr/>
+          <p:nvPr/>
+        </p:nvSpPr>
+        <p:spPr>
+          <a:xfrm>
+            <a:off x="4536421" y="5354008"/>
+            <a:ext cx="1047161" cy="930716"/>
+          </a:xfrm>
+          <a:prstGeom prst="rightArrow">
+            <a:avLst/>
+          </a:prstGeom>
+        </p:spPr>
+        <p:style>
+          <a:lnRef idx="2">
+            <a:schemeClr val="accent1">
+              <a:shade val="50000"/>
+            </a:schemeClr>
+          </a:lnRef>
+          <a:fillRef idx="1">
+            <a:schemeClr val="accent1"/>
+          </a:fillRef>
+          <a:effectRef idx="0">
+            <a:schemeClr val="accent1"/>
+          </a:effectRef>
+          <a:fontRef idx="minor">
+            <a:schemeClr val="lt1"/>
+          </a:fontRef>
+        </p:style>
+        <p:txBody>
+          <a:bodyPr rtlCol="0" anchor="ctr"/>
+          <a:lstStyle/>
+          <a:p>
+            <a:pPr algn="ctr"/>
+            <a:endParaRPr kumimoji="1" lang="ja-JP" altLang="en-US"/>
+          </a:p>
+        </p:txBody>
+      </p:sp>
+      <p:sp>
+        <p:nvSpPr>
+          <p:cNvPr id="20" name="円柱 19"/>
+          <p:cNvSpPr/>
+          <p:nvPr/>
+        </p:nvSpPr>
+        <p:spPr>
+          <a:xfrm>
+            <a:off x="6191098" y="3586998"/>
+            <a:ext cx="1417400" cy="2881223"/>
+          </a:xfrm>
+          <a:prstGeom prst="can">
+            <a:avLst/>
+          </a:prstGeom>
+        </p:spPr>
+        <p:style>
+          <a:lnRef idx="2">
+            <a:schemeClr val="accent1">
+              <a:shade val="50000"/>
+            </a:schemeClr>
+          </a:lnRef>
+          <a:fillRef idx="1">
+            <a:schemeClr val="accent1"/>
+          </a:fillRef>
+          <a:effectRef idx="0">
+            <a:schemeClr val="accent1"/>
+          </a:effectRef>
+          <a:fontRef idx="minor">
+            <a:schemeClr val="lt1"/>
+          </a:fontRef>
+        </p:style>
+        <p:txBody>
+          <a:bodyPr rtlCol="0" anchor="ctr"/>
+          <a:lstStyle/>
+          <a:p>
+            <a:pPr algn="ctr"/>
+            <a:r>
+              <a:rPr lang="ja-JP" altLang="en-US" sz="1600" dirty="0"/>
+              <a:t>滞在</a:t>
+            </a:r>
+            <a:r>
+              <a:rPr lang="ja-JP" altLang="en-US" sz="1600" dirty="0" smtClean="0"/>
+              <a:t>管理</a:t>
+            </a:r>
+            <a:endParaRPr lang="en-US" altLang="ja-JP" sz="1600" dirty="0" smtClean="0"/>
+          </a:p>
+          <a:p>
+            <a:pPr algn="ctr"/>
+            <a:r>
+              <a:rPr lang="ja-JP" altLang="en-US" sz="1600" dirty="0" smtClean="0"/>
+              <a:t>ソフトウェア</a:t>
+            </a:r>
+            <a:endParaRPr kumimoji="1" lang="ja-JP" altLang="en-US" sz="1600" dirty="0"/>
+          </a:p>
+        </p:txBody>
+      </p:sp>
+      <p:sp>
+        <p:nvSpPr>
+          <p:cNvPr id="24" name="タイトル 1"/>
+          <p:cNvSpPr txBox="1">
+            <a:spLocks/>
+          </p:cNvSpPr>
+          <p:nvPr/>
+        </p:nvSpPr>
+        <p:spPr>
+          <a:xfrm>
+            <a:off x="948906" y="585216"/>
+            <a:ext cx="7677509" cy="1191826"/>
+          </a:xfrm>
+          <a:prstGeom prst="rect">
+            <a:avLst/>
+          </a:prstGeom>
+        </p:spPr>
+        <p:txBody>
+          <a:bodyPr vert="horz" lIns="91440" tIns="45720" rIns="91440" bIns="45720" rtlCol="0" anchor="ctr">
+            <a:normAutofit/>
+          </a:bodyPr>
+          <a:lstStyle>
+            <a:lvl1pPr algn="l" defTabSz="914400" rtl="0" eaLnBrk="1" latinLnBrk="0" hangingPunct="1">
+              <a:lnSpc>
+                <a:spcPct val="80000"/>
+              </a:lnSpc>
+              <a:spcBef>
+                <a:spcPct val="0"/>
+              </a:spcBef>
+              <a:buNone/>
+              <a:defRPr kumimoji="1" sz="5000" kern="1200" cap="all" spc="100" baseline="0">
+                <a:solidFill>
+                  <a:schemeClr val="tx1">
+                    <a:lumMod val="95000"/>
+                    <a:lumOff val="5000"/>
+                  </a:schemeClr>
+                </a:solidFill>
+                <a:latin typeface="+mj-lt"/>
+                <a:ea typeface="+mj-ea"/>
+                <a:cs typeface="+mj-cs"/>
+              </a:defRPr>
+            </a:lvl1pPr>
+          </a:lstStyle>
+          <a:p>
+            <a:r>
+              <a:rPr lang="en-US" altLang="ja-JP" sz="4000" dirty="0" smtClean="0"/>
+              <a:t>1.	</a:t>
+            </a:r>
+            <a:r>
+              <a:rPr lang="ja-JP" altLang="en-US" sz="4000" dirty="0" smtClean="0"/>
+              <a:t>システムの</a:t>
+            </a:r>
+            <a:r>
+              <a:rPr lang="ja-JP" altLang="en-US" sz="4000" dirty="0"/>
+              <a:t>概要</a:t>
+            </a:r>
+          </a:p>
+        </p:txBody>
+      </p:sp>
+      <p:cxnSp>
+        <p:nvCxnSpPr>
+          <p:cNvPr id="4" name="カギ線コネクタ 3"/>
+          <p:cNvCxnSpPr>
+            <a:stCxn id="20" idx="2"/>
+            <a:endCxn id="34" idx="3"/>
+          </p:cNvCxnSpPr>
+          <p:nvPr/>
+        </p:nvCxnSpPr>
+        <p:spPr>
+          <a:xfrm rot="10800000">
+            <a:off x="3928906" y="5025714"/>
+            <a:ext cx="2262193" cy="1896"/>
+          </a:xfrm>
+          <a:prstGeom prst="bentConnector3">
+            <a:avLst>
+              <a:gd name="adj1" fmla="val 50000"/>
+            </a:avLst>
+          </a:prstGeom>
+          <a:ln w="127000">
+            <a:tailEnd type="triangle"/>
+          </a:ln>
+        </p:spPr>
+        <p:style>
+          <a:lnRef idx="1">
+            <a:schemeClr val="accent1"/>
+          </a:lnRef>
+          <a:fillRef idx="0">
+            <a:schemeClr val="accent1"/>
+          </a:fillRef>
+          <a:effectRef idx="0">
+            <a:schemeClr val="accent1"/>
+          </a:effectRef>
+          <a:fontRef idx="minor">
+            <a:schemeClr val="tx1"/>
+          </a:fontRef>
+        </p:style>
+      </p:cxnSp>
+      <p:sp>
+        <p:nvSpPr>
+          <p:cNvPr id="27" name="テキスト ボックス 26"/>
+          <p:cNvSpPr txBox="1"/>
+          <p:nvPr/>
+        </p:nvSpPr>
+        <p:spPr>
+          <a:xfrm>
+            <a:off x="2028546" y="2273049"/>
+            <a:ext cx="7526215" cy="584775"/>
+          </a:xfrm>
+          <a:prstGeom prst="rect">
+            <a:avLst/>
+          </a:prstGeom>
+          <a:noFill/>
+        </p:spPr>
+        <p:txBody>
+          <a:bodyPr wrap="square" rtlCol="0">
+            <a:spAutoFit/>
+          </a:bodyPr>
+          <a:lstStyle/>
+          <a:p>
+            <a:r>
+              <a:rPr kumimoji="1" lang="ja-JP" altLang="en-US" sz="3200" dirty="0" smtClean="0"/>
+              <a:t>研究室の滞在状況を知ることができる</a:t>
+            </a:r>
+            <a:r>
+              <a:rPr kumimoji="1" lang="en-US" altLang="ja-JP" sz="3200" dirty="0" smtClean="0"/>
+              <a:t>!!</a:t>
+            </a:r>
+            <a:endParaRPr kumimoji="1" lang="ja-JP" altLang="en-US" sz="3200" dirty="0"/>
+          </a:p>
+        </p:txBody>
+      </p:sp>
+      <p:sp>
+        <p:nvSpPr>
+          <p:cNvPr id="29" name="テキスト ボックス 28"/>
+          <p:cNvSpPr txBox="1"/>
+          <p:nvPr/>
+        </p:nvSpPr>
+        <p:spPr>
+          <a:xfrm>
+            <a:off x="948906" y="1491693"/>
+            <a:ext cx="7677509" cy="523220"/>
+          </a:xfrm>
+          <a:prstGeom prst="rect">
+            <a:avLst/>
+          </a:prstGeom>
+          <a:noFill/>
+        </p:spPr>
+        <p:txBody>
+          <a:bodyPr wrap="square" rtlCol="0">
+            <a:spAutoFit/>
+          </a:bodyPr>
+          <a:lstStyle/>
+          <a:p>
+            <a:r>
+              <a:rPr kumimoji="1" lang="en-US" altLang="ja-JP" sz="2800" dirty="0" smtClean="0"/>
+              <a:t>1.2	</a:t>
+            </a:r>
+            <a:r>
+              <a:rPr kumimoji="1" lang="ja-JP" altLang="en-US" sz="2800" dirty="0" smtClean="0"/>
+              <a:t>システム開発の目的</a:t>
+            </a:r>
+            <a:endParaRPr kumimoji="1" lang="ja-JP" altLang="en-US" sz="2800" dirty="0"/>
+          </a:p>
+        </p:txBody>
+      </p:sp>
+      <p:sp>
+        <p:nvSpPr>
+          <p:cNvPr id="34" name="正方形/長方形 33"/>
+          <p:cNvSpPr/>
+          <p:nvPr/>
+        </p:nvSpPr>
+        <p:spPr>
+          <a:xfrm>
+            <a:off x="2028546" y="3586998"/>
+            <a:ext cx="1900359" cy="2877431"/>
+          </a:xfrm>
+          <a:prstGeom prst="rect">
+            <a:avLst/>
+          </a:prstGeom>
+          <a:noFill/>
+        </p:spPr>
+        <p:style>
+          <a:lnRef idx="2">
+            <a:schemeClr val="accent1">
+              <a:shade val="50000"/>
+            </a:schemeClr>
+          </a:lnRef>
+          <a:fillRef idx="1">
+            <a:schemeClr val="accent1"/>
+          </a:fillRef>
+          <a:effectRef idx="0">
+            <a:schemeClr val="accent1"/>
+          </a:effectRef>
+          <a:fontRef idx="minor">
+            <a:schemeClr val="lt1"/>
+          </a:fontRef>
+        </p:style>
+        <p:txBody>
+          <a:bodyPr rtlCol="0" anchor="ctr"/>
+          <a:lstStyle/>
+          <a:p>
+            <a:pPr algn="ctr"/>
+            <a:endParaRPr kumimoji="1" lang="ja-JP" altLang="en-US"/>
+          </a:p>
+        </p:txBody>
+      </p:sp>
+      <p:cxnSp>
+        <p:nvCxnSpPr>
+          <p:cNvPr id="44" name="直線矢印コネクタ 43"/>
+          <p:cNvCxnSpPr/>
+          <p:nvPr/>
+        </p:nvCxnSpPr>
+        <p:spPr>
+          <a:xfrm flipH="1">
+            <a:off x="7608498" y="5027609"/>
+            <a:ext cx="1798608" cy="1"/>
+          </a:xfrm>
+          <a:prstGeom prst="straightConnector1">
+            <a:avLst/>
+          </a:prstGeom>
+          <a:ln w="127000">
+            <a:tailEnd type="triangle"/>
+          </a:ln>
+        </p:spPr>
+        <p:style>
+          <a:lnRef idx="1">
+            <a:schemeClr val="accent1"/>
+          </a:lnRef>
+          <a:fillRef idx="0">
+            <a:schemeClr val="accent1"/>
+          </a:fillRef>
+          <a:effectRef idx="0">
+            <a:schemeClr val="accent1"/>
+          </a:effectRef>
+          <a:fontRef idx="minor">
+            <a:schemeClr val="tx1"/>
+          </a:fontRef>
+        </p:style>
+      </p:cxnSp>
+    </p:spTree>
+    <p:extLst>
+      <p:ext uri="{BB962C8B-B14F-4D97-AF65-F5344CB8AC3E}">
+        <p14:creationId xmlns:p14="http://schemas.microsoft.com/office/powerpoint/2010/main" val="767685504"/>
+      </p:ext>
+    </p:extLst>
+  </p:cSld>
+  <p:clrMapOvr>
+    <a:masterClrMapping/>
+  </p:clrMapOvr>
+  <p:timing>
+    <p:tnLst>
+      <p:par>
+        <p:cTn id="1" dur="indefinite" restart="never" nodeType="tmRoot"/>
+      </p:par>
+    </p:tnLst>
+  </p:timing>
 </p:sld>
 </file>
 
@@ -31884,7 +31557,7 @@
         </p:nvSpPr>
         <p:spPr>
           <a:xfrm>
-            <a:off x="948906" y="2127964"/>
+            <a:off x="1457865" y="2145217"/>
             <a:ext cx="1153524" cy="715993"/>
           </a:xfrm>
           <a:prstGeom prst="flowChartOffpageConnector">
@@ -31928,7 +31601,7 @@
         </p:nvSpPr>
         <p:spPr>
           <a:xfrm>
-            <a:off x="948906" y="4504543"/>
+            <a:off x="1457865" y="4521796"/>
             <a:ext cx="1153524" cy="715993"/>
           </a:xfrm>
           <a:prstGeom prst="flowChartOffpageConnector">
@@ -31958,7 +31631,7 @@
             <a:pPr algn="ctr"/>
             <a:r>
               <a:rPr kumimoji="1" lang="ja-JP" altLang="en-US" dirty="0" smtClean="0"/>
-              <a:t>内部設計</a:t>
+              <a:t>委託</a:t>
             </a:r>
             <a:endParaRPr kumimoji="1" lang="ja-JP" altLang="en-US" dirty="0"/>
           </a:p>
@@ -31972,7 +31645,7 @@
         </p:nvSpPr>
         <p:spPr>
           <a:xfrm>
-            <a:off x="948906" y="3712350"/>
+            <a:off x="1457865" y="3729603"/>
             <a:ext cx="1153524" cy="715993"/>
           </a:xfrm>
           <a:prstGeom prst="flowChartOffpageConnector">
@@ -32002,7 +31675,7 @@
             <a:pPr algn="ctr"/>
             <a:r>
               <a:rPr lang="ja-JP" altLang="en-US" dirty="0" smtClean="0"/>
-              <a:t>委託</a:t>
+              <a:t>内部設計</a:t>
             </a:r>
             <a:endParaRPr kumimoji="1" lang="ja-JP" altLang="en-US" dirty="0"/>
           </a:p>
@@ -32016,7 +31689,7 @@
         </p:nvSpPr>
         <p:spPr>
           <a:xfrm>
-            <a:off x="948906" y="2920157"/>
+            <a:off x="1457865" y="2937410"/>
             <a:ext cx="1153524" cy="715993"/>
           </a:xfrm>
           <a:prstGeom prst="flowChartOffpageConnector">
@@ -32060,7 +31733,7 @@
         </p:nvSpPr>
         <p:spPr>
           <a:xfrm>
-            <a:off x="948906" y="5296736"/>
+            <a:off x="1457865" y="5313989"/>
             <a:ext cx="1153524" cy="715993"/>
           </a:xfrm>
           <a:prstGeom prst="flowChartOffpageConnector">
@@ -32104,7 +31777,7 @@
         </p:nvSpPr>
         <p:spPr>
           <a:xfrm>
-            <a:off x="2197319" y="2127963"/>
+            <a:off x="2706278" y="2145216"/>
             <a:ext cx="6523985" cy="715993"/>
           </a:xfrm>
           <a:prstGeom prst="roundRect">
@@ -32160,7 +31833,7 @@
         </p:nvSpPr>
         <p:spPr>
           <a:xfrm>
-            <a:off x="2197318" y="2920157"/>
+            <a:off x="2706277" y="2937410"/>
             <a:ext cx="6523985" cy="715993"/>
           </a:xfrm>
           <a:prstGeom prst="roundRect">
@@ -32190,31 +31863,15 @@
             <a:pPr algn="ctr"/>
             <a:r>
               <a:rPr kumimoji="1" lang="ja-JP" altLang="en-US" dirty="0" smtClean="0"/>
-              <a:t>プロジェクト</a:t>
-            </a:r>
-            <a:r>
-              <a:rPr kumimoji="1" lang="ja-JP" altLang="en-US" dirty="0" smtClean="0"/>
-              <a:t>計画書</a:t>
+              <a:t>プロジェクト計画書</a:t>
             </a:r>
             <a:endParaRPr kumimoji="1" lang="en-US" altLang="ja-JP" dirty="0" smtClean="0"/>
           </a:p>
           <a:p>
             <a:pPr algn="ctr"/>
             <a:r>
-              <a:rPr lang="ja-JP" altLang="en-US" dirty="0" smtClean="0"/>
-              <a:t>外部設計</a:t>
-            </a:r>
-            <a:r>
-              <a:rPr lang="ja-JP" altLang="en-US" dirty="0"/>
-              <a:t>書</a:t>
-            </a:r>
-            <a:endParaRPr kumimoji="1" lang="en-US" altLang="ja-JP" dirty="0" smtClean="0"/>
-          </a:p>
-          <a:p>
-            <a:pPr algn="ctr"/>
-            <a:r>
               <a:rPr kumimoji="1" lang="ja-JP" altLang="en-US" dirty="0" smtClean="0"/>
-              <a:t>契約書</a:t>
+              <a:t>開発契約書</a:t>
             </a:r>
             <a:endParaRPr kumimoji="1" lang="ja-JP" altLang="en-US" dirty="0"/>
           </a:p>
@@ -32228,7 +31885,7 @@
         </p:nvSpPr>
         <p:spPr>
           <a:xfrm>
-            <a:off x="2197317" y="3712349"/>
+            <a:off x="2706276" y="3729602"/>
             <a:ext cx="6523985" cy="715993"/>
           </a:xfrm>
           <a:prstGeom prst="roundRect">
@@ -32257,12 +31914,8 @@
           <a:p>
             <a:pPr algn="ctr"/>
             <a:r>
-              <a:rPr lang="ja-JP" altLang="en-US" dirty="0" smtClean="0"/>
-              <a:t>発注</a:t>
-            </a:r>
-            <a:r>
-              <a:rPr lang="ja-JP" altLang="en-US" dirty="0"/>
-              <a:t>書</a:t>
+              <a:rPr lang="ja-JP" altLang="en-US"/>
+              <a:t>基本設計書</a:t>
             </a:r>
             <a:endParaRPr lang="ja-JP" altLang="en-US" dirty="0"/>
           </a:p>
@@ -32276,7 +31929,7 @@
         </p:nvSpPr>
         <p:spPr>
           <a:xfrm>
-            <a:off x="2197316" y="4504543"/>
+            <a:off x="2706275" y="4521796"/>
             <a:ext cx="6523985" cy="715993"/>
           </a:xfrm>
           <a:prstGeom prst="roundRect">
@@ -32328,7 +31981,7 @@
         </p:nvSpPr>
         <p:spPr>
           <a:xfrm>
-            <a:off x="2197316" y="5296736"/>
+            <a:off x="2706275" y="5313989"/>
             <a:ext cx="6523985" cy="715993"/>
           </a:xfrm>
           <a:prstGeom prst="roundRect">
@@ -32360,14 +32013,6 @@
               <a:rPr lang="ja-JP" altLang="en-US" dirty="0" smtClean="0"/>
               <a:t>マニュアル</a:t>
             </a:r>
-            <a:endParaRPr lang="en-US" altLang="ja-JP" dirty="0"/>
-          </a:p>
-          <a:p>
-            <a:pPr algn="ctr"/>
-            <a:r>
-              <a:rPr lang="ja-JP" altLang="en-US" dirty="0" smtClean="0"/>
-              <a:t>納品書</a:t>
-            </a:r>
             <a:endParaRPr lang="en-US" altLang="ja-JP" dirty="0" smtClean="0"/>
           </a:p>
         </p:txBody>
@@ -32396,7 +32041,7 @@
           <a:p>
             <a:r>
               <a:rPr kumimoji="1" lang="en-US" altLang="ja-JP" sz="2800" dirty="0" smtClean="0"/>
-              <a:t>1.2	</a:t>
+              <a:t>1.3	</a:t>
             </a:r>
             <a:r>
               <a:rPr kumimoji="1" lang="ja-JP" altLang="en-US" sz="2800" dirty="0" smtClean="0"/>
@@ -32498,8 +32143,12 @@
           <a:lstStyle/>
           <a:p>
             <a:r>
+              <a:rPr lang="en-US" altLang="ja-JP" sz="2800" dirty="0" smtClean="0"/>
+              <a:t>2</a:t>
+            </a:r>
+            <a:r>
               <a:rPr kumimoji="1" lang="en-US" altLang="ja-JP" sz="2800" dirty="0" smtClean="0"/>
-              <a:t>1.2	</a:t>
+              <a:t>.1	</a:t>
             </a:r>
             <a:r>
               <a:rPr lang="ja-JP" altLang="en-US" sz="2800" dirty="0"/>
@@ -32606,55 +32255,22 @@
             <a:pPr algn="ctr"/>
             <a:r>
               <a:rPr lang="ja-JP" altLang="en-US" sz="2800" dirty="0"/>
-              <a:t>どの場所にいて</a:t>
-            </a:r>
-            <a:r>
-              <a:rPr lang="ja-JP" altLang="en-US" sz="2800" dirty="0" smtClean="0"/>
-              <a:t>も</a:t>
-            </a:r>
-            <a:endParaRPr lang="en-US" altLang="ja-JP" sz="2800" dirty="0"/>
+              <a:t>どの場所にいても</a:t>
+            </a:r>
           </a:p>
           <a:p>
             <a:pPr algn="ctr"/>
             <a:r>
+              <a:rPr lang="ja-JP" altLang="en-US" sz="2800" dirty="0"/>
+              <a:t>アプリ</a:t>
+            </a:r>
+            <a:r>
               <a:rPr lang="ja-JP" altLang="en-US" sz="2800" dirty="0" smtClean="0"/>
-              <a:t>携帯や</a:t>
-            </a:r>
-            <a:r>
-              <a:rPr lang="en-US" altLang="ja-JP" sz="2800" dirty="0" smtClean="0"/>
-              <a:t>PC</a:t>
-            </a:r>
-            <a:r>
-              <a:rPr lang="ja-JP" altLang="en-US" sz="2800" dirty="0" smtClean="0"/>
-              <a:t>を</a:t>
+              <a:t>を利用</a:t>
             </a:r>
             <a:r>
               <a:rPr kumimoji="1" lang="ja-JP" altLang="en-US" sz="2800" dirty="0" smtClean="0"/>
-              <a:t>使用</a:t>
-            </a:r>
-            <a:r>
-              <a:rPr kumimoji="1" lang="ja-JP" altLang="en-US" sz="2800" dirty="0" smtClean="0"/>
-              <a:t>すること</a:t>
-            </a:r>
-            <a:r>
-              <a:rPr kumimoji="1" lang="ja-JP" altLang="en-US" sz="2800" dirty="0" smtClean="0"/>
-              <a:t>で</a:t>
-            </a:r>
-            <a:endParaRPr kumimoji="1" lang="en-US" altLang="ja-JP" sz="2800" dirty="0" smtClean="0"/>
-          </a:p>
-          <a:p>
-            <a:pPr algn="ctr"/>
-            <a:r>
-              <a:rPr kumimoji="1" lang="ja-JP" altLang="en-US" sz="2800" dirty="0" smtClean="0"/>
-              <a:t>誰</a:t>
-            </a:r>
-            <a:r>
-              <a:rPr kumimoji="1" lang="ja-JP" altLang="en-US" sz="2800" dirty="0" smtClean="0"/>
-              <a:t>が研究室にいるか確認</a:t>
-            </a:r>
-            <a:r>
-              <a:rPr kumimoji="1" lang="ja-JP" altLang="en-US" sz="2800" dirty="0" smtClean="0"/>
-              <a:t>できること</a:t>
+              <a:t>することで誰が研究室にいるか確認できる</a:t>
             </a:r>
             <a:endParaRPr kumimoji="1" lang="ja-JP" altLang="en-US" sz="2800" dirty="0"/>
           </a:p>
@@ -32697,18 +32313,18 @@
           <a:p>
             <a:pPr algn="ctr"/>
             <a:r>
-              <a:rPr lang="ja-JP" altLang="en-US" sz="2800" dirty="0"/>
-              <a:t>学</a:t>
-            </a:r>
-            <a:r>
-              <a:rPr lang="ja-JP" altLang="en-US" sz="2800" dirty="0" smtClean="0"/>
-              <a:t>んできた</a:t>
-            </a:r>
-            <a:r>
-              <a:rPr lang="ja-JP" altLang="en-US" sz="2800" dirty="0" smtClean="0"/>
-              <a:t>ことを実践すること</a:t>
+              <a:rPr kumimoji="1" lang="ja-JP" altLang="en-US" sz="2800" dirty="0" smtClean="0"/>
+              <a:t>人を確認できることで</a:t>
             </a:r>
             <a:endParaRPr kumimoji="1" lang="en-US" altLang="ja-JP" sz="2800" dirty="0" smtClean="0"/>
+          </a:p>
+          <a:p>
+            <a:pPr algn="ctr"/>
+            <a:r>
+              <a:rPr kumimoji="1" lang="ja-JP" altLang="en-US" sz="2800" dirty="0" smtClean="0"/>
+              <a:t>研究室内、及び研究室間での交流が深まりやすくなる</a:t>
+            </a:r>
+            <a:endParaRPr kumimoji="1" lang="ja-JP" altLang="en-US" sz="2800" dirty="0"/>
           </a:p>
         </p:txBody>
       </p:sp>
@@ -32722,6 +32338,13 @@
   <p:clrMapOvr>
     <a:masterClrMapping/>
   </p:clrMapOvr>
+  <p:timing>
+    <p:tnLst>
+      <p:par>
+        <p:cTn id="1" dur="indefinite" restart="never" nodeType="tmRoot"/>
+      </p:par>
+    </p:tnLst>
+  </p:timing>
 </p:sld>
 </file>
 
@@ -32798,7 +32421,7 @@
           <a:p>
             <a:r>
               <a:rPr kumimoji="1" lang="en-US" altLang="ja-JP" sz="2800" dirty="0" smtClean="0"/>
-              <a:t>1.3	</a:t>
+              <a:t>2.2	</a:t>
             </a:r>
             <a:r>
               <a:rPr lang="ja-JP" altLang="en-US" sz="2800" dirty="0"/>
@@ -32905,11 +32528,7 @@
             <a:pPr algn="ctr"/>
             <a:r>
               <a:rPr lang="ja-JP" altLang="en-US" sz="2800" dirty="0" smtClean="0"/>
-              <a:t>アプリケーション上で滞在者を表示</a:t>
-            </a:r>
-            <a:r>
-              <a:rPr lang="ja-JP" altLang="en-US" sz="2800" dirty="0" smtClean="0"/>
-              <a:t>させること</a:t>
+              <a:t>アプリケーション上で滞在者を表示させる</a:t>
             </a:r>
             <a:endParaRPr kumimoji="1" lang="ja-JP" altLang="en-US" sz="2800" dirty="0"/>
           </a:p>
@@ -32952,18 +32571,14 @@
           <a:p>
             <a:pPr algn="ctr"/>
             <a:r>
-              <a:rPr kumimoji="1" lang="en-US" altLang="ja-JP" sz="2800" dirty="0" smtClean="0"/>
+              <a:rPr lang="en-US" altLang="ja-JP" sz="2800" dirty="0"/>
               <a:t>QCD</a:t>
             </a:r>
             <a:r>
-              <a:rPr lang="ja-JP" altLang="en-US" sz="2800" dirty="0"/>
-              <a:t>基準</a:t>
-            </a:r>
-            <a:r>
-              <a:rPr lang="ja-JP" altLang="en-US" sz="2800" dirty="0" smtClean="0"/>
-              <a:t>を満たすこと</a:t>
-            </a:r>
-            <a:endParaRPr kumimoji="1" lang="ja-JP" altLang="en-US" sz="2800" dirty="0"/>
+              <a:rPr lang="ja-JP" altLang="en-US" sz="2800"/>
+              <a:t>基準を満たすこと</a:t>
+            </a:r>
+            <a:endParaRPr lang="ja-JP" altLang="en-US" sz="2800" dirty="0"/>
           </a:p>
         </p:txBody>
       </p:sp>
@@ -32977,6 +32592,13 @@
   <p:clrMapOvr>
     <a:masterClrMapping/>
   </p:clrMapOvr>
+  <p:timing>
+    <p:tnLst>
+      <p:par>
+        <p:cTn id="1" dur="indefinite" restart="never" nodeType="tmRoot"/>
+      </p:par>
+    </p:tnLst>
+  </p:timing>
 </p:sld>
 </file>
 

--- a/yabuki-a/PM演習矢吹a/PM演習_中間報告_矢吹研A班.pptx
+++ b/yabuki-a/PM演習矢吹a/PM演習_中間報告_矢吹研A班.pptx
@@ -610,11 +610,11 @@
           <c:showBubbleSize val="0"/>
         </c:dLbls>
         <c:smooth val="0"/>
-        <c:axId val="276726784"/>
-        <c:axId val="304538624"/>
+        <c:axId val="286367648"/>
+        <c:axId val="286368208"/>
       </c:lineChart>
       <c:dateAx>
-        <c:axId val="276726784"/>
+        <c:axId val="286367648"/>
         <c:scaling>
           <c:orientation val="minMax"/>
         </c:scaling>
@@ -624,14 +624,14 @@
         <c:majorTickMark val="out"/>
         <c:minorTickMark val="none"/>
         <c:tickLblPos val="nextTo"/>
-        <c:crossAx val="304538624"/>
+        <c:crossAx val="286368208"/>
         <c:crosses val="autoZero"/>
         <c:auto val="1"/>
         <c:lblOffset val="100"/>
         <c:baseTimeUnit val="days"/>
       </c:dateAx>
       <c:valAx>
-        <c:axId val="304538624"/>
+        <c:axId val="286368208"/>
         <c:scaling>
           <c:orientation val="minMax"/>
         </c:scaling>
@@ -652,7 +652,7 @@
             <a:endParaRPr lang="ja-JP"/>
           </a:p>
         </c:txPr>
-        <c:crossAx val="276726784"/>
+        <c:crossAx val="286367648"/>
         <c:crosses val="autoZero"/>
         <c:crossBetween val="between"/>
       </c:valAx>
@@ -41870,7 +41870,7 @@
         </p:xfrm>
         <a:graphic>
           <a:graphicData uri="http://schemas.openxmlformats.org/drawingml/2006/chart">
-            <c:chart xmlns:c="http://schemas.openxmlformats.org/drawingml/2006/chart" xmlns:r="http://schemas.openxmlformats.org/officeDocument/2006/relationships" r:id="rId3"/>
+            <c:chart xmlns:c="http://schemas.openxmlformats.org/drawingml/2006/chart" xmlns:r="http://schemas.openxmlformats.org/officeDocument/2006/relationships" r:id="rId2"/>
           </a:graphicData>
         </a:graphic>
       </p:graphicFrame>
@@ -43601,12 +43601,6 @@
               </a:rPr>
               <a:t>体制図</a:t>
             </a:r>
-            <a:endParaRPr lang="ja-JP" altLang="en-US" sz="2400" dirty="0" smtClean="0">
-              <a:solidFill>
-                <a:prstClr val="black"/>
-              </a:solidFill>
-              <a:latin typeface="Century Gothic" panose="020B0502020202020204"/>
-            </a:endParaRPr>
           </a:p>
         </p:txBody>
       </p:sp>
@@ -47244,11 +47238,7 @@
             </a:r>
             <a:r>
               <a:rPr kumimoji="1" lang="en-US" altLang="ja-JP" sz="2800" dirty="0" smtClean="0"/>
-              <a:t>.3</a:t>
-            </a:r>
-            <a:r>
-              <a:rPr kumimoji="1" lang="en-US" altLang="ja-JP" sz="2800" dirty="0" smtClean="0"/>
-              <a:t>	</a:t>
+              <a:t>.3	</a:t>
             </a:r>
             <a:r>
               <a:rPr lang="ja-JP" altLang="en-US" sz="2800" dirty="0" smtClean="0"/>
